--- a/(生命聖詩22)快樂崇拜.pptx
+++ b/(生命聖詩22)快樂崇拜.pptx
@@ -2,7 +2,7 @@
 <file path=ppt/presentation.xml><?xml version="1.0" encoding="utf-8"?>
 <p:presentation xmlns:a="http://schemas.openxmlformats.org/drawingml/2006/main" xmlns:r="http://schemas.openxmlformats.org/officeDocument/2006/relationships" xmlns:p="http://schemas.openxmlformats.org/presentationml/2006/main" saveSubsetFonts="1">
   <p:sldMasterIdLst>
-    <p:sldMasterId id="2147483660" r:id="rId1"/>
+    <p:sldMasterId id="2147483672" r:id="rId1"/>
   </p:sldMasterIdLst>
   <p:sldIdLst>
     <p:sldId id="256" r:id="rId2"/>
@@ -133,7 +133,7 @@
       </p:grpSpPr>
       <p:sp>
         <p:nvSpPr>
-          <p:cNvPr id="2" name="Title 1"/>
+          <p:cNvPr id="2" name="標題 1"/>
           <p:cNvSpPr>
             <a:spLocks noGrp="1"/>
           </p:cNvSpPr>
@@ -155,13 +155,13 @@
               <a:rPr lang="zh-TW" altLang="en-US" smtClean="0"/>
               <a:t>按一下以編輯母片標題樣式</a:t>
             </a:r>
-            <a:endParaRPr lang="en-AU"/>
-          </a:p>
-        </p:txBody>
-      </p:sp>
-      <p:sp>
-        <p:nvSpPr>
-          <p:cNvPr id="3" name="Subtitle 2"/>
+            <a:endParaRPr lang="zh-TW" altLang="en-US"/>
+          </a:p>
+        </p:txBody>
+      </p:sp>
+      <p:sp>
+        <p:nvSpPr>
+          <p:cNvPr id="3" name="副標題 2"/>
           <p:cNvSpPr>
             <a:spLocks noGrp="1"/>
           </p:cNvSpPr>
@@ -180,39 +180,93 @@
           <a:lstStyle>
             <a:lvl1pPr marL="0" indent="0" algn="ctr">
               <a:buNone/>
-              <a:defRPr/>
+              <a:defRPr>
+                <a:solidFill>
+                  <a:schemeClr val="tx1">
+                    <a:tint val="75000"/>
+                  </a:schemeClr>
+                </a:solidFill>
+              </a:defRPr>
             </a:lvl1pPr>
             <a:lvl2pPr marL="457200" indent="0" algn="ctr">
               <a:buNone/>
-              <a:defRPr/>
+              <a:defRPr>
+                <a:solidFill>
+                  <a:schemeClr val="tx1">
+                    <a:tint val="75000"/>
+                  </a:schemeClr>
+                </a:solidFill>
+              </a:defRPr>
             </a:lvl2pPr>
             <a:lvl3pPr marL="914400" indent="0" algn="ctr">
               <a:buNone/>
-              <a:defRPr/>
+              <a:defRPr>
+                <a:solidFill>
+                  <a:schemeClr val="tx1">
+                    <a:tint val="75000"/>
+                  </a:schemeClr>
+                </a:solidFill>
+              </a:defRPr>
             </a:lvl3pPr>
             <a:lvl4pPr marL="1371600" indent="0" algn="ctr">
               <a:buNone/>
-              <a:defRPr/>
+              <a:defRPr>
+                <a:solidFill>
+                  <a:schemeClr val="tx1">
+                    <a:tint val="75000"/>
+                  </a:schemeClr>
+                </a:solidFill>
+              </a:defRPr>
             </a:lvl4pPr>
             <a:lvl5pPr marL="1828800" indent="0" algn="ctr">
               <a:buNone/>
-              <a:defRPr/>
+              <a:defRPr>
+                <a:solidFill>
+                  <a:schemeClr val="tx1">
+                    <a:tint val="75000"/>
+                  </a:schemeClr>
+                </a:solidFill>
+              </a:defRPr>
             </a:lvl5pPr>
             <a:lvl6pPr marL="2286000" indent="0" algn="ctr">
               <a:buNone/>
-              <a:defRPr/>
+              <a:defRPr>
+                <a:solidFill>
+                  <a:schemeClr val="tx1">
+                    <a:tint val="75000"/>
+                  </a:schemeClr>
+                </a:solidFill>
+              </a:defRPr>
             </a:lvl6pPr>
             <a:lvl7pPr marL="2743200" indent="0" algn="ctr">
               <a:buNone/>
-              <a:defRPr/>
+              <a:defRPr>
+                <a:solidFill>
+                  <a:schemeClr val="tx1">
+                    <a:tint val="75000"/>
+                  </a:schemeClr>
+                </a:solidFill>
+              </a:defRPr>
             </a:lvl7pPr>
             <a:lvl8pPr marL="3200400" indent="0" algn="ctr">
               <a:buNone/>
-              <a:defRPr/>
+              <a:defRPr>
+                <a:solidFill>
+                  <a:schemeClr val="tx1">
+                    <a:tint val="75000"/>
+                  </a:schemeClr>
+                </a:solidFill>
+              </a:defRPr>
             </a:lvl8pPr>
             <a:lvl9pPr marL="3657600" indent="0" algn="ctr">
               <a:buNone/>
-              <a:defRPr/>
+              <a:defRPr>
+                <a:solidFill>
+                  <a:schemeClr val="tx1">
+                    <a:tint val="75000"/>
+                  </a:schemeClr>
+                </a:solidFill>
+              </a:defRPr>
             </a:lvl9pPr>
           </a:lstStyle>
           <a:p>
@@ -220,34 +274,29 @@
               <a:rPr lang="zh-TW" altLang="en-US" smtClean="0"/>
               <a:t>按一下以編輯母片副標題樣式</a:t>
             </a:r>
-            <a:endParaRPr lang="en-AU"/>
-          </a:p>
-        </p:txBody>
-      </p:sp>
-      <p:sp>
-        <p:nvSpPr>
-          <p:cNvPr id="4" name="Rectangle 3"/>
-          <p:cNvSpPr>
-            <a:spLocks noGrp="1" noChangeArrowheads="1"/>
-          </p:cNvSpPr>
-          <p:nvPr>
-            <p:ph type="dt" idx="10"/>
-          </p:nvPr>
-        </p:nvSpPr>
-        <p:spPr>
-          <a:ln/>
-        </p:spPr>
-        <p:txBody>
-          <a:bodyPr/>
-          <a:lstStyle>
-            <a:lvl1pPr>
-              <a:defRPr/>
-            </a:lvl1pPr>
-          </a:lstStyle>
+            <a:endParaRPr lang="zh-TW" altLang="en-US"/>
+          </a:p>
+        </p:txBody>
+      </p:sp>
+      <p:sp>
+        <p:nvSpPr>
+          <p:cNvPr id="4" name="日期版面配置區 3"/>
+          <p:cNvSpPr>
+            <a:spLocks noGrp="1"/>
+          </p:cNvSpPr>
+          <p:nvPr>
+            <p:ph type="dt" sz="half" idx="10"/>
+          </p:nvPr>
+        </p:nvSpPr>
+        <p:spPr/>
+        <p:txBody>
+          <a:bodyPr/>
+          <a:lstStyle/>
           <a:p>
             <a:fld id="{05A69A1E-DAA9-4275-BEE8-271897FFC734}" type="datetimeFigureOut">
               <a:rPr lang="zh-TW" altLang="en-US" smtClean="0"/>
-              <a:t>2017/6/3</a:t>
+              <a:pPr/>
+              <a:t>2019/5/5</a:t>
             </a:fld>
             <a:endParaRPr lang="zh-TW" altLang="en-US"/>
           </a:p>
@@ -255,52 +304,41 @@
       </p:sp>
       <p:sp>
         <p:nvSpPr>
-          <p:cNvPr id="5" name="Rectangle 4"/>
-          <p:cNvSpPr>
-            <a:spLocks noGrp="1" noChangeArrowheads="1"/>
-          </p:cNvSpPr>
-          <p:nvPr>
-            <p:ph type="ftr" idx="11"/>
-          </p:nvPr>
-        </p:nvSpPr>
-        <p:spPr>
-          <a:ln/>
-        </p:spPr>
-        <p:txBody>
-          <a:bodyPr/>
-          <a:lstStyle>
-            <a:lvl1pPr>
-              <a:defRPr/>
-            </a:lvl1pPr>
-          </a:lstStyle>
-          <a:p>
-            <a:endParaRPr lang="zh-TW" altLang="en-US"/>
-          </a:p>
-        </p:txBody>
-      </p:sp>
-      <p:sp>
-        <p:nvSpPr>
-          <p:cNvPr id="6" name="Rectangle 5"/>
-          <p:cNvSpPr>
-            <a:spLocks noGrp="1" noChangeArrowheads="1"/>
-          </p:cNvSpPr>
-          <p:nvPr>
-            <p:ph type="sldNum" idx="12"/>
-          </p:nvPr>
-        </p:nvSpPr>
-        <p:spPr>
-          <a:ln/>
-        </p:spPr>
-        <p:txBody>
-          <a:bodyPr/>
-          <a:lstStyle>
-            <a:lvl1pPr>
-              <a:defRPr/>
-            </a:lvl1pPr>
-          </a:lstStyle>
+          <p:cNvPr id="5" name="頁尾版面配置區 4"/>
+          <p:cNvSpPr>
+            <a:spLocks noGrp="1"/>
+          </p:cNvSpPr>
+          <p:nvPr>
+            <p:ph type="ftr" sz="quarter" idx="11"/>
+          </p:nvPr>
+        </p:nvSpPr>
+        <p:spPr/>
+        <p:txBody>
+          <a:bodyPr/>
+          <a:lstStyle/>
+          <a:p>
+            <a:endParaRPr lang="zh-TW" altLang="en-US"/>
+          </a:p>
+        </p:txBody>
+      </p:sp>
+      <p:sp>
+        <p:nvSpPr>
+          <p:cNvPr id="6" name="投影片編號版面配置區 5"/>
+          <p:cNvSpPr>
+            <a:spLocks noGrp="1"/>
+          </p:cNvSpPr>
+          <p:nvPr>
+            <p:ph type="sldNum" sz="quarter" idx="12"/>
+          </p:nvPr>
+        </p:nvSpPr>
+        <p:spPr/>
+        <p:txBody>
+          <a:bodyPr/>
+          <a:lstStyle/>
           <a:p>
             <a:fld id="{1B3F3C93-6E62-43B1-AFB0-2BFA3EB88CE4}" type="slidenum">
               <a:rPr lang="zh-TW" altLang="en-US" smtClean="0"/>
+              <a:pPr/>
               <a:t>‹#›</a:t>
             </a:fld>
             <a:endParaRPr lang="zh-TW" altLang="en-US"/>
@@ -334,7 +372,7 @@
       </p:grpSpPr>
       <p:sp>
         <p:nvSpPr>
-          <p:cNvPr id="2" name="Title 1"/>
+          <p:cNvPr id="2" name="標題 1"/>
           <p:cNvSpPr>
             <a:spLocks noGrp="1"/>
           </p:cNvSpPr>
@@ -351,13 +389,13 @@
               <a:rPr lang="zh-TW" altLang="en-US" smtClean="0"/>
               <a:t>按一下以編輯母片標題樣式</a:t>
             </a:r>
-            <a:endParaRPr lang="en-AU"/>
-          </a:p>
-        </p:txBody>
-      </p:sp>
-      <p:sp>
-        <p:nvSpPr>
-          <p:cNvPr id="3" name="Vertical Text Placeholder 2"/>
+            <a:endParaRPr lang="zh-TW" altLang="en-US"/>
+          </a:p>
+        </p:txBody>
+      </p:sp>
+      <p:sp>
+        <p:nvSpPr>
+          <p:cNvPr id="3" name="直排文字版面配置區 2"/>
           <p:cNvSpPr>
             <a:spLocks noGrp="1"/>
           </p:cNvSpPr>
@@ -403,34 +441,29 @@
               <a:rPr lang="zh-TW" altLang="en-US" smtClean="0"/>
               <a:t>第五層</a:t>
             </a:r>
-            <a:endParaRPr lang="en-AU"/>
-          </a:p>
-        </p:txBody>
-      </p:sp>
-      <p:sp>
-        <p:nvSpPr>
-          <p:cNvPr id="4" name="Rectangle 3"/>
-          <p:cNvSpPr>
-            <a:spLocks noGrp="1" noChangeArrowheads="1"/>
-          </p:cNvSpPr>
-          <p:nvPr>
-            <p:ph type="dt" idx="10"/>
-          </p:nvPr>
-        </p:nvSpPr>
-        <p:spPr>
-          <a:ln/>
-        </p:spPr>
-        <p:txBody>
-          <a:bodyPr/>
-          <a:lstStyle>
-            <a:lvl1pPr>
-              <a:defRPr/>
-            </a:lvl1pPr>
-          </a:lstStyle>
+            <a:endParaRPr lang="zh-TW" altLang="en-US"/>
+          </a:p>
+        </p:txBody>
+      </p:sp>
+      <p:sp>
+        <p:nvSpPr>
+          <p:cNvPr id="4" name="日期版面配置區 3"/>
+          <p:cNvSpPr>
+            <a:spLocks noGrp="1"/>
+          </p:cNvSpPr>
+          <p:nvPr>
+            <p:ph type="dt" sz="half" idx="10"/>
+          </p:nvPr>
+        </p:nvSpPr>
+        <p:spPr/>
+        <p:txBody>
+          <a:bodyPr/>
+          <a:lstStyle/>
           <a:p>
             <a:fld id="{05A69A1E-DAA9-4275-BEE8-271897FFC734}" type="datetimeFigureOut">
               <a:rPr lang="zh-TW" altLang="en-US" smtClean="0"/>
-              <a:t>2017/6/3</a:t>
+              <a:pPr/>
+              <a:t>2019/5/5</a:t>
             </a:fld>
             <a:endParaRPr lang="zh-TW" altLang="en-US"/>
           </a:p>
@@ -438,52 +471,41 @@
       </p:sp>
       <p:sp>
         <p:nvSpPr>
-          <p:cNvPr id="5" name="Rectangle 4"/>
-          <p:cNvSpPr>
-            <a:spLocks noGrp="1" noChangeArrowheads="1"/>
-          </p:cNvSpPr>
-          <p:nvPr>
-            <p:ph type="ftr" idx="11"/>
-          </p:nvPr>
-        </p:nvSpPr>
-        <p:spPr>
-          <a:ln/>
-        </p:spPr>
-        <p:txBody>
-          <a:bodyPr/>
-          <a:lstStyle>
-            <a:lvl1pPr>
-              <a:defRPr/>
-            </a:lvl1pPr>
-          </a:lstStyle>
-          <a:p>
-            <a:endParaRPr lang="zh-TW" altLang="en-US"/>
-          </a:p>
-        </p:txBody>
-      </p:sp>
-      <p:sp>
-        <p:nvSpPr>
-          <p:cNvPr id="6" name="Rectangle 5"/>
-          <p:cNvSpPr>
-            <a:spLocks noGrp="1" noChangeArrowheads="1"/>
-          </p:cNvSpPr>
-          <p:nvPr>
-            <p:ph type="sldNum" idx="12"/>
-          </p:nvPr>
-        </p:nvSpPr>
-        <p:spPr>
-          <a:ln/>
-        </p:spPr>
-        <p:txBody>
-          <a:bodyPr/>
-          <a:lstStyle>
-            <a:lvl1pPr>
-              <a:defRPr/>
-            </a:lvl1pPr>
-          </a:lstStyle>
+          <p:cNvPr id="5" name="頁尾版面配置區 4"/>
+          <p:cNvSpPr>
+            <a:spLocks noGrp="1"/>
+          </p:cNvSpPr>
+          <p:nvPr>
+            <p:ph type="ftr" sz="quarter" idx="11"/>
+          </p:nvPr>
+        </p:nvSpPr>
+        <p:spPr/>
+        <p:txBody>
+          <a:bodyPr/>
+          <a:lstStyle/>
+          <a:p>
+            <a:endParaRPr lang="zh-TW" altLang="en-US"/>
+          </a:p>
+        </p:txBody>
+      </p:sp>
+      <p:sp>
+        <p:nvSpPr>
+          <p:cNvPr id="6" name="投影片編號版面配置區 5"/>
+          <p:cNvSpPr>
+            <a:spLocks noGrp="1"/>
+          </p:cNvSpPr>
+          <p:nvPr>
+            <p:ph type="sldNum" sz="quarter" idx="12"/>
+          </p:nvPr>
+        </p:nvSpPr>
+        <p:spPr/>
+        <p:txBody>
+          <a:bodyPr/>
+          <a:lstStyle/>
           <a:p>
             <a:fld id="{1B3F3C93-6E62-43B1-AFB0-2BFA3EB88CE4}" type="slidenum">
               <a:rPr lang="zh-TW" altLang="en-US" smtClean="0"/>
+              <a:pPr/>
               <a:t>‹#›</a:t>
             </a:fld>
             <a:endParaRPr lang="zh-TW" altLang="en-US"/>
@@ -517,7 +539,7 @@
       </p:grpSpPr>
       <p:sp>
         <p:nvSpPr>
-          <p:cNvPr id="2" name="Vertical Title 1"/>
+          <p:cNvPr id="2" name="直排標題 1"/>
           <p:cNvSpPr>
             <a:spLocks noGrp="1"/>
           </p:cNvSpPr>
@@ -527,8 +549,8 @@
         </p:nvSpPr>
         <p:spPr>
           <a:xfrm>
-            <a:off x="6629400" y="128588"/>
-            <a:ext cx="2055813" cy="5995987"/>
+            <a:off x="6629400" y="274638"/>
+            <a:ext cx="2057400" cy="5851525"/>
           </a:xfrm>
         </p:spPr>
         <p:txBody>
@@ -539,13 +561,13 @@
               <a:rPr lang="zh-TW" altLang="en-US" smtClean="0"/>
               <a:t>按一下以編輯母片標題樣式</a:t>
             </a:r>
-            <a:endParaRPr lang="en-AU"/>
-          </a:p>
-        </p:txBody>
-      </p:sp>
-      <p:sp>
-        <p:nvSpPr>
-          <p:cNvPr id="3" name="Vertical Text Placeholder 2"/>
+            <a:endParaRPr lang="zh-TW" altLang="en-US"/>
+          </a:p>
+        </p:txBody>
+      </p:sp>
+      <p:sp>
+        <p:nvSpPr>
+          <p:cNvPr id="3" name="直排文字版面配置區 2"/>
           <p:cNvSpPr>
             <a:spLocks noGrp="1"/>
           </p:cNvSpPr>
@@ -555,8 +577,8 @@
         </p:nvSpPr>
         <p:spPr>
           <a:xfrm>
-            <a:off x="457200" y="128588"/>
-            <a:ext cx="6019800" cy="5995987"/>
+            <a:off x="457200" y="274638"/>
+            <a:ext cx="6019800" cy="5851525"/>
           </a:xfrm>
         </p:spPr>
         <p:txBody>
@@ -596,34 +618,29 @@
               <a:rPr lang="zh-TW" altLang="en-US" smtClean="0"/>
               <a:t>第五層</a:t>
             </a:r>
-            <a:endParaRPr lang="en-AU"/>
-          </a:p>
-        </p:txBody>
-      </p:sp>
-      <p:sp>
-        <p:nvSpPr>
-          <p:cNvPr id="4" name="Rectangle 3"/>
-          <p:cNvSpPr>
-            <a:spLocks noGrp="1" noChangeArrowheads="1"/>
-          </p:cNvSpPr>
-          <p:nvPr>
-            <p:ph type="dt" idx="10"/>
-          </p:nvPr>
-        </p:nvSpPr>
-        <p:spPr>
-          <a:ln/>
-        </p:spPr>
-        <p:txBody>
-          <a:bodyPr/>
-          <a:lstStyle>
-            <a:lvl1pPr>
-              <a:defRPr/>
-            </a:lvl1pPr>
-          </a:lstStyle>
+            <a:endParaRPr lang="zh-TW" altLang="en-US"/>
+          </a:p>
+        </p:txBody>
+      </p:sp>
+      <p:sp>
+        <p:nvSpPr>
+          <p:cNvPr id="4" name="日期版面配置區 3"/>
+          <p:cNvSpPr>
+            <a:spLocks noGrp="1"/>
+          </p:cNvSpPr>
+          <p:nvPr>
+            <p:ph type="dt" sz="half" idx="10"/>
+          </p:nvPr>
+        </p:nvSpPr>
+        <p:spPr/>
+        <p:txBody>
+          <a:bodyPr/>
+          <a:lstStyle/>
           <a:p>
             <a:fld id="{05A69A1E-DAA9-4275-BEE8-271897FFC734}" type="datetimeFigureOut">
               <a:rPr lang="zh-TW" altLang="en-US" smtClean="0"/>
-              <a:t>2017/6/3</a:t>
+              <a:pPr/>
+              <a:t>2019/5/5</a:t>
             </a:fld>
             <a:endParaRPr lang="zh-TW" altLang="en-US"/>
           </a:p>
@@ -631,52 +648,41 @@
       </p:sp>
       <p:sp>
         <p:nvSpPr>
-          <p:cNvPr id="5" name="Rectangle 4"/>
-          <p:cNvSpPr>
-            <a:spLocks noGrp="1" noChangeArrowheads="1"/>
-          </p:cNvSpPr>
-          <p:nvPr>
-            <p:ph type="ftr" idx="11"/>
-          </p:nvPr>
-        </p:nvSpPr>
-        <p:spPr>
-          <a:ln/>
-        </p:spPr>
-        <p:txBody>
-          <a:bodyPr/>
-          <a:lstStyle>
-            <a:lvl1pPr>
-              <a:defRPr/>
-            </a:lvl1pPr>
-          </a:lstStyle>
-          <a:p>
-            <a:endParaRPr lang="zh-TW" altLang="en-US"/>
-          </a:p>
-        </p:txBody>
-      </p:sp>
-      <p:sp>
-        <p:nvSpPr>
-          <p:cNvPr id="6" name="Rectangle 5"/>
-          <p:cNvSpPr>
-            <a:spLocks noGrp="1" noChangeArrowheads="1"/>
-          </p:cNvSpPr>
-          <p:nvPr>
-            <p:ph type="sldNum" idx="12"/>
-          </p:nvPr>
-        </p:nvSpPr>
-        <p:spPr>
-          <a:ln/>
-        </p:spPr>
-        <p:txBody>
-          <a:bodyPr/>
-          <a:lstStyle>
-            <a:lvl1pPr>
-              <a:defRPr/>
-            </a:lvl1pPr>
-          </a:lstStyle>
+          <p:cNvPr id="5" name="頁尾版面配置區 4"/>
+          <p:cNvSpPr>
+            <a:spLocks noGrp="1"/>
+          </p:cNvSpPr>
+          <p:nvPr>
+            <p:ph type="ftr" sz="quarter" idx="11"/>
+          </p:nvPr>
+        </p:nvSpPr>
+        <p:spPr/>
+        <p:txBody>
+          <a:bodyPr/>
+          <a:lstStyle/>
+          <a:p>
+            <a:endParaRPr lang="zh-TW" altLang="en-US"/>
+          </a:p>
+        </p:txBody>
+      </p:sp>
+      <p:sp>
+        <p:nvSpPr>
+          <p:cNvPr id="6" name="投影片編號版面配置區 5"/>
+          <p:cNvSpPr>
+            <a:spLocks noGrp="1"/>
+          </p:cNvSpPr>
+          <p:nvPr>
+            <p:ph type="sldNum" sz="quarter" idx="12"/>
+          </p:nvPr>
+        </p:nvSpPr>
+        <p:spPr/>
+        <p:txBody>
+          <a:bodyPr/>
+          <a:lstStyle/>
           <a:p>
             <a:fld id="{1B3F3C93-6E62-43B1-AFB0-2BFA3EB88CE4}" type="slidenum">
               <a:rPr lang="zh-TW" altLang="en-US" smtClean="0"/>
+              <a:pPr/>
               <a:t>‹#›</a:t>
             </a:fld>
             <a:endParaRPr lang="zh-TW" altLang="en-US"/>
@@ -710,7 +716,7 @@
       </p:grpSpPr>
       <p:sp>
         <p:nvSpPr>
-          <p:cNvPr id="2" name="Title 1"/>
+          <p:cNvPr id="2" name="標題 1"/>
           <p:cNvSpPr>
             <a:spLocks noGrp="1"/>
           </p:cNvSpPr>
@@ -727,13 +733,13 @@
               <a:rPr lang="zh-TW" altLang="en-US" smtClean="0"/>
               <a:t>按一下以編輯母片標題樣式</a:t>
             </a:r>
-            <a:endParaRPr lang="en-AU"/>
-          </a:p>
-        </p:txBody>
-      </p:sp>
-      <p:sp>
-        <p:nvSpPr>
-          <p:cNvPr id="3" name="Content Placeholder 2"/>
+            <a:endParaRPr lang="zh-TW" altLang="en-US"/>
+          </a:p>
+        </p:txBody>
+      </p:sp>
+      <p:sp>
+        <p:nvSpPr>
+          <p:cNvPr id="3" name="內容版面配置區 2"/>
           <p:cNvSpPr>
             <a:spLocks noGrp="1"/>
           </p:cNvSpPr>
@@ -779,34 +785,29 @@
               <a:rPr lang="zh-TW" altLang="en-US" smtClean="0"/>
               <a:t>第五層</a:t>
             </a:r>
-            <a:endParaRPr lang="en-AU"/>
-          </a:p>
-        </p:txBody>
-      </p:sp>
-      <p:sp>
-        <p:nvSpPr>
-          <p:cNvPr id="4" name="Rectangle 3"/>
-          <p:cNvSpPr>
-            <a:spLocks noGrp="1" noChangeArrowheads="1"/>
-          </p:cNvSpPr>
-          <p:nvPr>
-            <p:ph type="dt" idx="10"/>
-          </p:nvPr>
-        </p:nvSpPr>
-        <p:spPr>
-          <a:ln/>
-        </p:spPr>
-        <p:txBody>
-          <a:bodyPr/>
-          <a:lstStyle>
-            <a:lvl1pPr>
-              <a:defRPr/>
-            </a:lvl1pPr>
-          </a:lstStyle>
+            <a:endParaRPr lang="zh-TW" altLang="en-US"/>
+          </a:p>
+        </p:txBody>
+      </p:sp>
+      <p:sp>
+        <p:nvSpPr>
+          <p:cNvPr id="4" name="日期版面配置區 3"/>
+          <p:cNvSpPr>
+            <a:spLocks noGrp="1"/>
+          </p:cNvSpPr>
+          <p:nvPr>
+            <p:ph type="dt" sz="half" idx="10"/>
+          </p:nvPr>
+        </p:nvSpPr>
+        <p:spPr/>
+        <p:txBody>
+          <a:bodyPr/>
+          <a:lstStyle/>
           <a:p>
             <a:fld id="{05A69A1E-DAA9-4275-BEE8-271897FFC734}" type="datetimeFigureOut">
               <a:rPr lang="zh-TW" altLang="en-US" smtClean="0"/>
-              <a:t>2017/6/3</a:t>
+              <a:pPr/>
+              <a:t>2019/5/5</a:t>
             </a:fld>
             <a:endParaRPr lang="zh-TW" altLang="en-US"/>
           </a:p>
@@ -814,52 +815,41 @@
       </p:sp>
       <p:sp>
         <p:nvSpPr>
-          <p:cNvPr id="5" name="Rectangle 4"/>
-          <p:cNvSpPr>
-            <a:spLocks noGrp="1" noChangeArrowheads="1"/>
-          </p:cNvSpPr>
-          <p:nvPr>
-            <p:ph type="ftr" idx="11"/>
-          </p:nvPr>
-        </p:nvSpPr>
-        <p:spPr>
-          <a:ln/>
-        </p:spPr>
-        <p:txBody>
-          <a:bodyPr/>
-          <a:lstStyle>
-            <a:lvl1pPr>
-              <a:defRPr/>
-            </a:lvl1pPr>
-          </a:lstStyle>
-          <a:p>
-            <a:endParaRPr lang="zh-TW" altLang="en-US"/>
-          </a:p>
-        </p:txBody>
-      </p:sp>
-      <p:sp>
-        <p:nvSpPr>
-          <p:cNvPr id="6" name="Rectangle 5"/>
-          <p:cNvSpPr>
-            <a:spLocks noGrp="1" noChangeArrowheads="1"/>
-          </p:cNvSpPr>
-          <p:nvPr>
-            <p:ph type="sldNum" idx="12"/>
-          </p:nvPr>
-        </p:nvSpPr>
-        <p:spPr>
-          <a:ln/>
-        </p:spPr>
-        <p:txBody>
-          <a:bodyPr/>
-          <a:lstStyle>
-            <a:lvl1pPr>
-              <a:defRPr/>
-            </a:lvl1pPr>
-          </a:lstStyle>
+          <p:cNvPr id="5" name="頁尾版面配置區 4"/>
+          <p:cNvSpPr>
+            <a:spLocks noGrp="1"/>
+          </p:cNvSpPr>
+          <p:nvPr>
+            <p:ph type="ftr" sz="quarter" idx="11"/>
+          </p:nvPr>
+        </p:nvSpPr>
+        <p:spPr/>
+        <p:txBody>
+          <a:bodyPr/>
+          <a:lstStyle/>
+          <a:p>
+            <a:endParaRPr lang="zh-TW" altLang="en-US"/>
+          </a:p>
+        </p:txBody>
+      </p:sp>
+      <p:sp>
+        <p:nvSpPr>
+          <p:cNvPr id="6" name="投影片編號版面配置區 5"/>
+          <p:cNvSpPr>
+            <a:spLocks noGrp="1"/>
+          </p:cNvSpPr>
+          <p:nvPr>
+            <p:ph type="sldNum" sz="quarter" idx="12"/>
+          </p:nvPr>
+        </p:nvSpPr>
+        <p:spPr/>
+        <p:txBody>
+          <a:bodyPr/>
+          <a:lstStyle/>
           <a:p>
             <a:fld id="{1B3F3C93-6E62-43B1-AFB0-2BFA3EB88CE4}" type="slidenum">
               <a:rPr lang="zh-TW" altLang="en-US" smtClean="0"/>
+              <a:pPr/>
               <a:t>‹#›</a:t>
             </a:fld>
             <a:endParaRPr lang="zh-TW" altLang="en-US"/>
@@ -893,7 +883,7 @@
       </p:grpSpPr>
       <p:sp>
         <p:nvSpPr>
-          <p:cNvPr id="2" name="Title 1"/>
+          <p:cNvPr id="2" name="標題 1"/>
           <p:cNvSpPr>
             <a:spLocks noGrp="1"/>
           </p:cNvSpPr>
@@ -919,13 +909,13 @@
               <a:rPr lang="zh-TW" altLang="en-US" smtClean="0"/>
               <a:t>按一下以編輯母片標題樣式</a:t>
             </a:r>
-            <a:endParaRPr lang="en-AU"/>
-          </a:p>
-        </p:txBody>
-      </p:sp>
-      <p:sp>
-        <p:nvSpPr>
-          <p:cNvPr id="3" name="Text Placeholder 2"/>
+            <a:endParaRPr lang="zh-TW" altLang="en-US"/>
+          </a:p>
+        </p:txBody>
+      </p:sp>
+      <p:sp>
+        <p:nvSpPr>
+          <p:cNvPr id="3" name="文字版面配置區 2"/>
           <p:cNvSpPr>
             <a:spLocks noGrp="1"/>
           </p:cNvSpPr>
@@ -944,39 +934,93 @@
           <a:lstStyle>
             <a:lvl1pPr marL="0" indent="0">
               <a:buNone/>
-              <a:defRPr sz="2000"/>
+              <a:defRPr sz="2000">
+                <a:solidFill>
+                  <a:schemeClr val="tx1">
+                    <a:tint val="75000"/>
+                  </a:schemeClr>
+                </a:solidFill>
+              </a:defRPr>
             </a:lvl1pPr>
             <a:lvl2pPr marL="457200" indent="0">
               <a:buNone/>
-              <a:defRPr sz="1800"/>
+              <a:defRPr sz="1800">
+                <a:solidFill>
+                  <a:schemeClr val="tx1">
+                    <a:tint val="75000"/>
+                  </a:schemeClr>
+                </a:solidFill>
+              </a:defRPr>
             </a:lvl2pPr>
             <a:lvl3pPr marL="914400" indent="0">
               <a:buNone/>
-              <a:defRPr sz="1600"/>
+              <a:defRPr sz="1600">
+                <a:solidFill>
+                  <a:schemeClr val="tx1">
+                    <a:tint val="75000"/>
+                  </a:schemeClr>
+                </a:solidFill>
+              </a:defRPr>
             </a:lvl3pPr>
             <a:lvl4pPr marL="1371600" indent="0">
               <a:buNone/>
-              <a:defRPr sz="1400"/>
+              <a:defRPr sz="1400">
+                <a:solidFill>
+                  <a:schemeClr val="tx1">
+                    <a:tint val="75000"/>
+                  </a:schemeClr>
+                </a:solidFill>
+              </a:defRPr>
             </a:lvl4pPr>
             <a:lvl5pPr marL="1828800" indent="0">
               <a:buNone/>
-              <a:defRPr sz="1400"/>
+              <a:defRPr sz="1400">
+                <a:solidFill>
+                  <a:schemeClr val="tx1">
+                    <a:tint val="75000"/>
+                  </a:schemeClr>
+                </a:solidFill>
+              </a:defRPr>
             </a:lvl5pPr>
             <a:lvl6pPr marL="2286000" indent="0">
               <a:buNone/>
-              <a:defRPr sz="1400"/>
+              <a:defRPr sz="1400">
+                <a:solidFill>
+                  <a:schemeClr val="tx1">
+                    <a:tint val="75000"/>
+                  </a:schemeClr>
+                </a:solidFill>
+              </a:defRPr>
             </a:lvl6pPr>
             <a:lvl7pPr marL="2743200" indent="0">
               <a:buNone/>
-              <a:defRPr sz="1400"/>
+              <a:defRPr sz="1400">
+                <a:solidFill>
+                  <a:schemeClr val="tx1">
+                    <a:tint val="75000"/>
+                  </a:schemeClr>
+                </a:solidFill>
+              </a:defRPr>
             </a:lvl7pPr>
             <a:lvl8pPr marL="3200400" indent="0">
               <a:buNone/>
-              <a:defRPr sz="1400"/>
+              <a:defRPr sz="1400">
+                <a:solidFill>
+                  <a:schemeClr val="tx1">
+                    <a:tint val="75000"/>
+                  </a:schemeClr>
+                </a:solidFill>
+              </a:defRPr>
             </a:lvl8pPr>
             <a:lvl9pPr marL="3657600" indent="0">
               <a:buNone/>
-              <a:defRPr sz="1400"/>
+              <a:defRPr sz="1400">
+                <a:solidFill>
+                  <a:schemeClr val="tx1">
+                    <a:tint val="75000"/>
+                  </a:schemeClr>
+                </a:solidFill>
+              </a:defRPr>
             </a:lvl9pPr>
           </a:lstStyle>
           <a:p>
@@ -990,28 +1034,23 @@
       </p:sp>
       <p:sp>
         <p:nvSpPr>
-          <p:cNvPr id="4" name="Rectangle 3"/>
-          <p:cNvSpPr>
-            <a:spLocks noGrp="1" noChangeArrowheads="1"/>
-          </p:cNvSpPr>
-          <p:nvPr>
-            <p:ph type="dt" idx="10"/>
-          </p:nvPr>
-        </p:nvSpPr>
-        <p:spPr>
-          <a:ln/>
-        </p:spPr>
-        <p:txBody>
-          <a:bodyPr/>
-          <a:lstStyle>
-            <a:lvl1pPr>
-              <a:defRPr/>
-            </a:lvl1pPr>
-          </a:lstStyle>
+          <p:cNvPr id="4" name="日期版面配置區 3"/>
+          <p:cNvSpPr>
+            <a:spLocks noGrp="1"/>
+          </p:cNvSpPr>
+          <p:nvPr>
+            <p:ph type="dt" sz="half" idx="10"/>
+          </p:nvPr>
+        </p:nvSpPr>
+        <p:spPr/>
+        <p:txBody>
+          <a:bodyPr/>
+          <a:lstStyle/>
           <a:p>
             <a:fld id="{05A69A1E-DAA9-4275-BEE8-271897FFC734}" type="datetimeFigureOut">
               <a:rPr lang="zh-TW" altLang="en-US" smtClean="0"/>
-              <a:t>2017/6/3</a:t>
+              <a:pPr/>
+              <a:t>2019/5/5</a:t>
             </a:fld>
             <a:endParaRPr lang="zh-TW" altLang="en-US"/>
           </a:p>
@@ -1019,52 +1058,41 @@
       </p:sp>
       <p:sp>
         <p:nvSpPr>
-          <p:cNvPr id="5" name="Rectangle 4"/>
-          <p:cNvSpPr>
-            <a:spLocks noGrp="1" noChangeArrowheads="1"/>
-          </p:cNvSpPr>
-          <p:nvPr>
-            <p:ph type="ftr" idx="11"/>
-          </p:nvPr>
-        </p:nvSpPr>
-        <p:spPr>
-          <a:ln/>
-        </p:spPr>
-        <p:txBody>
-          <a:bodyPr/>
-          <a:lstStyle>
-            <a:lvl1pPr>
-              <a:defRPr/>
-            </a:lvl1pPr>
-          </a:lstStyle>
-          <a:p>
-            <a:endParaRPr lang="zh-TW" altLang="en-US"/>
-          </a:p>
-        </p:txBody>
-      </p:sp>
-      <p:sp>
-        <p:nvSpPr>
-          <p:cNvPr id="6" name="Rectangle 5"/>
-          <p:cNvSpPr>
-            <a:spLocks noGrp="1" noChangeArrowheads="1"/>
-          </p:cNvSpPr>
-          <p:nvPr>
-            <p:ph type="sldNum" idx="12"/>
-          </p:nvPr>
-        </p:nvSpPr>
-        <p:spPr>
-          <a:ln/>
-        </p:spPr>
-        <p:txBody>
-          <a:bodyPr/>
-          <a:lstStyle>
-            <a:lvl1pPr>
-              <a:defRPr/>
-            </a:lvl1pPr>
-          </a:lstStyle>
+          <p:cNvPr id="5" name="頁尾版面配置區 4"/>
+          <p:cNvSpPr>
+            <a:spLocks noGrp="1"/>
+          </p:cNvSpPr>
+          <p:nvPr>
+            <p:ph type="ftr" sz="quarter" idx="11"/>
+          </p:nvPr>
+        </p:nvSpPr>
+        <p:spPr/>
+        <p:txBody>
+          <a:bodyPr/>
+          <a:lstStyle/>
+          <a:p>
+            <a:endParaRPr lang="zh-TW" altLang="en-US"/>
+          </a:p>
+        </p:txBody>
+      </p:sp>
+      <p:sp>
+        <p:nvSpPr>
+          <p:cNvPr id="6" name="投影片編號版面配置區 5"/>
+          <p:cNvSpPr>
+            <a:spLocks noGrp="1"/>
+          </p:cNvSpPr>
+          <p:nvPr>
+            <p:ph type="sldNum" sz="quarter" idx="12"/>
+          </p:nvPr>
+        </p:nvSpPr>
+        <p:spPr/>
+        <p:txBody>
+          <a:bodyPr/>
+          <a:lstStyle/>
           <a:p>
             <a:fld id="{1B3F3C93-6E62-43B1-AFB0-2BFA3EB88CE4}" type="slidenum">
               <a:rPr lang="zh-TW" altLang="en-US" smtClean="0"/>
+              <a:pPr/>
               <a:t>‹#›</a:t>
             </a:fld>
             <a:endParaRPr lang="zh-TW" altLang="en-US"/>
@@ -1098,7 +1126,7 @@
       </p:grpSpPr>
       <p:sp>
         <p:nvSpPr>
-          <p:cNvPr id="2" name="Title 1"/>
+          <p:cNvPr id="2" name="標題 1"/>
           <p:cNvSpPr>
             <a:spLocks noGrp="1"/>
           </p:cNvSpPr>
@@ -1115,13 +1143,13 @@
               <a:rPr lang="zh-TW" altLang="en-US" smtClean="0"/>
               <a:t>按一下以編輯母片標題樣式</a:t>
             </a:r>
-            <a:endParaRPr lang="en-AU"/>
-          </a:p>
-        </p:txBody>
-      </p:sp>
-      <p:sp>
-        <p:nvSpPr>
-          <p:cNvPr id="3" name="Content Placeholder 2"/>
+            <a:endParaRPr lang="zh-TW" altLang="en-US"/>
+          </a:p>
+        </p:txBody>
+      </p:sp>
+      <p:sp>
+        <p:nvSpPr>
+          <p:cNvPr id="3" name="內容版面配置區 2"/>
           <p:cNvSpPr>
             <a:spLocks noGrp="1"/>
           </p:cNvSpPr>
@@ -1132,7 +1160,7 @@
         <p:spPr>
           <a:xfrm>
             <a:off x="457200" y="1600200"/>
-            <a:ext cx="4037013" cy="4524375"/>
+            <a:ext cx="4038600" cy="4525963"/>
           </a:xfrm>
         </p:spPr>
         <p:txBody>
@@ -1200,13 +1228,13 @@
               <a:rPr lang="zh-TW" altLang="en-US" smtClean="0"/>
               <a:t>第五層</a:t>
             </a:r>
-            <a:endParaRPr lang="en-AU"/>
-          </a:p>
-        </p:txBody>
-      </p:sp>
-      <p:sp>
-        <p:nvSpPr>
-          <p:cNvPr id="4" name="Content Placeholder 3"/>
+            <a:endParaRPr lang="zh-TW" altLang="en-US"/>
+          </a:p>
+        </p:txBody>
+      </p:sp>
+      <p:sp>
+        <p:nvSpPr>
+          <p:cNvPr id="4" name="內容版面配置區 3"/>
           <p:cNvSpPr>
             <a:spLocks noGrp="1"/>
           </p:cNvSpPr>
@@ -1216,8 +1244,8 @@
         </p:nvSpPr>
         <p:spPr>
           <a:xfrm>
-            <a:off x="4646613" y="1600200"/>
-            <a:ext cx="4038600" cy="4524375"/>
+            <a:off x="4648200" y="1600200"/>
+            <a:ext cx="4038600" cy="4525963"/>
           </a:xfrm>
         </p:spPr>
         <p:txBody>
@@ -1285,34 +1313,29 @@
               <a:rPr lang="zh-TW" altLang="en-US" smtClean="0"/>
               <a:t>第五層</a:t>
             </a:r>
-            <a:endParaRPr lang="en-AU"/>
-          </a:p>
-        </p:txBody>
-      </p:sp>
-      <p:sp>
-        <p:nvSpPr>
-          <p:cNvPr id="5" name="Rectangle 3"/>
-          <p:cNvSpPr>
-            <a:spLocks noGrp="1" noChangeArrowheads="1"/>
-          </p:cNvSpPr>
-          <p:nvPr>
-            <p:ph type="dt" idx="10"/>
-          </p:nvPr>
-        </p:nvSpPr>
-        <p:spPr>
-          <a:ln/>
-        </p:spPr>
-        <p:txBody>
-          <a:bodyPr/>
-          <a:lstStyle>
-            <a:lvl1pPr>
-              <a:defRPr/>
-            </a:lvl1pPr>
-          </a:lstStyle>
+            <a:endParaRPr lang="zh-TW" altLang="en-US"/>
+          </a:p>
+        </p:txBody>
+      </p:sp>
+      <p:sp>
+        <p:nvSpPr>
+          <p:cNvPr id="5" name="日期版面配置區 4"/>
+          <p:cNvSpPr>
+            <a:spLocks noGrp="1"/>
+          </p:cNvSpPr>
+          <p:nvPr>
+            <p:ph type="dt" sz="half" idx="10"/>
+          </p:nvPr>
+        </p:nvSpPr>
+        <p:spPr/>
+        <p:txBody>
+          <a:bodyPr/>
+          <a:lstStyle/>
           <a:p>
             <a:fld id="{05A69A1E-DAA9-4275-BEE8-271897FFC734}" type="datetimeFigureOut">
               <a:rPr lang="zh-TW" altLang="en-US" smtClean="0"/>
-              <a:t>2017/6/3</a:t>
+              <a:pPr/>
+              <a:t>2019/5/5</a:t>
             </a:fld>
             <a:endParaRPr lang="zh-TW" altLang="en-US"/>
           </a:p>
@@ -1320,52 +1343,41 @@
       </p:sp>
       <p:sp>
         <p:nvSpPr>
-          <p:cNvPr id="6" name="Rectangle 4"/>
-          <p:cNvSpPr>
-            <a:spLocks noGrp="1" noChangeArrowheads="1"/>
-          </p:cNvSpPr>
-          <p:nvPr>
-            <p:ph type="ftr" idx="11"/>
-          </p:nvPr>
-        </p:nvSpPr>
-        <p:spPr>
-          <a:ln/>
-        </p:spPr>
-        <p:txBody>
-          <a:bodyPr/>
-          <a:lstStyle>
-            <a:lvl1pPr>
-              <a:defRPr/>
-            </a:lvl1pPr>
-          </a:lstStyle>
-          <a:p>
-            <a:endParaRPr lang="zh-TW" altLang="en-US"/>
-          </a:p>
-        </p:txBody>
-      </p:sp>
-      <p:sp>
-        <p:nvSpPr>
-          <p:cNvPr id="7" name="Rectangle 5"/>
-          <p:cNvSpPr>
-            <a:spLocks noGrp="1" noChangeArrowheads="1"/>
-          </p:cNvSpPr>
-          <p:nvPr>
-            <p:ph type="sldNum" idx="12"/>
-          </p:nvPr>
-        </p:nvSpPr>
-        <p:spPr>
-          <a:ln/>
-        </p:spPr>
-        <p:txBody>
-          <a:bodyPr/>
-          <a:lstStyle>
-            <a:lvl1pPr>
-              <a:defRPr/>
-            </a:lvl1pPr>
-          </a:lstStyle>
+          <p:cNvPr id="6" name="頁尾版面配置區 5"/>
+          <p:cNvSpPr>
+            <a:spLocks noGrp="1"/>
+          </p:cNvSpPr>
+          <p:nvPr>
+            <p:ph type="ftr" sz="quarter" idx="11"/>
+          </p:nvPr>
+        </p:nvSpPr>
+        <p:spPr/>
+        <p:txBody>
+          <a:bodyPr/>
+          <a:lstStyle/>
+          <a:p>
+            <a:endParaRPr lang="zh-TW" altLang="en-US"/>
+          </a:p>
+        </p:txBody>
+      </p:sp>
+      <p:sp>
+        <p:nvSpPr>
+          <p:cNvPr id="7" name="投影片編號版面配置區 6"/>
+          <p:cNvSpPr>
+            <a:spLocks noGrp="1"/>
+          </p:cNvSpPr>
+          <p:nvPr>
+            <p:ph type="sldNum" sz="quarter" idx="12"/>
+          </p:nvPr>
+        </p:nvSpPr>
+        <p:spPr/>
+        <p:txBody>
+          <a:bodyPr/>
+          <a:lstStyle/>
           <a:p>
             <a:fld id="{1B3F3C93-6E62-43B1-AFB0-2BFA3EB88CE4}" type="slidenum">
               <a:rPr lang="zh-TW" altLang="en-US" smtClean="0"/>
+              <a:pPr/>
               <a:t>‹#›</a:t>
             </a:fld>
             <a:endParaRPr lang="zh-TW" altLang="en-US"/>
@@ -1399,7 +1411,7 @@
       </p:grpSpPr>
       <p:sp>
         <p:nvSpPr>
-          <p:cNvPr id="2" name="Title 1"/>
+          <p:cNvPr id="2" name="標題 1"/>
           <p:cNvSpPr>
             <a:spLocks noGrp="1"/>
           </p:cNvSpPr>
@@ -1407,12 +1419,7 @@
             <p:ph type="title"/>
           </p:nvPr>
         </p:nvSpPr>
-        <p:spPr>
-          <a:xfrm>
-            <a:off x="457200" y="274638"/>
-            <a:ext cx="8229600" cy="1143000"/>
-          </a:xfrm>
-        </p:spPr>
+        <p:spPr/>
         <p:txBody>
           <a:bodyPr/>
           <a:lstStyle>
@@ -1425,13 +1432,13 @@
               <a:rPr lang="zh-TW" altLang="en-US" smtClean="0"/>
               <a:t>按一下以編輯母片標題樣式</a:t>
             </a:r>
-            <a:endParaRPr lang="en-AU"/>
-          </a:p>
-        </p:txBody>
-      </p:sp>
-      <p:sp>
-        <p:nvSpPr>
-          <p:cNvPr id="3" name="Text Placeholder 2"/>
+            <a:endParaRPr lang="zh-TW" altLang="en-US"/>
+          </a:p>
+        </p:txBody>
+      </p:sp>
+      <p:sp>
+        <p:nvSpPr>
+          <p:cNvPr id="3" name="文字版面配置區 2"/>
           <p:cNvSpPr>
             <a:spLocks noGrp="1"/>
           </p:cNvSpPr>
@@ -1496,7 +1503,7 @@
       </p:sp>
       <p:sp>
         <p:nvSpPr>
-          <p:cNvPr id="4" name="Content Placeholder 3"/>
+          <p:cNvPr id="4" name="內容版面配置區 3"/>
           <p:cNvSpPr>
             <a:spLocks noGrp="1"/>
           </p:cNvSpPr>
@@ -1575,13 +1582,13 @@
               <a:rPr lang="zh-TW" altLang="en-US" smtClean="0"/>
               <a:t>第五層</a:t>
             </a:r>
-            <a:endParaRPr lang="en-AU"/>
-          </a:p>
-        </p:txBody>
-      </p:sp>
-      <p:sp>
-        <p:nvSpPr>
-          <p:cNvPr id="5" name="Text Placeholder 4"/>
+            <a:endParaRPr lang="zh-TW" altLang="en-US"/>
+          </a:p>
+        </p:txBody>
+      </p:sp>
+      <p:sp>
+        <p:nvSpPr>
+          <p:cNvPr id="5" name="文字版面配置區 4"/>
           <p:cNvSpPr>
             <a:spLocks noGrp="1"/>
           </p:cNvSpPr>
@@ -1646,7 +1653,7 @@
       </p:sp>
       <p:sp>
         <p:nvSpPr>
-          <p:cNvPr id="6" name="Content Placeholder 5"/>
+          <p:cNvPr id="6" name="內容版面配置區 5"/>
           <p:cNvSpPr>
             <a:spLocks noGrp="1"/>
           </p:cNvSpPr>
@@ -1725,34 +1732,29 @@
               <a:rPr lang="zh-TW" altLang="en-US" smtClean="0"/>
               <a:t>第五層</a:t>
             </a:r>
-            <a:endParaRPr lang="en-AU"/>
-          </a:p>
-        </p:txBody>
-      </p:sp>
-      <p:sp>
-        <p:nvSpPr>
-          <p:cNvPr id="7" name="Rectangle 3"/>
-          <p:cNvSpPr>
-            <a:spLocks noGrp="1" noChangeArrowheads="1"/>
-          </p:cNvSpPr>
-          <p:nvPr>
-            <p:ph type="dt" idx="10"/>
-          </p:nvPr>
-        </p:nvSpPr>
-        <p:spPr>
-          <a:ln/>
-        </p:spPr>
-        <p:txBody>
-          <a:bodyPr/>
-          <a:lstStyle>
-            <a:lvl1pPr>
-              <a:defRPr/>
-            </a:lvl1pPr>
-          </a:lstStyle>
+            <a:endParaRPr lang="zh-TW" altLang="en-US"/>
+          </a:p>
+        </p:txBody>
+      </p:sp>
+      <p:sp>
+        <p:nvSpPr>
+          <p:cNvPr id="7" name="日期版面配置區 6"/>
+          <p:cNvSpPr>
+            <a:spLocks noGrp="1"/>
+          </p:cNvSpPr>
+          <p:nvPr>
+            <p:ph type="dt" sz="half" idx="10"/>
+          </p:nvPr>
+        </p:nvSpPr>
+        <p:spPr/>
+        <p:txBody>
+          <a:bodyPr/>
+          <a:lstStyle/>
           <a:p>
             <a:fld id="{05A69A1E-DAA9-4275-BEE8-271897FFC734}" type="datetimeFigureOut">
               <a:rPr lang="zh-TW" altLang="en-US" smtClean="0"/>
-              <a:t>2017/6/3</a:t>
+              <a:pPr/>
+              <a:t>2019/5/5</a:t>
             </a:fld>
             <a:endParaRPr lang="zh-TW" altLang="en-US"/>
           </a:p>
@@ -1760,52 +1762,41 @@
       </p:sp>
       <p:sp>
         <p:nvSpPr>
-          <p:cNvPr id="8" name="Rectangle 4"/>
-          <p:cNvSpPr>
-            <a:spLocks noGrp="1" noChangeArrowheads="1"/>
-          </p:cNvSpPr>
-          <p:nvPr>
-            <p:ph type="ftr" idx="11"/>
-          </p:nvPr>
-        </p:nvSpPr>
-        <p:spPr>
-          <a:ln/>
-        </p:spPr>
-        <p:txBody>
-          <a:bodyPr/>
-          <a:lstStyle>
-            <a:lvl1pPr>
-              <a:defRPr/>
-            </a:lvl1pPr>
-          </a:lstStyle>
-          <a:p>
-            <a:endParaRPr lang="zh-TW" altLang="en-US"/>
-          </a:p>
-        </p:txBody>
-      </p:sp>
-      <p:sp>
-        <p:nvSpPr>
-          <p:cNvPr id="9" name="Rectangle 5"/>
-          <p:cNvSpPr>
-            <a:spLocks noGrp="1" noChangeArrowheads="1"/>
-          </p:cNvSpPr>
-          <p:nvPr>
-            <p:ph type="sldNum" idx="12"/>
-          </p:nvPr>
-        </p:nvSpPr>
-        <p:spPr>
-          <a:ln/>
-        </p:spPr>
-        <p:txBody>
-          <a:bodyPr/>
-          <a:lstStyle>
-            <a:lvl1pPr>
-              <a:defRPr/>
-            </a:lvl1pPr>
-          </a:lstStyle>
+          <p:cNvPr id="8" name="頁尾版面配置區 7"/>
+          <p:cNvSpPr>
+            <a:spLocks noGrp="1"/>
+          </p:cNvSpPr>
+          <p:nvPr>
+            <p:ph type="ftr" sz="quarter" idx="11"/>
+          </p:nvPr>
+        </p:nvSpPr>
+        <p:spPr/>
+        <p:txBody>
+          <a:bodyPr/>
+          <a:lstStyle/>
+          <a:p>
+            <a:endParaRPr lang="zh-TW" altLang="en-US"/>
+          </a:p>
+        </p:txBody>
+      </p:sp>
+      <p:sp>
+        <p:nvSpPr>
+          <p:cNvPr id="9" name="投影片編號版面配置區 8"/>
+          <p:cNvSpPr>
+            <a:spLocks noGrp="1"/>
+          </p:cNvSpPr>
+          <p:nvPr>
+            <p:ph type="sldNum" sz="quarter" idx="12"/>
+          </p:nvPr>
+        </p:nvSpPr>
+        <p:spPr/>
+        <p:txBody>
+          <a:bodyPr/>
+          <a:lstStyle/>
           <a:p>
             <a:fld id="{1B3F3C93-6E62-43B1-AFB0-2BFA3EB88CE4}" type="slidenum">
               <a:rPr lang="zh-TW" altLang="en-US" smtClean="0"/>
+              <a:pPr/>
               <a:t>‹#›</a:t>
             </a:fld>
             <a:endParaRPr lang="zh-TW" altLang="en-US"/>
@@ -1839,7 +1830,7 @@
       </p:grpSpPr>
       <p:sp>
         <p:nvSpPr>
-          <p:cNvPr id="2" name="Title 1"/>
+          <p:cNvPr id="2" name="標題 1"/>
           <p:cNvSpPr>
             <a:spLocks noGrp="1"/>
           </p:cNvSpPr>
@@ -1856,34 +1847,29 @@
               <a:rPr lang="zh-TW" altLang="en-US" smtClean="0"/>
               <a:t>按一下以編輯母片標題樣式</a:t>
             </a:r>
-            <a:endParaRPr lang="en-AU"/>
-          </a:p>
-        </p:txBody>
-      </p:sp>
-      <p:sp>
-        <p:nvSpPr>
-          <p:cNvPr id="3" name="Rectangle 3"/>
-          <p:cNvSpPr>
-            <a:spLocks noGrp="1" noChangeArrowheads="1"/>
-          </p:cNvSpPr>
-          <p:nvPr>
-            <p:ph type="dt" idx="10"/>
-          </p:nvPr>
-        </p:nvSpPr>
-        <p:spPr>
-          <a:ln/>
-        </p:spPr>
-        <p:txBody>
-          <a:bodyPr/>
-          <a:lstStyle>
-            <a:lvl1pPr>
-              <a:defRPr/>
-            </a:lvl1pPr>
-          </a:lstStyle>
+            <a:endParaRPr lang="zh-TW" altLang="en-US"/>
+          </a:p>
+        </p:txBody>
+      </p:sp>
+      <p:sp>
+        <p:nvSpPr>
+          <p:cNvPr id="3" name="日期版面配置區 2"/>
+          <p:cNvSpPr>
+            <a:spLocks noGrp="1"/>
+          </p:cNvSpPr>
+          <p:nvPr>
+            <p:ph type="dt" sz="half" idx="10"/>
+          </p:nvPr>
+        </p:nvSpPr>
+        <p:spPr/>
+        <p:txBody>
+          <a:bodyPr/>
+          <a:lstStyle/>
           <a:p>
             <a:fld id="{05A69A1E-DAA9-4275-BEE8-271897FFC734}" type="datetimeFigureOut">
               <a:rPr lang="zh-TW" altLang="en-US" smtClean="0"/>
-              <a:t>2017/6/3</a:t>
+              <a:pPr/>
+              <a:t>2019/5/5</a:t>
             </a:fld>
             <a:endParaRPr lang="zh-TW" altLang="en-US"/>
           </a:p>
@@ -1891,52 +1877,41 @@
       </p:sp>
       <p:sp>
         <p:nvSpPr>
-          <p:cNvPr id="4" name="Rectangle 4"/>
-          <p:cNvSpPr>
-            <a:spLocks noGrp="1" noChangeArrowheads="1"/>
-          </p:cNvSpPr>
-          <p:nvPr>
-            <p:ph type="ftr" idx="11"/>
-          </p:nvPr>
-        </p:nvSpPr>
-        <p:spPr>
-          <a:ln/>
-        </p:spPr>
-        <p:txBody>
-          <a:bodyPr/>
-          <a:lstStyle>
-            <a:lvl1pPr>
-              <a:defRPr/>
-            </a:lvl1pPr>
-          </a:lstStyle>
-          <a:p>
-            <a:endParaRPr lang="zh-TW" altLang="en-US"/>
-          </a:p>
-        </p:txBody>
-      </p:sp>
-      <p:sp>
-        <p:nvSpPr>
-          <p:cNvPr id="5" name="Rectangle 5"/>
-          <p:cNvSpPr>
-            <a:spLocks noGrp="1" noChangeArrowheads="1"/>
-          </p:cNvSpPr>
-          <p:nvPr>
-            <p:ph type="sldNum" idx="12"/>
-          </p:nvPr>
-        </p:nvSpPr>
-        <p:spPr>
-          <a:ln/>
-        </p:spPr>
-        <p:txBody>
-          <a:bodyPr/>
-          <a:lstStyle>
-            <a:lvl1pPr>
-              <a:defRPr/>
-            </a:lvl1pPr>
-          </a:lstStyle>
+          <p:cNvPr id="4" name="頁尾版面配置區 3"/>
+          <p:cNvSpPr>
+            <a:spLocks noGrp="1"/>
+          </p:cNvSpPr>
+          <p:nvPr>
+            <p:ph type="ftr" sz="quarter" idx="11"/>
+          </p:nvPr>
+        </p:nvSpPr>
+        <p:spPr/>
+        <p:txBody>
+          <a:bodyPr/>
+          <a:lstStyle/>
+          <a:p>
+            <a:endParaRPr lang="zh-TW" altLang="en-US"/>
+          </a:p>
+        </p:txBody>
+      </p:sp>
+      <p:sp>
+        <p:nvSpPr>
+          <p:cNvPr id="5" name="投影片編號版面配置區 4"/>
+          <p:cNvSpPr>
+            <a:spLocks noGrp="1"/>
+          </p:cNvSpPr>
+          <p:nvPr>
+            <p:ph type="sldNum" sz="quarter" idx="12"/>
+          </p:nvPr>
+        </p:nvSpPr>
+        <p:spPr/>
+        <p:txBody>
+          <a:bodyPr/>
+          <a:lstStyle/>
           <a:p>
             <a:fld id="{1B3F3C93-6E62-43B1-AFB0-2BFA3EB88CE4}" type="slidenum">
               <a:rPr lang="zh-TW" altLang="en-US" smtClean="0"/>
+              <a:pPr/>
               <a:t>‹#›</a:t>
             </a:fld>
             <a:endParaRPr lang="zh-TW" altLang="en-US"/>
@@ -1970,28 +1945,23 @@
       </p:grpSpPr>
       <p:sp>
         <p:nvSpPr>
-          <p:cNvPr id="2" name="Rectangle 3"/>
-          <p:cNvSpPr>
-            <a:spLocks noGrp="1" noChangeArrowheads="1"/>
-          </p:cNvSpPr>
-          <p:nvPr>
-            <p:ph type="dt" idx="10"/>
-          </p:nvPr>
-        </p:nvSpPr>
-        <p:spPr>
-          <a:ln/>
-        </p:spPr>
-        <p:txBody>
-          <a:bodyPr/>
-          <a:lstStyle>
-            <a:lvl1pPr>
-              <a:defRPr/>
-            </a:lvl1pPr>
-          </a:lstStyle>
+          <p:cNvPr id="2" name="日期版面配置區 1"/>
+          <p:cNvSpPr>
+            <a:spLocks noGrp="1"/>
+          </p:cNvSpPr>
+          <p:nvPr>
+            <p:ph type="dt" sz="half" idx="10"/>
+          </p:nvPr>
+        </p:nvSpPr>
+        <p:spPr/>
+        <p:txBody>
+          <a:bodyPr/>
+          <a:lstStyle/>
           <a:p>
             <a:fld id="{05A69A1E-DAA9-4275-BEE8-271897FFC734}" type="datetimeFigureOut">
               <a:rPr lang="zh-TW" altLang="en-US" smtClean="0"/>
-              <a:t>2017/6/3</a:t>
+              <a:pPr/>
+              <a:t>2019/5/5</a:t>
             </a:fld>
             <a:endParaRPr lang="zh-TW" altLang="en-US"/>
           </a:p>
@@ -1999,52 +1969,41 @@
       </p:sp>
       <p:sp>
         <p:nvSpPr>
-          <p:cNvPr id="3" name="Rectangle 4"/>
-          <p:cNvSpPr>
-            <a:spLocks noGrp="1" noChangeArrowheads="1"/>
-          </p:cNvSpPr>
-          <p:nvPr>
-            <p:ph type="ftr" idx="11"/>
-          </p:nvPr>
-        </p:nvSpPr>
-        <p:spPr>
-          <a:ln/>
-        </p:spPr>
-        <p:txBody>
-          <a:bodyPr/>
-          <a:lstStyle>
-            <a:lvl1pPr>
-              <a:defRPr/>
-            </a:lvl1pPr>
-          </a:lstStyle>
-          <a:p>
-            <a:endParaRPr lang="zh-TW" altLang="en-US"/>
-          </a:p>
-        </p:txBody>
-      </p:sp>
-      <p:sp>
-        <p:nvSpPr>
-          <p:cNvPr id="4" name="Rectangle 5"/>
-          <p:cNvSpPr>
-            <a:spLocks noGrp="1" noChangeArrowheads="1"/>
-          </p:cNvSpPr>
-          <p:nvPr>
-            <p:ph type="sldNum" idx="12"/>
-          </p:nvPr>
-        </p:nvSpPr>
-        <p:spPr>
-          <a:ln/>
-        </p:spPr>
-        <p:txBody>
-          <a:bodyPr/>
-          <a:lstStyle>
-            <a:lvl1pPr>
-              <a:defRPr/>
-            </a:lvl1pPr>
-          </a:lstStyle>
+          <p:cNvPr id="3" name="頁尾版面配置區 2"/>
+          <p:cNvSpPr>
+            <a:spLocks noGrp="1"/>
+          </p:cNvSpPr>
+          <p:nvPr>
+            <p:ph type="ftr" sz="quarter" idx="11"/>
+          </p:nvPr>
+        </p:nvSpPr>
+        <p:spPr/>
+        <p:txBody>
+          <a:bodyPr/>
+          <a:lstStyle/>
+          <a:p>
+            <a:endParaRPr lang="zh-TW" altLang="en-US"/>
+          </a:p>
+        </p:txBody>
+      </p:sp>
+      <p:sp>
+        <p:nvSpPr>
+          <p:cNvPr id="4" name="投影片編號版面配置區 3"/>
+          <p:cNvSpPr>
+            <a:spLocks noGrp="1"/>
+          </p:cNvSpPr>
+          <p:nvPr>
+            <p:ph type="sldNum" sz="quarter" idx="12"/>
+          </p:nvPr>
+        </p:nvSpPr>
+        <p:spPr/>
+        <p:txBody>
+          <a:bodyPr/>
+          <a:lstStyle/>
           <a:p>
             <a:fld id="{1B3F3C93-6E62-43B1-AFB0-2BFA3EB88CE4}" type="slidenum">
               <a:rPr lang="zh-TW" altLang="en-US" smtClean="0"/>
+              <a:pPr/>
               <a:t>‹#›</a:t>
             </a:fld>
             <a:endParaRPr lang="zh-TW" altLang="en-US"/>
@@ -2078,7 +2037,7 @@
       </p:grpSpPr>
       <p:sp>
         <p:nvSpPr>
-          <p:cNvPr id="2" name="Title 1"/>
+          <p:cNvPr id="2" name="標題 1"/>
           <p:cNvSpPr>
             <a:spLocks noGrp="1"/>
           </p:cNvSpPr>
@@ -2104,13 +2063,13 @@
               <a:rPr lang="zh-TW" altLang="en-US" smtClean="0"/>
               <a:t>按一下以編輯母片標題樣式</a:t>
             </a:r>
-            <a:endParaRPr lang="en-AU"/>
-          </a:p>
-        </p:txBody>
-      </p:sp>
-      <p:sp>
-        <p:nvSpPr>
-          <p:cNvPr id="3" name="Content Placeholder 2"/>
+            <a:endParaRPr lang="zh-TW" altLang="en-US"/>
+          </a:p>
+        </p:txBody>
+      </p:sp>
+      <p:sp>
+        <p:nvSpPr>
+          <p:cNvPr id="3" name="內容版面配置區 2"/>
           <p:cNvSpPr>
             <a:spLocks noGrp="1"/>
           </p:cNvSpPr>
@@ -2189,13 +2148,13 @@
               <a:rPr lang="zh-TW" altLang="en-US" smtClean="0"/>
               <a:t>第五層</a:t>
             </a:r>
-            <a:endParaRPr lang="en-AU"/>
-          </a:p>
-        </p:txBody>
-      </p:sp>
-      <p:sp>
-        <p:nvSpPr>
-          <p:cNvPr id="4" name="Text Placeholder 3"/>
+            <a:endParaRPr lang="zh-TW" altLang="en-US"/>
+          </a:p>
+        </p:txBody>
+      </p:sp>
+      <p:sp>
+        <p:nvSpPr>
+          <p:cNvPr id="4" name="文字版面配置區 3"/>
           <p:cNvSpPr>
             <a:spLocks noGrp="1"/>
           </p:cNvSpPr>
@@ -2260,28 +2219,23 @@
       </p:sp>
       <p:sp>
         <p:nvSpPr>
-          <p:cNvPr id="5" name="Rectangle 3"/>
-          <p:cNvSpPr>
-            <a:spLocks noGrp="1" noChangeArrowheads="1"/>
-          </p:cNvSpPr>
-          <p:nvPr>
-            <p:ph type="dt" idx="10"/>
-          </p:nvPr>
-        </p:nvSpPr>
-        <p:spPr>
-          <a:ln/>
-        </p:spPr>
-        <p:txBody>
-          <a:bodyPr/>
-          <a:lstStyle>
-            <a:lvl1pPr>
-              <a:defRPr/>
-            </a:lvl1pPr>
-          </a:lstStyle>
+          <p:cNvPr id="5" name="日期版面配置區 4"/>
+          <p:cNvSpPr>
+            <a:spLocks noGrp="1"/>
+          </p:cNvSpPr>
+          <p:nvPr>
+            <p:ph type="dt" sz="half" idx="10"/>
+          </p:nvPr>
+        </p:nvSpPr>
+        <p:spPr/>
+        <p:txBody>
+          <a:bodyPr/>
+          <a:lstStyle/>
           <a:p>
             <a:fld id="{05A69A1E-DAA9-4275-BEE8-271897FFC734}" type="datetimeFigureOut">
               <a:rPr lang="zh-TW" altLang="en-US" smtClean="0"/>
-              <a:t>2017/6/3</a:t>
+              <a:pPr/>
+              <a:t>2019/5/5</a:t>
             </a:fld>
             <a:endParaRPr lang="zh-TW" altLang="en-US"/>
           </a:p>
@@ -2289,52 +2243,41 @@
       </p:sp>
       <p:sp>
         <p:nvSpPr>
-          <p:cNvPr id="6" name="Rectangle 4"/>
-          <p:cNvSpPr>
-            <a:spLocks noGrp="1" noChangeArrowheads="1"/>
-          </p:cNvSpPr>
-          <p:nvPr>
-            <p:ph type="ftr" idx="11"/>
-          </p:nvPr>
-        </p:nvSpPr>
-        <p:spPr>
-          <a:ln/>
-        </p:spPr>
-        <p:txBody>
-          <a:bodyPr/>
-          <a:lstStyle>
-            <a:lvl1pPr>
-              <a:defRPr/>
-            </a:lvl1pPr>
-          </a:lstStyle>
-          <a:p>
-            <a:endParaRPr lang="zh-TW" altLang="en-US"/>
-          </a:p>
-        </p:txBody>
-      </p:sp>
-      <p:sp>
-        <p:nvSpPr>
-          <p:cNvPr id="7" name="Rectangle 5"/>
-          <p:cNvSpPr>
-            <a:spLocks noGrp="1" noChangeArrowheads="1"/>
-          </p:cNvSpPr>
-          <p:nvPr>
-            <p:ph type="sldNum" idx="12"/>
-          </p:nvPr>
-        </p:nvSpPr>
-        <p:spPr>
-          <a:ln/>
-        </p:spPr>
-        <p:txBody>
-          <a:bodyPr/>
-          <a:lstStyle>
-            <a:lvl1pPr>
-              <a:defRPr/>
-            </a:lvl1pPr>
-          </a:lstStyle>
+          <p:cNvPr id="6" name="頁尾版面配置區 5"/>
+          <p:cNvSpPr>
+            <a:spLocks noGrp="1"/>
+          </p:cNvSpPr>
+          <p:nvPr>
+            <p:ph type="ftr" sz="quarter" idx="11"/>
+          </p:nvPr>
+        </p:nvSpPr>
+        <p:spPr/>
+        <p:txBody>
+          <a:bodyPr/>
+          <a:lstStyle/>
+          <a:p>
+            <a:endParaRPr lang="zh-TW" altLang="en-US"/>
+          </a:p>
+        </p:txBody>
+      </p:sp>
+      <p:sp>
+        <p:nvSpPr>
+          <p:cNvPr id="7" name="投影片編號版面配置區 6"/>
+          <p:cNvSpPr>
+            <a:spLocks noGrp="1"/>
+          </p:cNvSpPr>
+          <p:nvPr>
+            <p:ph type="sldNum" sz="quarter" idx="12"/>
+          </p:nvPr>
+        </p:nvSpPr>
+        <p:spPr/>
+        <p:txBody>
+          <a:bodyPr/>
+          <a:lstStyle/>
           <a:p>
             <a:fld id="{1B3F3C93-6E62-43B1-AFB0-2BFA3EB88CE4}" type="slidenum">
               <a:rPr lang="zh-TW" altLang="en-US" smtClean="0"/>
+              <a:pPr/>
               <a:t>‹#›</a:t>
             </a:fld>
             <a:endParaRPr lang="zh-TW" altLang="en-US"/>
@@ -2368,7 +2311,7 @@
       </p:grpSpPr>
       <p:sp>
         <p:nvSpPr>
-          <p:cNvPr id="2" name="Title 1"/>
+          <p:cNvPr id="2" name="標題 1"/>
           <p:cNvSpPr>
             <a:spLocks noGrp="1"/>
           </p:cNvSpPr>
@@ -2394,13 +2337,13 @@
               <a:rPr lang="zh-TW" altLang="en-US" smtClean="0"/>
               <a:t>按一下以編輯母片標題樣式</a:t>
             </a:r>
-            <a:endParaRPr lang="en-AU"/>
-          </a:p>
-        </p:txBody>
-      </p:sp>
-      <p:sp>
-        <p:nvSpPr>
-          <p:cNvPr id="3" name="Picture Placeholder 2"/>
+            <a:endParaRPr lang="zh-TW" altLang="en-US"/>
+          </a:p>
+        </p:txBody>
+      </p:sp>
+      <p:sp>
+        <p:nvSpPr>
+          <p:cNvPr id="3" name="圖片版面配置區 2"/>
           <p:cNvSpPr>
             <a:spLocks noGrp="1"/>
           </p:cNvSpPr>
@@ -2455,18 +2398,17 @@
             </a:lvl9pPr>
           </a:lstStyle>
           <a:p>
-            <a:pPr lvl="0"/>
-            <a:r>
-              <a:rPr lang="zh-TW" altLang="en-US" noProof="0" smtClean="0"/>
+            <a:r>
+              <a:rPr lang="zh-TW" altLang="en-US" smtClean="0"/>
               <a:t>按一下圖示以新增圖片</a:t>
             </a:r>
-            <a:endParaRPr lang="en-AU" noProof="0" smtClean="0"/>
-          </a:p>
-        </p:txBody>
-      </p:sp>
-      <p:sp>
-        <p:nvSpPr>
-          <p:cNvPr id="4" name="Text Placeholder 3"/>
+            <a:endParaRPr lang="zh-TW" altLang="en-US"/>
+          </a:p>
+        </p:txBody>
+      </p:sp>
+      <p:sp>
+        <p:nvSpPr>
+          <p:cNvPr id="4" name="文字版面配置區 3"/>
           <p:cNvSpPr>
             <a:spLocks noGrp="1"/>
           </p:cNvSpPr>
@@ -2531,28 +2473,23 @@
       </p:sp>
       <p:sp>
         <p:nvSpPr>
-          <p:cNvPr id="5" name="Rectangle 3"/>
-          <p:cNvSpPr>
-            <a:spLocks noGrp="1" noChangeArrowheads="1"/>
-          </p:cNvSpPr>
-          <p:nvPr>
-            <p:ph type="dt" idx="10"/>
-          </p:nvPr>
-        </p:nvSpPr>
-        <p:spPr>
-          <a:ln/>
-        </p:spPr>
-        <p:txBody>
-          <a:bodyPr/>
-          <a:lstStyle>
-            <a:lvl1pPr>
-              <a:defRPr/>
-            </a:lvl1pPr>
-          </a:lstStyle>
+          <p:cNvPr id="5" name="日期版面配置區 4"/>
+          <p:cNvSpPr>
+            <a:spLocks noGrp="1"/>
+          </p:cNvSpPr>
+          <p:nvPr>
+            <p:ph type="dt" sz="half" idx="10"/>
+          </p:nvPr>
+        </p:nvSpPr>
+        <p:spPr/>
+        <p:txBody>
+          <a:bodyPr/>
+          <a:lstStyle/>
           <a:p>
             <a:fld id="{05A69A1E-DAA9-4275-BEE8-271897FFC734}" type="datetimeFigureOut">
               <a:rPr lang="zh-TW" altLang="en-US" smtClean="0"/>
-              <a:t>2017/6/3</a:t>
+              <a:pPr/>
+              <a:t>2019/5/5</a:t>
             </a:fld>
             <a:endParaRPr lang="zh-TW" altLang="en-US"/>
           </a:p>
@@ -2560,52 +2497,41 @@
       </p:sp>
       <p:sp>
         <p:nvSpPr>
-          <p:cNvPr id="6" name="Rectangle 4"/>
-          <p:cNvSpPr>
-            <a:spLocks noGrp="1" noChangeArrowheads="1"/>
-          </p:cNvSpPr>
-          <p:nvPr>
-            <p:ph type="ftr" idx="11"/>
-          </p:nvPr>
-        </p:nvSpPr>
-        <p:spPr>
-          <a:ln/>
-        </p:spPr>
-        <p:txBody>
-          <a:bodyPr/>
-          <a:lstStyle>
-            <a:lvl1pPr>
-              <a:defRPr/>
-            </a:lvl1pPr>
-          </a:lstStyle>
-          <a:p>
-            <a:endParaRPr lang="zh-TW" altLang="en-US"/>
-          </a:p>
-        </p:txBody>
-      </p:sp>
-      <p:sp>
-        <p:nvSpPr>
-          <p:cNvPr id="7" name="Rectangle 5"/>
-          <p:cNvSpPr>
-            <a:spLocks noGrp="1" noChangeArrowheads="1"/>
-          </p:cNvSpPr>
-          <p:nvPr>
-            <p:ph type="sldNum" idx="12"/>
-          </p:nvPr>
-        </p:nvSpPr>
-        <p:spPr>
-          <a:ln/>
-        </p:spPr>
-        <p:txBody>
-          <a:bodyPr/>
-          <a:lstStyle>
-            <a:lvl1pPr>
-              <a:defRPr/>
-            </a:lvl1pPr>
-          </a:lstStyle>
+          <p:cNvPr id="6" name="頁尾版面配置區 5"/>
+          <p:cNvSpPr>
+            <a:spLocks noGrp="1"/>
+          </p:cNvSpPr>
+          <p:nvPr>
+            <p:ph type="ftr" sz="quarter" idx="11"/>
+          </p:nvPr>
+        </p:nvSpPr>
+        <p:spPr/>
+        <p:txBody>
+          <a:bodyPr/>
+          <a:lstStyle/>
+          <a:p>
+            <a:endParaRPr lang="zh-TW" altLang="en-US"/>
+          </a:p>
+        </p:txBody>
+      </p:sp>
+      <p:sp>
+        <p:nvSpPr>
+          <p:cNvPr id="7" name="投影片編號版面配置區 6"/>
+          <p:cNvSpPr>
+            <a:spLocks noGrp="1"/>
+          </p:cNvSpPr>
+          <p:nvPr>
+            <p:ph type="sldNum" sz="quarter" idx="12"/>
+          </p:nvPr>
+        </p:nvSpPr>
+        <p:spPr/>
+        <p:txBody>
+          <a:bodyPr/>
+          <a:lstStyle/>
           <a:p>
             <a:fld id="{1B3F3C93-6E62-43B1-AFB0-2BFA3EB88CE4}" type="slidenum">
               <a:rPr lang="zh-TW" altLang="en-US" smtClean="0"/>
+              <a:pPr/>
               <a:t>‹#›</a:t>
             </a:fld>
             <a:endParaRPr lang="zh-TW" altLang="en-US"/>
@@ -2625,12 +2551,10 @@
   <p:cSld>
     <p:bg>
       <p:bgPr>
-        <a:blipFill dpi="0" rotWithShape="0">
+        <a:blipFill dpi="0" rotWithShape="1">
           <a:blip r:embed="rId13"/>
           <a:srcRect/>
-          <a:stretch>
-            <a:fillRect/>
-          </a:stretch>
+          <a:tile tx="0" ty="0" sx="100000" sy="100000" flip="none" algn="tl"/>
         </a:blipFill>
         <a:effectLst/>
       </p:bgPr>
@@ -2651,234 +2575,127 @@
       </p:grpSpPr>
       <p:sp>
         <p:nvSpPr>
-          <p:cNvPr id="1026" name="Rectangle 1"/>
-          <p:cNvSpPr>
-            <a:spLocks noGrp="1" noChangeArrowheads="1"/>
+          <p:cNvPr id="2" name="標題版面配置區 1"/>
+          <p:cNvSpPr>
+            <a:spLocks noGrp="1"/>
           </p:cNvSpPr>
           <p:nvPr>
             <p:ph type="title"/>
           </p:nvPr>
         </p:nvSpPr>
-        <p:spPr bwMode="auto">
+        <p:spPr>
           <a:xfrm>
-            <a:off x="457200" y="128588"/>
-            <a:ext cx="8228013" cy="1433512"/>
+            <a:off x="457200" y="274638"/>
+            <a:ext cx="8229600" cy="1143000"/>
           </a:xfrm>
           <a:prstGeom prst="rect">
             <a:avLst/>
           </a:prstGeom>
-          <a:noFill/>
-          <a:ln w="9525">
-            <a:noFill/>
-            <a:round/>
-            <a:headEnd/>
-            <a:tailEnd/>
-          </a:ln>
         </p:spPr>
         <p:txBody>
-          <a:bodyPr vert="horz" wrap="square" lIns="90000" tIns="46800" rIns="90000" bIns="46800" numCol="1" anchor="ctr" anchorCtr="0" compatLnSpc="1">
-            <a:prstTxWarp prst="textNoShape">
-              <a:avLst/>
-            </a:prstTxWarp>
+          <a:bodyPr vert="horz" lIns="91440" tIns="45720" rIns="91440" bIns="45720" rtlCol="0" anchor="ctr">
+            <a:normAutofit/>
           </a:bodyPr>
           <a:lstStyle/>
           <a:p>
-            <a:pPr lvl="0"/>
-            <a:r>
-              <a:rPr lang="zh-TW" altLang="en-GB" smtClean="0"/>
-              <a:t>タイトルテキストの書式を編集するにはクリックします。</a:t>
-            </a:r>
-          </a:p>
-        </p:txBody>
-      </p:sp>
-      <p:sp>
-        <p:nvSpPr>
-          <p:cNvPr id="1027" name="Rectangle 2"/>
-          <p:cNvSpPr>
-            <a:spLocks noGrp="1" noChangeArrowheads="1"/>
+            <a:r>
+              <a:rPr lang="zh-TW" altLang="en-US" smtClean="0"/>
+              <a:t>按一下以編輯母片標題樣式</a:t>
+            </a:r>
+            <a:endParaRPr lang="zh-TW" altLang="en-US"/>
+          </a:p>
+        </p:txBody>
+      </p:sp>
+      <p:sp>
+        <p:nvSpPr>
+          <p:cNvPr id="3" name="文字版面配置區 2"/>
+          <p:cNvSpPr>
+            <a:spLocks noGrp="1"/>
           </p:cNvSpPr>
           <p:nvPr>
             <p:ph type="body" idx="1"/>
           </p:nvPr>
         </p:nvSpPr>
-        <p:spPr bwMode="auto">
+        <p:spPr>
           <a:xfrm>
             <a:off x="457200" y="1600200"/>
-            <a:ext cx="8228013" cy="4524375"/>
+            <a:ext cx="8229600" cy="4525963"/>
           </a:xfrm>
           <a:prstGeom prst="rect">
             <a:avLst/>
           </a:prstGeom>
-          <a:noFill/>
-          <a:ln w="9525">
-            <a:noFill/>
-            <a:round/>
-            <a:headEnd/>
-            <a:tailEnd/>
-          </a:ln>
         </p:spPr>
         <p:txBody>
-          <a:bodyPr vert="horz" wrap="square" lIns="90000" tIns="46800" rIns="90000" bIns="46800" numCol="1" anchor="t" anchorCtr="0" compatLnSpc="1">
-            <a:prstTxWarp prst="textNoShape">
-              <a:avLst/>
-            </a:prstTxWarp>
+          <a:bodyPr vert="horz" lIns="91440" tIns="45720" rIns="91440" bIns="45720" rtlCol="0">
+            <a:normAutofit/>
           </a:bodyPr>
           <a:lstStyle/>
           <a:p>
             <a:pPr lvl="0"/>
             <a:r>
-              <a:rPr lang="zh-TW" altLang="en-GB" smtClean="0"/>
-              <a:t>アウトラインテキストの書式を編集するにはクリックします。</a:t>
+              <a:rPr lang="zh-TW" altLang="en-US" smtClean="0"/>
+              <a:t>按一下以編輯母片文字樣式</a:t>
             </a:r>
           </a:p>
           <a:p>
             <a:pPr lvl="1"/>
             <a:r>
-              <a:rPr lang="en-GB" altLang="zh-TW" smtClean="0"/>
-              <a:t>2</a:t>
-            </a:r>
-            <a:r>
-              <a:rPr lang="zh-TW" altLang="en-GB" smtClean="0"/>
-              <a:t>レベル目のアウトライン</a:t>
+              <a:rPr lang="zh-TW" altLang="en-US" smtClean="0"/>
+              <a:t>第二層</a:t>
             </a:r>
           </a:p>
           <a:p>
             <a:pPr lvl="2"/>
             <a:r>
-              <a:rPr lang="en-GB" altLang="zh-TW" smtClean="0"/>
-              <a:t>3</a:t>
-            </a:r>
-            <a:r>
-              <a:rPr lang="zh-TW" altLang="en-GB" smtClean="0"/>
-              <a:t>レベル目のアウトライン</a:t>
+              <a:rPr lang="zh-TW" altLang="en-US" smtClean="0"/>
+              <a:t>第三層</a:t>
             </a:r>
           </a:p>
           <a:p>
             <a:pPr lvl="3"/>
             <a:r>
-              <a:rPr lang="en-GB" altLang="zh-TW" smtClean="0"/>
-              <a:t>4</a:t>
-            </a:r>
-            <a:r>
-              <a:rPr lang="zh-TW" altLang="en-GB" smtClean="0"/>
-              <a:t>レベル目のアウトライン</a:t>
+              <a:rPr lang="zh-TW" altLang="en-US" smtClean="0"/>
+              <a:t>第四層</a:t>
             </a:r>
           </a:p>
           <a:p>
             <a:pPr lvl="4"/>
             <a:r>
-              <a:rPr lang="en-GB" altLang="zh-TW" smtClean="0"/>
-              <a:t>5</a:t>
-            </a:r>
-            <a:r>
-              <a:rPr lang="zh-TW" altLang="en-GB" smtClean="0"/>
-              <a:t>レベル目のアウトライン</a:t>
-            </a:r>
-          </a:p>
-          <a:p>
-            <a:pPr lvl="4"/>
-            <a:r>
-              <a:rPr lang="en-GB" altLang="zh-TW" smtClean="0"/>
-              <a:t>6</a:t>
-            </a:r>
-            <a:r>
-              <a:rPr lang="zh-TW" altLang="en-GB" smtClean="0"/>
-              <a:t>レベル目のアウトライン</a:t>
-            </a:r>
-          </a:p>
-          <a:p>
-            <a:pPr lvl="4"/>
-            <a:r>
-              <a:rPr lang="en-GB" altLang="zh-TW" smtClean="0"/>
-              <a:t>7</a:t>
-            </a:r>
-            <a:r>
-              <a:rPr lang="zh-TW" altLang="en-GB" smtClean="0"/>
-              <a:t>レベル目のアウトライン</a:t>
-            </a:r>
-          </a:p>
-          <a:p>
-            <a:pPr lvl="4"/>
-            <a:r>
-              <a:rPr lang="en-GB" altLang="zh-TW" smtClean="0"/>
-              <a:t>8</a:t>
-            </a:r>
-            <a:r>
-              <a:rPr lang="zh-TW" altLang="en-GB" smtClean="0"/>
-              <a:t>レベル目のアウトライン</a:t>
-            </a:r>
-          </a:p>
-          <a:p>
-            <a:pPr lvl="4"/>
-            <a:r>
-              <a:rPr lang="en-GB" altLang="zh-TW" smtClean="0"/>
-              <a:t>9</a:t>
-            </a:r>
-            <a:r>
-              <a:rPr lang="zh-TW" altLang="en-GB" smtClean="0"/>
-              <a:t>レベル目のアウトライン</a:t>
-            </a:r>
-          </a:p>
-        </p:txBody>
-      </p:sp>
-      <p:sp>
-        <p:nvSpPr>
-          <p:cNvPr id="2" name="Rectangle 3"/>
-          <p:cNvSpPr>
-            <a:spLocks noGrp="1" noChangeArrowheads="1"/>
-          </p:cNvSpPr>
-          <p:nvPr>
-            <p:ph type="dt"/>
-          </p:nvPr>
-        </p:nvSpPr>
-        <p:spPr bwMode="auto">
+              <a:rPr lang="zh-TW" altLang="en-US" smtClean="0"/>
+              <a:t>第五層</a:t>
+            </a:r>
+            <a:endParaRPr lang="zh-TW" altLang="en-US"/>
+          </a:p>
+        </p:txBody>
+      </p:sp>
+      <p:sp>
+        <p:nvSpPr>
+          <p:cNvPr id="4" name="日期版面配置區 3"/>
+          <p:cNvSpPr>
+            <a:spLocks noGrp="1"/>
+          </p:cNvSpPr>
+          <p:nvPr>
+            <p:ph type="dt" sz="half" idx="2"/>
+          </p:nvPr>
+        </p:nvSpPr>
+        <p:spPr>
           <a:xfrm>
-            <a:off x="457200" y="6245225"/>
-            <a:ext cx="2132013" cy="474663"/>
+            <a:off x="457200" y="6356350"/>
+            <a:ext cx="2133600" cy="365125"/>
           </a:xfrm>
           <a:prstGeom prst="rect">
             <a:avLst/>
           </a:prstGeom>
-          <a:noFill/>
-          <a:ln w="9525">
-            <a:noFill/>
-            <a:round/>
-            <a:headEnd/>
-            <a:tailEnd/>
-          </a:ln>
-          <a:effectLst/>
         </p:spPr>
         <p:txBody>
-          <a:bodyPr vert="horz" wrap="square" lIns="90000" tIns="46800" rIns="90000" bIns="46800" numCol="1" anchor="t" anchorCtr="0" compatLnSpc="1">
-            <a:prstTxWarp prst="textNoShape">
-              <a:avLst/>
-            </a:prstTxWarp>
-          </a:bodyPr>
+          <a:bodyPr vert="horz" lIns="91440" tIns="45720" rIns="91440" bIns="45720" rtlCol="0" anchor="ctr"/>
           <a:lstStyle>
-            <a:lvl1pPr>
-              <a:lnSpc>
-                <a:spcPct val="100000"/>
-              </a:lnSpc>
-              <a:buClr>
-                <a:srgbClr val="84031A"/>
-              </a:buClr>
-              <a:tabLst>
-                <a:tab pos="0" algn="l"/>
-                <a:tab pos="914400" algn="l"/>
-                <a:tab pos="1828800" algn="l"/>
-                <a:tab pos="2743200" algn="l"/>
-                <a:tab pos="3657600" algn="l"/>
-                <a:tab pos="4572000" algn="l"/>
-                <a:tab pos="5486400" algn="l"/>
-                <a:tab pos="6400800" algn="l"/>
-                <a:tab pos="7315200" algn="l"/>
-                <a:tab pos="8229600" algn="l"/>
-                <a:tab pos="9144000" algn="l"/>
-                <a:tab pos="10058400" algn="l"/>
-              </a:tabLst>
-              <a:defRPr sz="1400">
+            <a:lvl1pPr algn="l">
+              <a:defRPr sz="1200">
                 <a:solidFill>
-                  <a:srgbClr val="000000"/>
+                  <a:schemeClr val="tx1">
+                    <a:tint val="75000"/>
+                  </a:schemeClr>
                 </a:solidFill>
               </a:defRPr>
             </a:lvl1pPr>
@@ -2886,7 +2703,8 @@
           <a:p>
             <a:fld id="{05A69A1E-DAA9-4275-BEE8-271897FFC734}" type="datetimeFigureOut">
               <a:rPr lang="zh-TW" altLang="en-US" smtClean="0"/>
-              <a:t>2017/6/3</a:t>
+              <a:pPr/>
+              <a:t>2019/5/5</a:t>
             </a:fld>
             <a:endParaRPr lang="zh-TW" altLang="en-US"/>
           </a:p>
@@ -2894,62 +2712,32 @@
       </p:sp>
       <p:sp>
         <p:nvSpPr>
-          <p:cNvPr id="1028" name="Rectangle 4"/>
-          <p:cNvSpPr>
-            <a:spLocks noGrp="1" noChangeArrowheads="1"/>
-          </p:cNvSpPr>
-          <p:nvPr>
-            <p:ph type="ftr"/>
-          </p:nvPr>
-        </p:nvSpPr>
-        <p:spPr bwMode="auto">
+          <p:cNvPr id="5" name="頁尾版面配置區 4"/>
+          <p:cNvSpPr>
+            <a:spLocks noGrp="1"/>
+          </p:cNvSpPr>
+          <p:nvPr>
+            <p:ph type="ftr" sz="quarter" idx="3"/>
+          </p:nvPr>
+        </p:nvSpPr>
+        <p:spPr>
           <a:xfrm>
-            <a:off x="3124200" y="6245225"/>
-            <a:ext cx="2894013" cy="474663"/>
+            <a:off x="3124200" y="6356350"/>
+            <a:ext cx="2895600" cy="365125"/>
           </a:xfrm>
           <a:prstGeom prst="rect">
             <a:avLst/>
           </a:prstGeom>
-          <a:noFill/>
-          <a:ln w="9525">
-            <a:noFill/>
-            <a:round/>
-            <a:headEnd/>
-            <a:tailEnd/>
-          </a:ln>
-          <a:effectLst/>
         </p:spPr>
         <p:txBody>
-          <a:bodyPr vert="horz" wrap="square" lIns="90000" tIns="46800" rIns="90000" bIns="46800" numCol="1" anchor="t" anchorCtr="0" compatLnSpc="1">
-            <a:prstTxWarp prst="textNoShape">
-              <a:avLst/>
-            </a:prstTxWarp>
-          </a:bodyPr>
+          <a:bodyPr vert="horz" lIns="91440" tIns="45720" rIns="91440" bIns="45720" rtlCol="0" anchor="ctr"/>
           <a:lstStyle>
             <a:lvl1pPr algn="ctr">
-              <a:lnSpc>
-                <a:spcPct val="100000"/>
-              </a:lnSpc>
-              <a:buClr>
-                <a:srgbClr val="84031A"/>
-              </a:buClr>
-              <a:tabLst>
-                <a:tab pos="0" algn="l"/>
-                <a:tab pos="914400" algn="l"/>
-                <a:tab pos="1828800" algn="l"/>
-                <a:tab pos="2743200" algn="l"/>
-                <a:tab pos="3657600" algn="l"/>
-                <a:tab pos="4572000" algn="l"/>
-                <a:tab pos="5486400" algn="l"/>
-                <a:tab pos="6400800" algn="l"/>
-                <a:tab pos="7315200" algn="l"/>
-                <a:tab pos="8229600" algn="l"/>
-                <a:tab pos="9144000" algn="l"/>
-                <a:tab pos="10058400" algn="l"/>
-              </a:tabLst>
-              <a:defRPr sz="1400">
+              <a:defRPr sz="1200">
                 <a:solidFill>
-                  <a:srgbClr val="000000"/>
+                  <a:schemeClr val="tx1">
+                    <a:tint val="75000"/>
+                  </a:schemeClr>
                 </a:solidFill>
               </a:defRPr>
             </a:lvl1pPr>
@@ -2961,62 +2749,32 @@
       </p:sp>
       <p:sp>
         <p:nvSpPr>
-          <p:cNvPr id="1029" name="Rectangle 5"/>
-          <p:cNvSpPr>
-            <a:spLocks noGrp="1" noChangeArrowheads="1"/>
-          </p:cNvSpPr>
-          <p:nvPr>
-            <p:ph type="sldNum"/>
-          </p:nvPr>
-        </p:nvSpPr>
-        <p:spPr bwMode="auto">
+          <p:cNvPr id="6" name="投影片編號版面配置區 5"/>
+          <p:cNvSpPr>
+            <a:spLocks noGrp="1"/>
+          </p:cNvSpPr>
+          <p:nvPr>
+            <p:ph type="sldNum" sz="quarter" idx="4"/>
+          </p:nvPr>
+        </p:nvSpPr>
+        <p:spPr>
           <a:xfrm>
-            <a:off x="6553200" y="6245225"/>
-            <a:ext cx="2132013" cy="474663"/>
+            <a:off x="6553200" y="6356350"/>
+            <a:ext cx="2133600" cy="365125"/>
           </a:xfrm>
           <a:prstGeom prst="rect">
             <a:avLst/>
           </a:prstGeom>
-          <a:noFill/>
-          <a:ln w="9525">
-            <a:noFill/>
-            <a:round/>
-            <a:headEnd/>
-            <a:tailEnd/>
-          </a:ln>
-          <a:effectLst/>
         </p:spPr>
         <p:txBody>
-          <a:bodyPr vert="horz" wrap="square" lIns="90000" tIns="46800" rIns="90000" bIns="46800" numCol="1" anchor="t" anchorCtr="0" compatLnSpc="1">
-            <a:prstTxWarp prst="textNoShape">
-              <a:avLst/>
-            </a:prstTxWarp>
-          </a:bodyPr>
+          <a:bodyPr vert="horz" lIns="91440" tIns="45720" rIns="91440" bIns="45720" rtlCol="0" anchor="ctr"/>
           <a:lstStyle>
             <a:lvl1pPr algn="r">
-              <a:lnSpc>
-                <a:spcPct val="100000"/>
-              </a:lnSpc>
-              <a:buClr>
-                <a:srgbClr val="84031A"/>
-              </a:buClr>
-              <a:tabLst>
-                <a:tab pos="0" algn="l"/>
-                <a:tab pos="914400" algn="l"/>
-                <a:tab pos="1828800" algn="l"/>
-                <a:tab pos="2743200" algn="l"/>
-                <a:tab pos="3657600" algn="l"/>
-                <a:tab pos="4572000" algn="l"/>
-                <a:tab pos="5486400" algn="l"/>
-                <a:tab pos="6400800" algn="l"/>
-                <a:tab pos="7315200" algn="l"/>
-                <a:tab pos="8229600" algn="l"/>
-                <a:tab pos="9144000" algn="l"/>
-                <a:tab pos="10058400" algn="l"/>
-              </a:tabLst>
-              <a:defRPr sz="1400">
+              <a:defRPr sz="1200">
                 <a:solidFill>
-                  <a:srgbClr val="000000"/>
+                  <a:schemeClr val="tx1">
+                    <a:tint val="75000"/>
+                  </a:schemeClr>
                 </a:solidFill>
               </a:defRPr>
             </a:lvl1pPr>
@@ -3024,6 +2782,7 @@
           <a:p>
             <a:fld id="{1B3F3C93-6E62-43B1-AFB0-2BFA3EB88CE4}" type="slidenum">
               <a:rPr lang="zh-TW" altLang="en-US" smtClean="0"/>
+              <a:pPr/>
               <a:t>‹#›</a:t>
             </a:fld>
             <a:endParaRPr lang="zh-TW" altLang="en-US"/>
@@ -3034,451 +2793,175 @@
   </p:cSld>
   <p:clrMap bg1="lt1" tx1="dk1" bg2="lt2" tx2="dk2" accent1="accent1" accent2="accent2" accent3="accent3" accent4="accent4" accent5="accent5" accent6="accent6" hlink="hlink" folHlink="folHlink"/>
   <p:sldLayoutIdLst>
-    <p:sldLayoutId id="2147483661" r:id="rId1"/>
-    <p:sldLayoutId id="2147483662" r:id="rId2"/>
-    <p:sldLayoutId id="2147483663" r:id="rId3"/>
-    <p:sldLayoutId id="2147483664" r:id="rId4"/>
-    <p:sldLayoutId id="2147483665" r:id="rId5"/>
-    <p:sldLayoutId id="2147483666" r:id="rId6"/>
-    <p:sldLayoutId id="2147483667" r:id="rId7"/>
-    <p:sldLayoutId id="2147483668" r:id="rId8"/>
-    <p:sldLayoutId id="2147483669" r:id="rId9"/>
-    <p:sldLayoutId id="2147483670" r:id="rId10"/>
-    <p:sldLayoutId id="2147483671" r:id="rId11"/>
+    <p:sldLayoutId id="2147483673" r:id="rId1"/>
+    <p:sldLayoutId id="2147483674" r:id="rId2"/>
+    <p:sldLayoutId id="2147483675" r:id="rId3"/>
+    <p:sldLayoutId id="2147483676" r:id="rId4"/>
+    <p:sldLayoutId id="2147483677" r:id="rId5"/>
+    <p:sldLayoutId id="2147483678" r:id="rId6"/>
+    <p:sldLayoutId id="2147483679" r:id="rId7"/>
+    <p:sldLayoutId id="2147483680" r:id="rId8"/>
+    <p:sldLayoutId id="2147483681" r:id="rId9"/>
+    <p:sldLayoutId id="2147483682" r:id="rId10"/>
+    <p:sldLayoutId id="2147483683" r:id="rId11"/>
   </p:sldLayoutIdLst>
   <p:txStyles>
     <p:titleStyle>
-      <a:lvl1pPr algn="ctr" defTabSz="449263" rtl="0" eaLnBrk="1" fontAlgn="base" hangingPunct="1">
-        <a:lnSpc>
-          <a:spcPct val="93000"/>
-        </a:lnSpc>
+      <a:lvl1pPr algn="ctr" defTabSz="914400" rtl="0" eaLnBrk="1" latinLnBrk="0" hangingPunct="1">
         <a:spcBef>
           <a:spcPct val="0"/>
         </a:spcBef>
-        <a:spcAft>
-          <a:spcPct val="0"/>
-        </a:spcAft>
-        <a:buClr>
-          <a:srgbClr val="000000"/>
-        </a:buClr>
-        <a:buSzPct val="100000"/>
-        <a:buFont typeface="Arial" charset="0"/>
-        <a:defRPr sz="4400">
+        <a:buNone/>
+        <a:defRPr sz="4400" kern="1200">
           <a:solidFill>
-            <a:srgbClr val="000000"/>
+            <a:schemeClr val="tx1"/>
           </a:solidFill>
           <a:latin typeface="+mj-lt"/>
           <a:ea typeface="+mj-ea"/>
           <a:cs typeface="+mj-cs"/>
         </a:defRPr>
       </a:lvl1pPr>
-      <a:lvl2pPr algn="ctr" defTabSz="449263" rtl="0" eaLnBrk="1" fontAlgn="base" hangingPunct="1">
-        <a:lnSpc>
-          <a:spcPct val="93000"/>
-        </a:lnSpc>
-        <a:spcBef>
-          <a:spcPct val="0"/>
-        </a:spcBef>
-        <a:spcAft>
-          <a:spcPct val="0"/>
-        </a:spcAft>
-        <a:buClr>
-          <a:srgbClr val="000000"/>
-        </a:buClr>
-        <a:buSzPct val="100000"/>
-        <a:buFont typeface="Arial" charset="0"/>
-        <a:defRPr sz="4400">
-          <a:solidFill>
-            <a:srgbClr val="000000"/>
-          </a:solidFill>
-          <a:latin typeface="Arial" charset="0"/>
-          <a:ea typeface="新細明體" pitchFamily="18" charset="-120"/>
-        </a:defRPr>
-      </a:lvl2pPr>
-      <a:lvl3pPr algn="ctr" defTabSz="449263" rtl="0" eaLnBrk="1" fontAlgn="base" hangingPunct="1">
-        <a:lnSpc>
-          <a:spcPct val="93000"/>
-        </a:lnSpc>
-        <a:spcBef>
-          <a:spcPct val="0"/>
-        </a:spcBef>
-        <a:spcAft>
-          <a:spcPct val="0"/>
-        </a:spcAft>
-        <a:buClr>
-          <a:srgbClr val="000000"/>
-        </a:buClr>
-        <a:buSzPct val="100000"/>
-        <a:buFont typeface="Arial" charset="0"/>
-        <a:defRPr sz="4400">
-          <a:solidFill>
-            <a:srgbClr val="000000"/>
-          </a:solidFill>
-          <a:latin typeface="Arial" charset="0"/>
-          <a:ea typeface="新細明體" pitchFamily="18" charset="-120"/>
-        </a:defRPr>
-      </a:lvl3pPr>
-      <a:lvl4pPr algn="ctr" defTabSz="449263" rtl="0" eaLnBrk="1" fontAlgn="base" hangingPunct="1">
-        <a:lnSpc>
-          <a:spcPct val="93000"/>
-        </a:lnSpc>
-        <a:spcBef>
-          <a:spcPct val="0"/>
-        </a:spcBef>
-        <a:spcAft>
-          <a:spcPct val="0"/>
-        </a:spcAft>
-        <a:buClr>
-          <a:srgbClr val="000000"/>
-        </a:buClr>
-        <a:buSzPct val="100000"/>
-        <a:buFont typeface="Arial" charset="0"/>
-        <a:defRPr sz="4400">
-          <a:solidFill>
-            <a:srgbClr val="000000"/>
-          </a:solidFill>
-          <a:latin typeface="Arial" charset="0"/>
-          <a:ea typeface="新細明體" pitchFamily="18" charset="-120"/>
-        </a:defRPr>
-      </a:lvl4pPr>
-      <a:lvl5pPr algn="ctr" defTabSz="449263" rtl="0" eaLnBrk="1" fontAlgn="base" hangingPunct="1">
-        <a:lnSpc>
-          <a:spcPct val="93000"/>
-        </a:lnSpc>
-        <a:spcBef>
-          <a:spcPct val="0"/>
-        </a:spcBef>
-        <a:spcAft>
-          <a:spcPct val="0"/>
-        </a:spcAft>
-        <a:buClr>
-          <a:srgbClr val="000000"/>
-        </a:buClr>
-        <a:buSzPct val="100000"/>
-        <a:buFont typeface="Arial" charset="0"/>
-        <a:defRPr sz="4400">
-          <a:solidFill>
-            <a:srgbClr val="000000"/>
-          </a:solidFill>
-          <a:latin typeface="Arial" charset="0"/>
-          <a:ea typeface="新細明體" pitchFamily="18" charset="-120"/>
-        </a:defRPr>
-      </a:lvl5pPr>
-      <a:lvl6pPr marL="457200" algn="ctr" defTabSz="449263" rtl="0" eaLnBrk="1" fontAlgn="base" hangingPunct="1">
-        <a:lnSpc>
-          <a:spcPct val="93000"/>
-        </a:lnSpc>
-        <a:spcBef>
-          <a:spcPct val="0"/>
-        </a:spcBef>
-        <a:spcAft>
-          <a:spcPct val="0"/>
-        </a:spcAft>
-        <a:buClr>
-          <a:srgbClr val="000000"/>
-        </a:buClr>
-        <a:buSzPct val="100000"/>
-        <a:buFont typeface="Arial" charset="0"/>
-        <a:defRPr sz="4400">
-          <a:solidFill>
-            <a:srgbClr val="000000"/>
-          </a:solidFill>
-          <a:latin typeface="Arial" charset="0"/>
-          <a:ea typeface="新細明體" pitchFamily="18" charset="-120"/>
-        </a:defRPr>
-      </a:lvl6pPr>
-      <a:lvl7pPr marL="914400" algn="ctr" defTabSz="449263" rtl="0" eaLnBrk="1" fontAlgn="base" hangingPunct="1">
-        <a:lnSpc>
-          <a:spcPct val="93000"/>
-        </a:lnSpc>
-        <a:spcBef>
-          <a:spcPct val="0"/>
-        </a:spcBef>
-        <a:spcAft>
-          <a:spcPct val="0"/>
-        </a:spcAft>
-        <a:buClr>
-          <a:srgbClr val="000000"/>
-        </a:buClr>
-        <a:buSzPct val="100000"/>
-        <a:buFont typeface="Arial" charset="0"/>
-        <a:defRPr sz="4400">
-          <a:solidFill>
-            <a:srgbClr val="000000"/>
-          </a:solidFill>
-          <a:latin typeface="Arial" charset="0"/>
-          <a:ea typeface="新細明體" pitchFamily="18" charset="-120"/>
-        </a:defRPr>
-      </a:lvl7pPr>
-      <a:lvl8pPr marL="1371600" algn="ctr" defTabSz="449263" rtl="0" eaLnBrk="1" fontAlgn="base" hangingPunct="1">
-        <a:lnSpc>
-          <a:spcPct val="93000"/>
-        </a:lnSpc>
-        <a:spcBef>
-          <a:spcPct val="0"/>
-        </a:spcBef>
-        <a:spcAft>
-          <a:spcPct val="0"/>
-        </a:spcAft>
-        <a:buClr>
-          <a:srgbClr val="000000"/>
-        </a:buClr>
-        <a:buSzPct val="100000"/>
-        <a:buFont typeface="Arial" charset="0"/>
-        <a:defRPr sz="4400">
-          <a:solidFill>
-            <a:srgbClr val="000000"/>
-          </a:solidFill>
-          <a:latin typeface="Arial" charset="0"/>
-          <a:ea typeface="新細明體" pitchFamily="18" charset="-120"/>
-        </a:defRPr>
-      </a:lvl8pPr>
-      <a:lvl9pPr marL="1828800" algn="ctr" defTabSz="449263" rtl="0" eaLnBrk="1" fontAlgn="base" hangingPunct="1">
-        <a:lnSpc>
-          <a:spcPct val="93000"/>
-        </a:lnSpc>
-        <a:spcBef>
-          <a:spcPct val="0"/>
-        </a:spcBef>
-        <a:spcAft>
-          <a:spcPct val="0"/>
-        </a:spcAft>
-        <a:buClr>
-          <a:srgbClr val="000000"/>
-        </a:buClr>
-        <a:buSzPct val="100000"/>
-        <a:buFont typeface="Arial" charset="0"/>
-        <a:defRPr sz="4400">
-          <a:solidFill>
-            <a:srgbClr val="000000"/>
-          </a:solidFill>
-          <a:latin typeface="Arial" charset="0"/>
-          <a:ea typeface="新細明體" pitchFamily="18" charset="-120"/>
-        </a:defRPr>
-      </a:lvl9pPr>
     </p:titleStyle>
     <p:bodyStyle>
-      <a:lvl1pPr marL="341313" indent="-341313" algn="l" defTabSz="449263" rtl="0" eaLnBrk="1" fontAlgn="base" hangingPunct="1">
-        <a:lnSpc>
-          <a:spcPct val="93000"/>
-        </a:lnSpc>
+      <a:lvl1pPr marL="342900" indent="-342900" algn="l" defTabSz="914400" rtl="0" eaLnBrk="1" latinLnBrk="0" hangingPunct="1">
         <a:spcBef>
-          <a:spcPts val="800"/>
+          <a:spcPct val="20000"/>
         </a:spcBef>
-        <a:spcAft>
-          <a:spcPct val="0"/>
-        </a:spcAft>
-        <a:buClr>
-          <a:srgbClr val="000000"/>
-        </a:buClr>
-        <a:buSzPct val="100000"/>
-        <a:buFont typeface="Arial" charset="0"/>
+        <a:buFont typeface="Arial" pitchFamily="34" charset="0"/>
         <a:buChar char="•"/>
-        <a:defRPr sz="3200">
+        <a:defRPr sz="3200" kern="1200">
           <a:solidFill>
-            <a:srgbClr val="000000"/>
+            <a:schemeClr val="tx1"/>
           </a:solidFill>
           <a:latin typeface="+mn-lt"/>
           <a:ea typeface="+mn-ea"/>
           <a:cs typeface="+mn-cs"/>
         </a:defRPr>
       </a:lvl1pPr>
-      <a:lvl2pPr marL="741363" indent="-284163" algn="l" defTabSz="449263" rtl="0" eaLnBrk="1" fontAlgn="base" hangingPunct="1">
-        <a:lnSpc>
-          <a:spcPct val="93000"/>
-        </a:lnSpc>
+      <a:lvl2pPr marL="742950" indent="-285750" algn="l" defTabSz="914400" rtl="0" eaLnBrk="1" latinLnBrk="0" hangingPunct="1">
         <a:spcBef>
-          <a:spcPts val="700"/>
+          <a:spcPct val="20000"/>
         </a:spcBef>
-        <a:spcAft>
-          <a:spcPct val="0"/>
-        </a:spcAft>
-        <a:buClr>
-          <a:srgbClr val="000000"/>
-        </a:buClr>
-        <a:buSzPct val="100000"/>
-        <a:buFont typeface="Arial" charset="0"/>
+        <a:buFont typeface="Arial" pitchFamily="34" charset="0"/>
         <a:buChar char="–"/>
-        <a:defRPr sz="2800">
+        <a:defRPr sz="2800" kern="1200">
           <a:solidFill>
-            <a:srgbClr val="000000"/>
+            <a:schemeClr val="tx1"/>
           </a:solidFill>
           <a:latin typeface="+mn-lt"/>
           <a:ea typeface="+mn-ea"/>
+          <a:cs typeface="+mn-cs"/>
         </a:defRPr>
       </a:lvl2pPr>
-      <a:lvl3pPr marL="1143000" indent="-228600" algn="l" defTabSz="449263" rtl="0" eaLnBrk="1" fontAlgn="base" hangingPunct="1">
-        <a:lnSpc>
-          <a:spcPct val="93000"/>
-        </a:lnSpc>
+      <a:lvl3pPr marL="1143000" indent="-228600" algn="l" defTabSz="914400" rtl="0" eaLnBrk="1" latinLnBrk="0" hangingPunct="1">
         <a:spcBef>
-          <a:spcPts val="600"/>
+          <a:spcPct val="20000"/>
         </a:spcBef>
-        <a:spcAft>
-          <a:spcPct val="0"/>
-        </a:spcAft>
-        <a:buClr>
-          <a:srgbClr val="000000"/>
-        </a:buClr>
-        <a:buSzPct val="100000"/>
-        <a:buFont typeface="Arial" charset="0"/>
+        <a:buFont typeface="Arial" pitchFamily="34" charset="0"/>
         <a:buChar char="•"/>
-        <a:defRPr sz="2400">
+        <a:defRPr sz="2400" kern="1200">
           <a:solidFill>
-            <a:srgbClr val="000000"/>
+            <a:schemeClr val="tx1"/>
           </a:solidFill>
           <a:latin typeface="+mn-lt"/>
           <a:ea typeface="+mn-ea"/>
+          <a:cs typeface="+mn-cs"/>
         </a:defRPr>
       </a:lvl3pPr>
-      <a:lvl4pPr marL="1600200" indent="-228600" algn="l" defTabSz="449263" rtl="0" eaLnBrk="1" fontAlgn="base" hangingPunct="1">
-        <a:lnSpc>
-          <a:spcPct val="93000"/>
-        </a:lnSpc>
+      <a:lvl4pPr marL="1600200" indent="-228600" algn="l" defTabSz="914400" rtl="0" eaLnBrk="1" latinLnBrk="0" hangingPunct="1">
         <a:spcBef>
-          <a:spcPts val="500"/>
+          <a:spcPct val="20000"/>
         </a:spcBef>
-        <a:spcAft>
-          <a:spcPct val="0"/>
-        </a:spcAft>
-        <a:buClr>
-          <a:srgbClr val="000000"/>
-        </a:buClr>
-        <a:buSzPct val="100000"/>
-        <a:buFont typeface="Arial" charset="0"/>
+        <a:buFont typeface="Arial" pitchFamily="34" charset="0"/>
         <a:buChar char="–"/>
-        <a:defRPr sz="2000">
+        <a:defRPr sz="2000" kern="1200">
           <a:solidFill>
-            <a:srgbClr val="000000"/>
+            <a:schemeClr val="tx1"/>
           </a:solidFill>
           <a:latin typeface="+mn-lt"/>
           <a:ea typeface="+mn-ea"/>
+          <a:cs typeface="+mn-cs"/>
         </a:defRPr>
       </a:lvl4pPr>
-      <a:lvl5pPr marL="2057400" indent="-228600" algn="l" defTabSz="449263" rtl="0" eaLnBrk="1" fontAlgn="base" hangingPunct="1">
-        <a:lnSpc>
-          <a:spcPct val="93000"/>
-        </a:lnSpc>
+      <a:lvl5pPr marL="2057400" indent="-228600" algn="l" defTabSz="914400" rtl="0" eaLnBrk="1" latinLnBrk="0" hangingPunct="1">
         <a:spcBef>
-          <a:spcPts val="500"/>
+          <a:spcPct val="20000"/>
         </a:spcBef>
-        <a:spcAft>
-          <a:spcPct val="0"/>
-        </a:spcAft>
-        <a:buClr>
-          <a:srgbClr val="000000"/>
-        </a:buClr>
-        <a:buSzPct val="100000"/>
-        <a:buFont typeface="Arial" charset="0"/>
+        <a:buFont typeface="Arial" pitchFamily="34" charset="0"/>
         <a:buChar char="»"/>
-        <a:defRPr sz="2000">
+        <a:defRPr sz="2000" kern="1200">
           <a:solidFill>
-            <a:srgbClr val="000000"/>
+            <a:schemeClr val="tx1"/>
           </a:solidFill>
           <a:latin typeface="+mn-lt"/>
           <a:ea typeface="+mn-ea"/>
+          <a:cs typeface="+mn-cs"/>
         </a:defRPr>
       </a:lvl5pPr>
-      <a:lvl6pPr marL="2514600" indent="-228600" algn="l" defTabSz="449263" rtl="0" eaLnBrk="1" fontAlgn="base" hangingPunct="1">
-        <a:lnSpc>
-          <a:spcPct val="93000"/>
-        </a:lnSpc>
+      <a:lvl6pPr marL="2514600" indent="-228600" algn="l" defTabSz="914400" rtl="0" eaLnBrk="1" latinLnBrk="0" hangingPunct="1">
         <a:spcBef>
-          <a:spcPts val="500"/>
+          <a:spcPct val="20000"/>
         </a:spcBef>
-        <a:spcAft>
-          <a:spcPct val="0"/>
-        </a:spcAft>
-        <a:buClr>
-          <a:srgbClr val="000000"/>
-        </a:buClr>
-        <a:buSzPct val="100000"/>
-        <a:buFont typeface="Arial" charset="0"/>
-        <a:buChar char="»"/>
-        <a:defRPr sz="2000">
+        <a:buFont typeface="Arial" pitchFamily="34" charset="0"/>
+        <a:buChar char="•"/>
+        <a:defRPr sz="2000" kern="1200">
           <a:solidFill>
-            <a:srgbClr val="000000"/>
+            <a:schemeClr val="tx1"/>
           </a:solidFill>
           <a:latin typeface="+mn-lt"/>
           <a:ea typeface="+mn-ea"/>
+          <a:cs typeface="+mn-cs"/>
         </a:defRPr>
       </a:lvl6pPr>
-      <a:lvl7pPr marL="2971800" indent="-228600" algn="l" defTabSz="449263" rtl="0" eaLnBrk="1" fontAlgn="base" hangingPunct="1">
-        <a:lnSpc>
-          <a:spcPct val="93000"/>
-        </a:lnSpc>
+      <a:lvl7pPr marL="2971800" indent="-228600" algn="l" defTabSz="914400" rtl="0" eaLnBrk="1" latinLnBrk="0" hangingPunct="1">
         <a:spcBef>
-          <a:spcPts val="500"/>
+          <a:spcPct val="20000"/>
         </a:spcBef>
-        <a:spcAft>
-          <a:spcPct val="0"/>
-        </a:spcAft>
-        <a:buClr>
-          <a:srgbClr val="000000"/>
-        </a:buClr>
-        <a:buSzPct val="100000"/>
-        <a:buFont typeface="Arial" charset="0"/>
-        <a:buChar char="»"/>
-        <a:defRPr sz="2000">
+        <a:buFont typeface="Arial" pitchFamily="34" charset="0"/>
+        <a:buChar char="•"/>
+        <a:defRPr sz="2000" kern="1200">
           <a:solidFill>
-            <a:srgbClr val="000000"/>
+            <a:schemeClr val="tx1"/>
           </a:solidFill>
           <a:latin typeface="+mn-lt"/>
           <a:ea typeface="+mn-ea"/>
+          <a:cs typeface="+mn-cs"/>
         </a:defRPr>
       </a:lvl7pPr>
-      <a:lvl8pPr marL="3429000" indent="-228600" algn="l" defTabSz="449263" rtl="0" eaLnBrk="1" fontAlgn="base" hangingPunct="1">
-        <a:lnSpc>
-          <a:spcPct val="93000"/>
-        </a:lnSpc>
+      <a:lvl8pPr marL="3429000" indent="-228600" algn="l" defTabSz="914400" rtl="0" eaLnBrk="1" latinLnBrk="0" hangingPunct="1">
         <a:spcBef>
-          <a:spcPts val="500"/>
+          <a:spcPct val="20000"/>
         </a:spcBef>
-        <a:spcAft>
-          <a:spcPct val="0"/>
-        </a:spcAft>
-        <a:buClr>
-          <a:srgbClr val="000000"/>
-        </a:buClr>
-        <a:buSzPct val="100000"/>
-        <a:buFont typeface="Arial" charset="0"/>
-        <a:buChar char="»"/>
-        <a:defRPr sz="2000">
+        <a:buFont typeface="Arial" pitchFamily="34" charset="0"/>
+        <a:buChar char="•"/>
+        <a:defRPr sz="2000" kern="1200">
           <a:solidFill>
-            <a:srgbClr val="000000"/>
+            <a:schemeClr val="tx1"/>
           </a:solidFill>
           <a:latin typeface="+mn-lt"/>
           <a:ea typeface="+mn-ea"/>
+          <a:cs typeface="+mn-cs"/>
         </a:defRPr>
       </a:lvl8pPr>
-      <a:lvl9pPr marL="3886200" indent="-228600" algn="l" defTabSz="449263" rtl="0" eaLnBrk="1" fontAlgn="base" hangingPunct="1">
-        <a:lnSpc>
-          <a:spcPct val="93000"/>
-        </a:lnSpc>
+      <a:lvl9pPr marL="3886200" indent="-228600" algn="l" defTabSz="914400" rtl="0" eaLnBrk="1" latinLnBrk="0" hangingPunct="1">
         <a:spcBef>
-          <a:spcPts val="500"/>
+          <a:spcPct val="20000"/>
         </a:spcBef>
-        <a:spcAft>
-          <a:spcPct val="0"/>
-        </a:spcAft>
-        <a:buClr>
-          <a:srgbClr val="000000"/>
-        </a:buClr>
-        <a:buSzPct val="100000"/>
-        <a:buFont typeface="Arial" charset="0"/>
-        <a:buChar char="»"/>
-        <a:defRPr sz="2000">
+        <a:buFont typeface="Arial" pitchFamily="34" charset="0"/>
+        <a:buChar char="•"/>
+        <a:defRPr sz="2000" kern="1200">
           <a:solidFill>
-            <a:srgbClr val="000000"/>
+            <a:schemeClr val="tx1"/>
           </a:solidFill>
           <a:latin typeface="+mn-lt"/>
           <a:ea typeface="+mn-ea"/>
+          <a:cs typeface="+mn-cs"/>
         </a:defRPr>
       </a:lvl9pPr>
     </p:bodyStyle>
     <p:otherStyle>
       <a:defPPr>
-        <a:defRPr lang="en-US"/>
+        <a:defRPr lang="zh-TW"/>
       </a:defPPr>
       <a:lvl1pPr marL="0" algn="l" defTabSz="914400" rtl="0" eaLnBrk="1" latinLnBrk="0" hangingPunct="1">
         <a:defRPr sz="1800" kern="1200">
@@ -3608,7 +3091,10 @@
           <a:lstStyle/>
           <a:p>
             <a:r>
-              <a:rPr lang="zh-TW" altLang="en-US" dirty="0"/>
+              <a:rPr lang="zh-TW" altLang="en-US" b="1" dirty="0">
+                <a:latin typeface="微軟正黑體" pitchFamily="34" charset="-120"/>
+                <a:ea typeface="微軟正黑體" pitchFamily="34" charset="-120"/>
+              </a:rPr>
               <a:t>快樂崇拜</a:t>
             </a:r>
           </a:p>
@@ -3635,64 +3121,106 @@
               <a:buNone/>
             </a:pPr>
             <a:r>
-              <a:rPr lang="zh-TW" altLang="en-US" sz="5400" dirty="0" smtClean="0"/>
+              <a:rPr lang="zh-TW" altLang="en-US" sz="5400" b="1" dirty="0" smtClean="0">
+                <a:latin typeface="微軟正黑體" pitchFamily="34" charset="-120"/>
+                <a:ea typeface="微軟正黑體" pitchFamily="34" charset="-120"/>
+              </a:rPr>
               <a:t>快樂  快樂  我們崇拜</a:t>
             </a:r>
-            <a:endParaRPr lang="en-US" altLang="zh-TW" sz="5400" dirty="0" smtClean="0"/>
+            <a:endParaRPr lang="en-US" altLang="zh-TW" sz="5400" b="1" dirty="0" smtClean="0">
+              <a:latin typeface="微軟正黑體" pitchFamily="34" charset="-120"/>
+              <a:ea typeface="微軟正黑體" pitchFamily="34" charset="-120"/>
+            </a:endParaRPr>
           </a:p>
           <a:p>
             <a:pPr algn="ctr">
               <a:buNone/>
             </a:pPr>
             <a:r>
-              <a:rPr lang="zh-TW" altLang="en-US" sz="5400" dirty="0" smtClean="0"/>
+              <a:rPr lang="zh-TW" altLang="en-US" sz="5400" b="1" dirty="0" smtClean="0">
+                <a:latin typeface="微軟正黑體" pitchFamily="34" charset="-120"/>
+                <a:ea typeface="微軟正黑體" pitchFamily="34" charset="-120"/>
+              </a:rPr>
               <a:t>榮耀</a:t>
             </a:r>
             <a:r>
-              <a:rPr lang="zh-TW" altLang="en-US" sz="5400" dirty="0"/>
+              <a:rPr lang="zh-TW" altLang="en-US" sz="5400" b="1" dirty="0">
+                <a:latin typeface="微軟正黑體" pitchFamily="34" charset="-120"/>
+                <a:ea typeface="微軟正黑體" pitchFamily="34" charset="-120"/>
+              </a:rPr>
               <a:t>慈愛大</a:t>
             </a:r>
             <a:r>
-              <a:rPr lang="zh-TW" altLang="en-US" sz="5400" dirty="0" smtClean="0"/>
+              <a:rPr lang="zh-TW" altLang="en-US" sz="5400" b="1" dirty="0" smtClean="0">
+                <a:latin typeface="微軟正黑體" pitchFamily="34" charset="-120"/>
+                <a:ea typeface="微軟正黑體" pitchFamily="34" charset="-120"/>
+              </a:rPr>
               <a:t>主宰</a:t>
             </a:r>
-            <a:endParaRPr lang="en-US" altLang="zh-TW" sz="5400" dirty="0"/>
+            <a:endParaRPr lang="en-US" altLang="zh-TW" sz="5400" b="1" dirty="0">
+              <a:latin typeface="微軟正黑體" pitchFamily="34" charset="-120"/>
+              <a:ea typeface="微軟正黑體" pitchFamily="34" charset="-120"/>
+            </a:endParaRPr>
           </a:p>
           <a:p>
             <a:pPr algn="ctr">
               <a:buNone/>
             </a:pPr>
             <a:r>
-              <a:rPr lang="zh-TW" altLang="en-US" sz="5400" dirty="0" smtClean="0"/>
+              <a:rPr lang="zh-TW" altLang="en-US" sz="5400" b="1" dirty="0" smtClean="0">
+                <a:latin typeface="微軟正黑體" pitchFamily="34" charset="-120"/>
+                <a:ea typeface="微軟正黑體" pitchFamily="34" charset="-120"/>
+              </a:rPr>
               <a:t>心靈</a:t>
             </a:r>
             <a:r>
-              <a:rPr lang="zh-TW" altLang="en-US" sz="5400" dirty="0"/>
+              <a:rPr lang="zh-TW" altLang="en-US" sz="5400" b="1" dirty="0">
+                <a:latin typeface="微軟正黑體" pitchFamily="34" charset="-120"/>
+                <a:ea typeface="微軟正黑體" pitchFamily="34" charset="-120"/>
+              </a:rPr>
               <a:t>開啟在主</a:t>
             </a:r>
             <a:r>
-              <a:rPr lang="zh-TW" altLang="en-US" sz="5400" dirty="0" smtClean="0"/>
+              <a:rPr lang="zh-TW" altLang="en-US" sz="5400" b="1" dirty="0" smtClean="0">
+                <a:latin typeface="微軟正黑體" pitchFamily="34" charset="-120"/>
+                <a:ea typeface="微軟正黑體" pitchFamily="34" charset="-120"/>
+              </a:rPr>
               <a:t>面前</a:t>
             </a:r>
-            <a:endParaRPr lang="en-US" altLang="zh-TW" sz="5400" dirty="0" smtClean="0"/>
+            <a:endParaRPr lang="en-US" altLang="zh-TW" sz="5400" b="1" dirty="0" smtClean="0">
+              <a:latin typeface="微軟正黑體" pitchFamily="34" charset="-120"/>
+              <a:ea typeface="微軟正黑體" pitchFamily="34" charset="-120"/>
+            </a:endParaRPr>
           </a:p>
           <a:p>
             <a:pPr algn="ctr">
               <a:buNone/>
             </a:pPr>
             <a:r>
-              <a:rPr lang="zh-TW" altLang="en-US" sz="5400" dirty="0" smtClean="0"/>
+              <a:rPr lang="zh-TW" altLang="en-US" sz="5400" b="1" dirty="0" smtClean="0">
+                <a:latin typeface="微軟正黑體" pitchFamily="34" charset="-120"/>
+                <a:ea typeface="微軟正黑體" pitchFamily="34" charset="-120"/>
+              </a:rPr>
               <a:t>如同</a:t>
             </a:r>
             <a:r>
-              <a:rPr lang="zh-TW" altLang="en-US" sz="5400" dirty="0"/>
+              <a:rPr lang="zh-TW" altLang="en-US" sz="5400" b="1" dirty="0">
+                <a:latin typeface="微軟正黑體" pitchFamily="34" charset="-120"/>
+                <a:ea typeface="微軟正黑體" pitchFamily="34" charset="-120"/>
+              </a:rPr>
               <a:t>花朵向日</a:t>
             </a:r>
             <a:r>
-              <a:rPr lang="zh-TW" altLang="en-US" sz="5400" dirty="0" smtClean="0"/>
+              <a:rPr lang="zh-TW" altLang="en-US" sz="5400" b="1" dirty="0" smtClean="0">
+                <a:latin typeface="微軟正黑體" pitchFamily="34" charset="-120"/>
+                <a:ea typeface="微軟正黑體" pitchFamily="34" charset="-120"/>
+              </a:rPr>
               <a:t>開</a:t>
             </a:r>
-            <a:endParaRPr lang="zh-TW" altLang="en-US" sz="5400" dirty="0"/>
+            <a:endParaRPr lang="zh-TW" altLang="en-US" sz="5400" b="1" dirty="0">
+              <a:latin typeface="微軟正黑體" pitchFamily="34" charset="-120"/>
+              <a:ea typeface="微軟正黑體" pitchFamily="34" charset="-120"/>
+            </a:endParaRPr>
           </a:p>
         </p:txBody>
       </p:sp>
@@ -3733,111 +3261,170 @@
         </p:nvSpPr>
         <p:spPr/>
         <p:txBody>
-          <a:bodyPr/>
-          <a:lstStyle/>
-          <a:p>
-            <a:r>
-              <a:rPr lang="zh-TW" altLang="en-US" dirty="0"/>
-              <a:t>快樂崇拜</a:t>
-            </a:r>
-          </a:p>
-        </p:txBody>
-      </p:sp>
-      <p:sp>
-        <p:nvSpPr>
-          <p:cNvPr id="5" name="內容版面配置區 4"/>
-          <p:cNvSpPr>
-            <a:spLocks noGrp="1"/>
-          </p:cNvSpPr>
-          <p:nvPr>
-            <p:ph idx="1"/>
-          </p:nvPr>
-        </p:nvSpPr>
-        <p:spPr/>
-        <p:txBody>
           <a:bodyPr>
             <a:normAutofit/>
           </a:bodyPr>
           <a:lstStyle/>
           <a:p>
+            <a:r>
+              <a:rPr lang="zh-TW" altLang="en-US" b="1" dirty="0">
+                <a:latin typeface="微軟正黑體" pitchFamily="34" charset="-120"/>
+                <a:ea typeface="微軟正黑體" pitchFamily="34" charset="-120"/>
+              </a:rPr>
+              <a:t>快樂崇拜</a:t>
+            </a:r>
+          </a:p>
+        </p:txBody>
+      </p:sp>
+      <p:sp>
+        <p:nvSpPr>
+          <p:cNvPr id="5" name="內容版面配置區 4"/>
+          <p:cNvSpPr>
+            <a:spLocks noGrp="1"/>
+          </p:cNvSpPr>
+          <p:nvPr>
+            <p:ph idx="1"/>
+          </p:nvPr>
+        </p:nvSpPr>
+        <p:spPr/>
+        <p:txBody>
+          <a:bodyPr>
+            <a:normAutofit/>
+          </a:bodyPr>
+          <a:lstStyle/>
+          <a:p>
             <a:pPr algn="ctr">
               <a:buNone/>
             </a:pPr>
             <a:r>
-              <a:rPr lang="zh-TW" altLang="en-US" sz="5400" dirty="0" smtClean="0"/>
+              <a:rPr lang="zh-TW" altLang="en-US" sz="5400" b="1" dirty="0" smtClean="0">
+                <a:latin typeface="微軟正黑體" pitchFamily="34" charset="-120"/>
+                <a:ea typeface="微軟正黑體" pitchFamily="34" charset="-120"/>
+              </a:rPr>
               <a:t>愁</a:t>
             </a:r>
             <a:r>
-              <a:rPr lang="zh-TW" altLang="en-US" sz="5400" dirty="0"/>
+              <a:rPr lang="zh-TW" altLang="en-US" sz="5400" b="1" dirty="0">
+                <a:latin typeface="微軟正黑體" pitchFamily="34" charset="-120"/>
+                <a:ea typeface="微軟正黑體" pitchFamily="34" charset="-120"/>
+              </a:rPr>
               <a:t>霧</a:t>
             </a:r>
             <a:r>
-              <a:rPr lang="zh-TW" altLang="en-US" sz="5400" dirty="0" smtClean="0"/>
+              <a:rPr lang="zh-TW" altLang="en-US" sz="5400" b="1" dirty="0" smtClean="0">
+                <a:latin typeface="微軟正黑體" pitchFamily="34" charset="-120"/>
+                <a:ea typeface="微軟正黑體" pitchFamily="34" charset="-120"/>
+              </a:rPr>
               <a:t>疑雲  罪惡</a:t>
             </a:r>
             <a:r>
-              <a:rPr lang="zh-TW" altLang="en-US" sz="5400" dirty="0"/>
+              <a:rPr lang="zh-TW" altLang="en-US" sz="5400" b="1" dirty="0">
+                <a:latin typeface="微軟正黑體" pitchFamily="34" charset="-120"/>
+                <a:ea typeface="微軟正黑體" pitchFamily="34" charset="-120"/>
+              </a:rPr>
               <a:t>憂</a:t>
             </a:r>
             <a:r>
-              <a:rPr lang="zh-TW" altLang="en-US" sz="5400" dirty="0" smtClean="0"/>
+              <a:rPr lang="zh-TW" altLang="en-US" sz="5400" b="1" dirty="0" smtClean="0">
+                <a:latin typeface="微軟正黑體" pitchFamily="34" charset="-120"/>
+                <a:ea typeface="微軟正黑體" pitchFamily="34" charset="-120"/>
+              </a:rPr>
               <a:t>驚</a:t>
             </a:r>
-            <a:endParaRPr lang="en-US" altLang="zh-TW" sz="5400" dirty="0" smtClean="0"/>
+            <a:endParaRPr lang="en-US" altLang="zh-TW" sz="5400" b="1" dirty="0" smtClean="0">
+              <a:latin typeface="微軟正黑體" pitchFamily="34" charset="-120"/>
+              <a:ea typeface="微軟正黑體" pitchFamily="34" charset="-120"/>
+            </a:endParaRPr>
           </a:p>
           <a:p>
             <a:pPr algn="ctr">
               <a:buNone/>
             </a:pPr>
             <a:r>
-              <a:rPr lang="zh-TW" altLang="en-US" sz="5400" dirty="0" smtClean="0"/>
+              <a:rPr lang="zh-TW" altLang="en-US" sz="5400" b="1" dirty="0" smtClean="0">
+                <a:latin typeface="微軟正黑體" pitchFamily="34" charset="-120"/>
+                <a:ea typeface="微軟正黑體" pitchFamily="34" charset="-120"/>
+              </a:rPr>
               <a:t>懇求</a:t>
             </a:r>
             <a:r>
-              <a:rPr lang="zh-TW" altLang="en-US" sz="5400" dirty="0"/>
+              <a:rPr lang="zh-TW" altLang="en-US" sz="5400" b="1" dirty="0">
+                <a:latin typeface="微軟正黑體" pitchFamily="34" charset="-120"/>
+                <a:ea typeface="微軟正黑體" pitchFamily="34" charset="-120"/>
+              </a:rPr>
               <a:t>救主盡除</a:t>
             </a:r>
             <a:r>
-              <a:rPr lang="zh-TW" altLang="en-US" sz="5400" dirty="0" smtClean="0"/>
+              <a:rPr lang="zh-TW" altLang="en-US" sz="5400" b="1" dirty="0" smtClean="0">
+                <a:latin typeface="微軟正黑體" pitchFamily="34" charset="-120"/>
+                <a:ea typeface="微軟正黑體" pitchFamily="34" charset="-120"/>
+              </a:rPr>
               <a:t>清</a:t>
             </a:r>
-            <a:endParaRPr lang="en-US" altLang="zh-TW" sz="5400" dirty="0"/>
+            <a:endParaRPr lang="en-US" altLang="zh-TW" sz="5400" b="1" dirty="0">
+              <a:latin typeface="微軟正黑體" pitchFamily="34" charset="-120"/>
+              <a:ea typeface="微軟正黑體" pitchFamily="34" charset="-120"/>
+            </a:endParaRPr>
           </a:p>
           <a:p>
             <a:pPr algn="ctr">
               <a:buNone/>
             </a:pPr>
             <a:r>
-              <a:rPr lang="zh-TW" altLang="en-US" sz="5400" dirty="0" smtClean="0"/>
+              <a:rPr lang="zh-TW" altLang="en-US" sz="5400" b="1" dirty="0" smtClean="0">
+                <a:latin typeface="微軟正黑體" pitchFamily="34" charset="-120"/>
+                <a:ea typeface="微軟正黑體" pitchFamily="34" charset="-120"/>
+              </a:rPr>
               <a:t>萬福之源  永樂</a:t>
             </a:r>
             <a:r>
-              <a:rPr lang="zh-TW" altLang="en-US" sz="5400" dirty="0"/>
+              <a:rPr lang="zh-TW" altLang="en-US" sz="5400" b="1" dirty="0">
+                <a:latin typeface="微軟正黑體" pitchFamily="34" charset="-120"/>
+                <a:ea typeface="微軟正黑體" pitchFamily="34" charset="-120"/>
+              </a:rPr>
               <a:t>之</a:t>
             </a:r>
             <a:r>
-              <a:rPr lang="zh-TW" altLang="en-US" sz="5400" dirty="0" smtClean="0"/>
+              <a:rPr lang="zh-TW" altLang="en-US" sz="5400" b="1" dirty="0" smtClean="0">
+                <a:latin typeface="微軟正黑體" pitchFamily="34" charset="-120"/>
+                <a:ea typeface="微軟正黑體" pitchFamily="34" charset="-120"/>
+              </a:rPr>
               <a:t>主</a:t>
             </a:r>
-            <a:endParaRPr lang="en-US" altLang="zh-TW" sz="5400" dirty="0" smtClean="0"/>
+            <a:endParaRPr lang="en-US" altLang="zh-TW" sz="5400" b="1" dirty="0" smtClean="0">
+              <a:latin typeface="微軟正黑體" pitchFamily="34" charset="-120"/>
+              <a:ea typeface="微軟正黑體" pitchFamily="34" charset="-120"/>
+            </a:endParaRPr>
           </a:p>
           <a:p>
             <a:pPr algn="ctr">
               <a:buNone/>
             </a:pPr>
             <a:r>
-              <a:rPr lang="zh-TW" altLang="en-US" sz="5400" dirty="0" smtClean="0"/>
+              <a:rPr lang="zh-TW" altLang="en-US" sz="5400" b="1" dirty="0" smtClean="0">
+                <a:latin typeface="微軟正黑體" pitchFamily="34" charset="-120"/>
+                <a:ea typeface="微軟正黑體" pitchFamily="34" charset="-120"/>
+              </a:rPr>
               <a:t>求</a:t>
             </a:r>
             <a:r>
-              <a:rPr lang="zh-TW" altLang="en-US" sz="5400" dirty="0"/>
+              <a:rPr lang="zh-TW" altLang="en-US" sz="5400" b="1" dirty="0">
+                <a:latin typeface="微軟正黑體" pitchFamily="34" charset="-120"/>
+                <a:ea typeface="微軟正黑體" pitchFamily="34" charset="-120"/>
+              </a:rPr>
               <a:t>賜光明滿我</a:t>
             </a:r>
             <a:r>
-              <a:rPr lang="zh-TW" altLang="en-US" sz="5400" dirty="0" smtClean="0"/>
+              <a:rPr lang="zh-TW" altLang="en-US" sz="5400" b="1" dirty="0" smtClean="0">
+                <a:latin typeface="微軟正黑體" pitchFamily="34" charset="-120"/>
+                <a:ea typeface="微軟正黑體" pitchFamily="34" charset="-120"/>
+              </a:rPr>
               <a:t>靈</a:t>
             </a:r>
-            <a:endParaRPr lang="zh-TW" altLang="en-US" sz="5400" dirty="0"/>
+            <a:endParaRPr lang="zh-TW" altLang="en-US" sz="5400" b="1" dirty="0">
+              <a:latin typeface="微軟正黑體" pitchFamily="34" charset="-120"/>
+              <a:ea typeface="微軟正黑體" pitchFamily="34" charset="-120"/>
+            </a:endParaRPr>
           </a:p>
         </p:txBody>
       </p:sp>
@@ -3878,92 +3465,136 @@
         </p:nvSpPr>
         <p:spPr/>
         <p:txBody>
-          <a:bodyPr/>
-          <a:lstStyle/>
-          <a:p>
-            <a:r>
-              <a:rPr lang="zh-TW" altLang="en-US" dirty="0"/>
-              <a:t>快樂崇拜</a:t>
-            </a:r>
-          </a:p>
-        </p:txBody>
-      </p:sp>
-      <p:sp>
-        <p:nvSpPr>
-          <p:cNvPr id="5" name="內容版面配置區 4"/>
-          <p:cNvSpPr>
-            <a:spLocks noGrp="1"/>
-          </p:cNvSpPr>
-          <p:nvPr>
-            <p:ph idx="1"/>
-          </p:nvPr>
-        </p:nvSpPr>
-        <p:spPr/>
-        <p:txBody>
           <a:bodyPr>
             <a:normAutofit/>
           </a:bodyPr>
           <a:lstStyle/>
           <a:p>
+            <a:r>
+              <a:rPr lang="zh-TW" altLang="en-US" b="1" dirty="0">
+                <a:latin typeface="微軟正黑體" pitchFamily="34" charset="-120"/>
+                <a:ea typeface="微軟正黑體" pitchFamily="34" charset="-120"/>
+              </a:rPr>
+              <a:t>快樂崇拜</a:t>
+            </a:r>
+          </a:p>
+        </p:txBody>
+      </p:sp>
+      <p:sp>
+        <p:nvSpPr>
+          <p:cNvPr id="5" name="內容版面配置區 4"/>
+          <p:cNvSpPr>
+            <a:spLocks noGrp="1"/>
+          </p:cNvSpPr>
+          <p:nvPr>
+            <p:ph idx="1"/>
+          </p:nvPr>
+        </p:nvSpPr>
+        <p:spPr/>
+        <p:txBody>
+          <a:bodyPr>
+            <a:normAutofit/>
+          </a:bodyPr>
+          <a:lstStyle/>
+          <a:p>
             <a:pPr algn="ctr">
               <a:buNone/>
             </a:pPr>
             <a:r>
-              <a:rPr lang="zh-TW" altLang="en-US" sz="5400" dirty="0"/>
+              <a:rPr lang="zh-TW" altLang="en-US" sz="5400" b="1" dirty="0">
+                <a:latin typeface="微軟正黑體" pitchFamily="34" charset="-120"/>
+                <a:ea typeface="微軟正黑體" pitchFamily="34" charset="-120"/>
+              </a:rPr>
               <a:t>環繞主座萬物同</a:t>
             </a:r>
             <a:r>
-              <a:rPr lang="zh-TW" altLang="en-US" sz="5400" dirty="0" smtClean="0"/>
+              <a:rPr lang="zh-TW" altLang="en-US" sz="5400" b="1" dirty="0" smtClean="0">
+                <a:latin typeface="微軟正黑體" pitchFamily="34" charset="-120"/>
+                <a:ea typeface="微軟正黑體" pitchFamily="34" charset="-120"/>
+              </a:rPr>
               <a:t>歡</a:t>
             </a:r>
-            <a:endParaRPr lang="en-US" altLang="zh-TW" sz="5400" dirty="0" smtClean="0"/>
+            <a:endParaRPr lang="en-US" altLang="zh-TW" sz="5400" b="1" dirty="0" smtClean="0">
+              <a:latin typeface="微軟正黑體" pitchFamily="34" charset="-120"/>
+              <a:ea typeface="微軟正黑體" pitchFamily="34" charset="-120"/>
+            </a:endParaRPr>
           </a:p>
           <a:p>
             <a:pPr algn="ctr">
               <a:buNone/>
             </a:pPr>
             <a:r>
-              <a:rPr lang="zh-TW" altLang="en-US" sz="5400" dirty="0" smtClean="0"/>
+              <a:rPr lang="zh-TW" altLang="en-US" sz="5400" b="1" dirty="0" smtClean="0">
+                <a:latin typeface="微軟正黑體" pitchFamily="34" charset="-120"/>
+                <a:ea typeface="微軟正黑體" pitchFamily="34" charset="-120"/>
+              </a:rPr>
               <a:t>天地</a:t>
             </a:r>
             <a:r>
-              <a:rPr lang="zh-TW" altLang="en-US" sz="5400" dirty="0"/>
+              <a:rPr lang="zh-TW" altLang="en-US" sz="5400" b="1" dirty="0">
+                <a:latin typeface="微軟正黑體" pitchFamily="34" charset="-120"/>
+                <a:ea typeface="微軟正黑體" pitchFamily="34" charset="-120"/>
+              </a:rPr>
               <a:t>反映主</a:t>
             </a:r>
             <a:r>
-              <a:rPr lang="zh-TW" altLang="en-US" sz="5400" dirty="0" smtClean="0"/>
+              <a:rPr lang="zh-TW" altLang="en-US" sz="5400" b="1" dirty="0" smtClean="0">
+                <a:latin typeface="微軟正黑體" pitchFamily="34" charset="-120"/>
+                <a:ea typeface="微軟正黑體" pitchFamily="34" charset="-120"/>
+              </a:rPr>
               <a:t>榮光</a:t>
             </a:r>
-            <a:endParaRPr lang="en-US" altLang="zh-TW" sz="5400" dirty="0"/>
+            <a:endParaRPr lang="en-US" altLang="zh-TW" sz="5400" b="1" dirty="0">
+              <a:latin typeface="微軟正黑體" pitchFamily="34" charset="-120"/>
+              <a:ea typeface="微軟正黑體" pitchFamily="34" charset="-120"/>
+            </a:endParaRPr>
           </a:p>
           <a:p>
             <a:pPr algn="ctr">
               <a:buNone/>
             </a:pPr>
             <a:r>
-              <a:rPr lang="zh-TW" altLang="en-US" sz="5400" dirty="0" smtClean="0"/>
+              <a:rPr lang="zh-TW" altLang="en-US" sz="5400" b="1" dirty="0" smtClean="0">
+                <a:latin typeface="微軟正黑體" pitchFamily="34" charset="-120"/>
+                <a:ea typeface="微軟正黑體" pitchFamily="34" charset="-120"/>
+              </a:rPr>
               <a:t>天使  星宿</a:t>
             </a:r>
             <a:r>
-              <a:rPr lang="zh-TW" altLang="en-US" sz="5400" dirty="0"/>
+              <a:rPr lang="zh-TW" altLang="en-US" sz="5400" b="1" dirty="0">
+                <a:latin typeface="微軟正黑體" pitchFamily="34" charset="-120"/>
+                <a:ea typeface="微軟正黑體" pitchFamily="34" charset="-120"/>
+              </a:rPr>
               <a:t>繞主</a:t>
             </a:r>
             <a:r>
-              <a:rPr lang="zh-TW" altLang="en-US" sz="5400" dirty="0" smtClean="0"/>
+              <a:rPr lang="zh-TW" altLang="en-US" sz="5400" b="1" dirty="0" smtClean="0">
+                <a:latin typeface="微軟正黑體" pitchFamily="34" charset="-120"/>
+                <a:ea typeface="微軟正黑體" pitchFamily="34" charset="-120"/>
+              </a:rPr>
               <a:t>歌唱</a:t>
             </a:r>
-            <a:endParaRPr lang="en-US" altLang="zh-TW" sz="5400" dirty="0" smtClean="0"/>
+            <a:endParaRPr lang="en-US" altLang="zh-TW" sz="5400" b="1" dirty="0" smtClean="0">
+              <a:latin typeface="微軟正黑體" pitchFamily="34" charset="-120"/>
+              <a:ea typeface="微軟正黑體" pitchFamily="34" charset="-120"/>
+            </a:endParaRPr>
           </a:p>
           <a:p>
             <a:pPr algn="ctr">
               <a:buNone/>
             </a:pPr>
             <a:r>
-              <a:rPr lang="zh-TW" altLang="en-US" sz="5400" dirty="0" smtClean="0"/>
+              <a:rPr lang="zh-TW" altLang="en-US" sz="5400" b="1" dirty="0" smtClean="0">
+                <a:latin typeface="微軟正黑體" pitchFamily="34" charset="-120"/>
+                <a:ea typeface="微軟正黑體" pitchFamily="34" charset="-120"/>
+              </a:rPr>
               <a:t>不住</a:t>
             </a:r>
             <a:r>
-              <a:rPr lang="zh-TW" altLang="en-US" sz="5400" dirty="0"/>
+              <a:rPr lang="zh-TW" altLang="en-US" sz="5400" b="1" dirty="0">
+                <a:latin typeface="微軟正黑體" pitchFamily="34" charset="-120"/>
+                <a:ea typeface="微軟正黑體" pitchFamily="34" charset="-120"/>
+              </a:rPr>
               <a:t>崇拜永頌揚</a:t>
             </a:r>
           </a:p>
@@ -4006,100 +3637,150 @@
         </p:nvSpPr>
         <p:spPr/>
         <p:txBody>
-          <a:bodyPr/>
-          <a:lstStyle/>
-          <a:p>
-            <a:r>
-              <a:rPr lang="zh-TW" altLang="en-US" dirty="0"/>
-              <a:t>快樂崇拜</a:t>
-            </a:r>
-          </a:p>
-        </p:txBody>
-      </p:sp>
-      <p:sp>
-        <p:nvSpPr>
-          <p:cNvPr id="5" name="內容版面配置區 4"/>
-          <p:cNvSpPr>
-            <a:spLocks noGrp="1"/>
-          </p:cNvSpPr>
-          <p:nvPr>
-            <p:ph idx="1"/>
-          </p:nvPr>
-        </p:nvSpPr>
-        <p:spPr/>
-        <p:txBody>
           <a:bodyPr>
             <a:normAutofit/>
           </a:bodyPr>
           <a:lstStyle/>
           <a:p>
+            <a:r>
+              <a:rPr lang="zh-TW" altLang="en-US" b="1" dirty="0">
+                <a:latin typeface="微軟正黑體" pitchFamily="34" charset="-120"/>
+                <a:ea typeface="微軟正黑體" pitchFamily="34" charset="-120"/>
+              </a:rPr>
+              <a:t>快樂崇拜</a:t>
+            </a:r>
+          </a:p>
+        </p:txBody>
+      </p:sp>
+      <p:sp>
+        <p:nvSpPr>
+          <p:cNvPr id="5" name="內容版面配置區 4"/>
+          <p:cNvSpPr>
+            <a:spLocks noGrp="1"/>
+          </p:cNvSpPr>
+          <p:nvPr>
+            <p:ph idx="1"/>
+          </p:nvPr>
+        </p:nvSpPr>
+        <p:spPr/>
+        <p:txBody>
+          <a:bodyPr>
+            <a:normAutofit/>
+          </a:bodyPr>
+          <a:lstStyle/>
+          <a:p>
             <a:pPr algn="ctr">
               <a:buNone/>
             </a:pPr>
             <a:r>
-              <a:rPr lang="zh-TW" altLang="en-US" sz="5400" dirty="0"/>
+              <a:rPr lang="zh-TW" altLang="en-US" sz="5400" b="1" dirty="0">
+                <a:latin typeface="微軟正黑體" pitchFamily="34" charset="-120"/>
+                <a:ea typeface="微軟正黑體" pitchFamily="34" charset="-120"/>
+              </a:rPr>
               <a:t>四野</a:t>
             </a:r>
             <a:r>
-              <a:rPr lang="zh-TW" altLang="en-US" sz="5400" dirty="0" smtClean="0"/>
+              <a:rPr lang="zh-TW" altLang="en-US" sz="5400" b="1" dirty="0" smtClean="0">
+                <a:latin typeface="微軟正黑體" pitchFamily="34" charset="-120"/>
+                <a:ea typeface="微軟正黑體" pitchFamily="34" charset="-120"/>
+              </a:rPr>
               <a:t>森林  低谷高山</a:t>
             </a:r>
-            <a:endParaRPr lang="en-US" altLang="zh-TW" sz="5400" dirty="0" smtClean="0"/>
+            <a:endParaRPr lang="en-US" altLang="zh-TW" sz="5400" b="1" dirty="0" smtClean="0">
+              <a:latin typeface="微軟正黑體" pitchFamily="34" charset="-120"/>
+              <a:ea typeface="微軟正黑體" pitchFamily="34" charset="-120"/>
+            </a:endParaRPr>
           </a:p>
           <a:p>
             <a:pPr algn="ctr">
               <a:buNone/>
             </a:pPr>
             <a:r>
-              <a:rPr lang="zh-TW" altLang="en-US" sz="5400" dirty="0" smtClean="0"/>
+              <a:rPr lang="zh-TW" altLang="en-US" sz="5400" b="1" dirty="0" smtClean="0">
+                <a:latin typeface="微軟正黑體" pitchFamily="34" charset="-120"/>
+                <a:ea typeface="微軟正黑體" pitchFamily="34" charset="-120"/>
+              </a:rPr>
               <a:t>青翠</a:t>
             </a:r>
             <a:r>
-              <a:rPr lang="zh-TW" altLang="en-US" sz="5400" dirty="0"/>
+              <a:rPr lang="zh-TW" altLang="en-US" sz="5400" b="1" dirty="0">
+                <a:latin typeface="微軟正黑體" pitchFamily="34" charset="-120"/>
+                <a:ea typeface="微軟正黑體" pitchFamily="34" charset="-120"/>
+              </a:rPr>
               <a:t>草原及</a:t>
             </a:r>
             <a:r>
-              <a:rPr lang="zh-TW" altLang="en-US" sz="5400" dirty="0" smtClean="0"/>
+              <a:rPr lang="zh-TW" altLang="en-US" sz="5400" b="1" dirty="0" smtClean="0">
+                <a:latin typeface="微軟正黑體" pitchFamily="34" charset="-120"/>
+                <a:ea typeface="微軟正黑體" pitchFamily="34" charset="-120"/>
+              </a:rPr>
               <a:t>海洋</a:t>
             </a:r>
-            <a:endParaRPr lang="en-US" altLang="zh-TW" sz="5400" dirty="0"/>
+            <a:endParaRPr lang="en-US" altLang="zh-TW" sz="5400" b="1" dirty="0">
+              <a:latin typeface="微軟正黑體" pitchFamily="34" charset="-120"/>
+              <a:ea typeface="微軟正黑體" pitchFamily="34" charset="-120"/>
+            </a:endParaRPr>
           </a:p>
           <a:p>
             <a:pPr algn="ctr">
               <a:buNone/>
             </a:pPr>
             <a:r>
-              <a:rPr lang="zh-TW" altLang="en-US" sz="5400" dirty="0" smtClean="0"/>
+              <a:rPr lang="zh-TW" altLang="en-US" sz="5400" b="1" dirty="0" smtClean="0">
+                <a:latin typeface="微軟正黑體" pitchFamily="34" charset="-120"/>
+                <a:ea typeface="微軟正黑體" pitchFamily="34" charset="-120"/>
+              </a:rPr>
               <a:t>清</a:t>
             </a:r>
             <a:r>
-              <a:rPr lang="zh-TW" altLang="en-US" sz="5400" dirty="0"/>
+              <a:rPr lang="zh-TW" altLang="en-US" sz="5400" b="1" dirty="0">
+                <a:latin typeface="微軟正黑體" pitchFamily="34" charset="-120"/>
+                <a:ea typeface="微軟正黑體" pitchFamily="34" charset="-120"/>
+              </a:rPr>
               <a:t>歌</a:t>
             </a:r>
             <a:r>
-              <a:rPr lang="zh-TW" altLang="en-US" sz="5400" dirty="0" smtClean="0"/>
+              <a:rPr lang="zh-TW" altLang="en-US" sz="5400" b="1" dirty="0" smtClean="0">
+                <a:latin typeface="微軟正黑體" pitchFamily="34" charset="-120"/>
+                <a:ea typeface="微軟正黑體" pitchFamily="34" charset="-120"/>
+              </a:rPr>
               <a:t>小鳥  輕</a:t>
             </a:r>
             <a:r>
-              <a:rPr lang="zh-TW" altLang="en-US" sz="5400" dirty="0"/>
+              <a:rPr lang="zh-TW" altLang="en-US" sz="5400" b="1" dirty="0">
+                <a:latin typeface="微軟正黑體" pitchFamily="34" charset="-120"/>
+                <a:ea typeface="微軟正黑體" pitchFamily="34" charset="-120"/>
+              </a:rPr>
               <a:t>注流</a:t>
             </a:r>
             <a:r>
-              <a:rPr lang="zh-TW" altLang="en-US" sz="5400" dirty="0" smtClean="0"/>
+              <a:rPr lang="zh-TW" altLang="en-US" sz="5400" b="1" dirty="0" smtClean="0">
+                <a:latin typeface="微軟正黑體" pitchFamily="34" charset="-120"/>
+                <a:ea typeface="微軟正黑體" pitchFamily="34" charset="-120"/>
+              </a:rPr>
               <a:t>泉</a:t>
             </a:r>
-            <a:endParaRPr lang="en-US" altLang="zh-TW" sz="5400" dirty="0" smtClean="0"/>
+            <a:endParaRPr lang="en-US" altLang="zh-TW" sz="5400" b="1" dirty="0" smtClean="0">
+              <a:latin typeface="微軟正黑體" pitchFamily="34" charset="-120"/>
+              <a:ea typeface="微軟正黑體" pitchFamily="34" charset="-120"/>
+            </a:endParaRPr>
           </a:p>
           <a:p>
             <a:pPr algn="ctr">
               <a:buNone/>
             </a:pPr>
             <a:r>
-              <a:rPr lang="zh-TW" altLang="en-US" sz="5400" dirty="0" smtClean="0"/>
+              <a:rPr lang="zh-TW" altLang="en-US" sz="5400" b="1" dirty="0" smtClean="0">
+                <a:latin typeface="微軟正黑體" pitchFamily="34" charset="-120"/>
+                <a:ea typeface="微軟正黑體" pitchFamily="34" charset="-120"/>
+              </a:rPr>
               <a:t>喚醒</a:t>
             </a:r>
             <a:r>
-              <a:rPr lang="zh-TW" altLang="en-US" sz="5400" dirty="0"/>
+              <a:rPr lang="zh-TW" altLang="en-US" sz="5400" b="1" dirty="0">
+                <a:latin typeface="微軟正黑體" pitchFamily="34" charset="-120"/>
+                <a:ea typeface="微軟正黑體" pitchFamily="34" charset="-120"/>
+              </a:rPr>
               <a:t>我們同歡唱</a:t>
             </a:r>
           </a:p>
@@ -4142,100 +3823,150 @@
         </p:nvSpPr>
         <p:spPr/>
         <p:txBody>
-          <a:bodyPr/>
-          <a:lstStyle/>
-          <a:p>
-            <a:r>
-              <a:rPr lang="zh-TW" altLang="en-US" dirty="0"/>
-              <a:t>快樂崇拜</a:t>
-            </a:r>
-          </a:p>
-        </p:txBody>
-      </p:sp>
-      <p:sp>
-        <p:nvSpPr>
-          <p:cNvPr id="5" name="內容版面配置區 4"/>
-          <p:cNvSpPr>
-            <a:spLocks noGrp="1"/>
-          </p:cNvSpPr>
-          <p:nvPr>
-            <p:ph idx="1"/>
-          </p:nvPr>
-        </p:nvSpPr>
-        <p:spPr/>
-        <p:txBody>
           <a:bodyPr>
             <a:normAutofit/>
           </a:bodyPr>
           <a:lstStyle/>
           <a:p>
+            <a:r>
+              <a:rPr lang="zh-TW" altLang="en-US" b="1" dirty="0">
+                <a:latin typeface="微軟正黑體" pitchFamily="34" charset="-120"/>
+                <a:ea typeface="微軟正黑體" pitchFamily="34" charset="-120"/>
+              </a:rPr>
+              <a:t>快樂崇拜</a:t>
+            </a:r>
+          </a:p>
+        </p:txBody>
+      </p:sp>
+      <p:sp>
+        <p:nvSpPr>
+          <p:cNvPr id="5" name="內容版面配置區 4"/>
+          <p:cNvSpPr>
+            <a:spLocks noGrp="1"/>
+          </p:cNvSpPr>
+          <p:nvPr>
+            <p:ph idx="1"/>
+          </p:nvPr>
+        </p:nvSpPr>
+        <p:spPr/>
+        <p:txBody>
+          <a:bodyPr>
+            <a:normAutofit/>
+          </a:bodyPr>
+          <a:lstStyle/>
+          <a:p>
             <a:pPr algn="ctr">
               <a:buNone/>
             </a:pPr>
             <a:r>
-              <a:rPr lang="zh-TW" altLang="en-US" sz="5400" dirty="0"/>
+              <a:rPr lang="zh-TW" altLang="en-US" sz="5400" b="1" dirty="0">
+                <a:latin typeface="微軟正黑體" pitchFamily="34" charset="-120"/>
+                <a:ea typeface="微軟正黑體" pitchFamily="34" charset="-120"/>
+              </a:rPr>
               <a:t>主願</a:t>
             </a:r>
             <a:r>
-              <a:rPr lang="zh-TW" altLang="en-US" sz="5400" dirty="0" smtClean="0"/>
+              <a:rPr lang="zh-TW" altLang="en-US" sz="5400" b="1" dirty="0" smtClean="0">
+                <a:latin typeface="微軟正黑體" pitchFamily="34" charset="-120"/>
+                <a:ea typeface="微軟正黑體" pitchFamily="34" charset="-120"/>
+              </a:rPr>
               <a:t>給與  主</a:t>
             </a:r>
             <a:r>
-              <a:rPr lang="zh-TW" altLang="en-US" sz="5400" dirty="0"/>
+              <a:rPr lang="zh-TW" altLang="en-US" sz="5400" b="1" dirty="0">
+                <a:latin typeface="微軟正黑體" pitchFamily="34" charset="-120"/>
+                <a:ea typeface="微軟正黑體" pitchFamily="34" charset="-120"/>
+              </a:rPr>
               <a:t>喜赦</a:t>
             </a:r>
             <a:r>
-              <a:rPr lang="zh-TW" altLang="en-US" sz="5400" dirty="0" smtClean="0"/>
+              <a:rPr lang="zh-TW" altLang="en-US" sz="5400" b="1" dirty="0" smtClean="0">
+                <a:latin typeface="微軟正黑體" pitchFamily="34" charset="-120"/>
+                <a:ea typeface="微軟正黑體" pitchFamily="34" charset="-120"/>
+              </a:rPr>
               <a:t>罪</a:t>
             </a:r>
-            <a:endParaRPr lang="en-US" altLang="zh-TW" sz="5400" dirty="0" smtClean="0"/>
+            <a:endParaRPr lang="en-US" altLang="zh-TW" sz="5400" b="1" dirty="0" smtClean="0">
+              <a:latin typeface="微軟正黑體" pitchFamily="34" charset="-120"/>
+              <a:ea typeface="微軟正黑體" pitchFamily="34" charset="-120"/>
+            </a:endParaRPr>
           </a:p>
           <a:p>
             <a:pPr algn="ctr">
               <a:buNone/>
             </a:pPr>
             <a:r>
-              <a:rPr lang="zh-TW" altLang="en-US" sz="5400" dirty="0" smtClean="0"/>
+              <a:rPr lang="zh-TW" altLang="en-US" sz="5400" b="1" dirty="0" smtClean="0">
+                <a:latin typeface="微軟正黑體" pitchFamily="34" charset="-120"/>
+                <a:ea typeface="微軟正黑體" pitchFamily="34" charset="-120"/>
+              </a:rPr>
               <a:t>永</a:t>
             </a:r>
             <a:r>
-              <a:rPr lang="zh-TW" altLang="en-US" sz="5400" dirty="0"/>
+              <a:rPr lang="zh-TW" altLang="en-US" sz="5400" b="1" dirty="0">
+                <a:latin typeface="微軟正黑體" pitchFamily="34" charset="-120"/>
+                <a:ea typeface="微軟正黑體" pitchFamily="34" charset="-120"/>
+              </a:rPr>
               <a:t>受祝頌永</a:t>
             </a:r>
             <a:r>
-              <a:rPr lang="zh-TW" altLang="en-US" sz="5400" dirty="0" smtClean="0"/>
+              <a:rPr lang="zh-TW" altLang="en-US" sz="5400" b="1" dirty="0" smtClean="0">
+                <a:latin typeface="微軟正黑體" pitchFamily="34" charset="-120"/>
+                <a:ea typeface="微軟正黑體" pitchFamily="34" charset="-120"/>
+              </a:rPr>
               <a:t>施恩</a:t>
             </a:r>
-            <a:endParaRPr lang="en-US" altLang="zh-TW" sz="5400" dirty="0"/>
+            <a:endParaRPr lang="en-US" altLang="zh-TW" sz="5400" b="1" dirty="0">
+              <a:latin typeface="微軟正黑體" pitchFamily="34" charset="-120"/>
+              <a:ea typeface="微軟正黑體" pitchFamily="34" charset="-120"/>
+            </a:endParaRPr>
           </a:p>
           <a:p>
             <a:pPr algn="ctr">
               <a:buNone/>
             </a:pPr>
             <a:r>
-              <a:rPr lang="zh-TW" altLang="en-US" sz="5400" dirty="0" smtClean="0"/>
+              <a:rPr lang="zh-TW" altLang="en-US" sz="5400" b="1" dirty="0" smtClean="0">
+                <a:latin typeface="微軟正黑體" pitchFamily="34" charset="-120"/>
+                <a:ea typeface="微軟正黑體" pitchFamily="34" charset="-120"/>
+              </a:rPr>
               <a:t>主</a:t>
             </a:r>
             <a:r>
-              <a:rPr lang="zh-TW" altLang="en-US" sz="5400" dirty="0"/>
+              <a:rPr lang="zh-TW" altLang="en-US" sz="5400" b="1" dirty="0">
+                <a:latin typeface="微軟正黑體" pitchFamily="34" charset="-120"/>
+                <a:ea typeface="微軟正黑體" pitchFamily="34" charset="-120"/>
+              </a:rPr>
               <a:t>是生活喜樂</a:t>
             </a:r>
             <a:r>
-              <a:rPr lang="zh-TW" altLang="en-US" sz="5400" dirty="0" smtClean="0"/>
+              <a:rPr lang="zh-TW" altLang="en-US" sz="5400" b="1" dirty="0" smtClean="0">
+                <a:latin typeface="微軟正黑體" pitchFamily="34" charset="-120"/>
+                <a:ea typeface="微軟正黑體" pitchFamily="34" charset="-120"/>
+              </a:rPr>
               <a:t>源頭</a:t>
             </a:r>
-            <a:endParaRPr lang="en-US" altLang="zh-TW" sz="5400" dirty="0" smtClean="0"/>
+            <a:endParaRPr lang="en-US" altLang="zh-TW" sz="5400" b="1" dirty="0" smtClean="0">
+              <a:latin typeface="微軟正黑體" pitchFamily="34" charset="-120"/>
+              <a:ea typeface="微軟正黑體" pitchFamily="34" charset="-120"/>
+            </a:endParaRPr>
           </a:p>
           <a:p>
             <a:pPr algn="ctr">
               <a:buNone/>
             </a:pPr>
             <a:r>
-              <a:rPr lang="zh-TW" altLang="en-US" sz="5400" dirty="0" smtClean="0"/>
+              <a:rPr lang="zh-TW" altLang="en-US" sz="5400" b="1" dirty="0" smtClean="0">
+                <a:latin typeface="微軟正黑體" pitchFamily="34" charset="-120"/>
+                <a:ea typeface="微軟正黑體" pitchFamily="34" charset="-120"/>
+              </a:rPr>
               <a:t>賜</a:t>
             </a:r>
             <a:r>
-              <a:rPr lang="zh-TW" altLang="en-US" sz="5400" dirty="0"/>
+              <a:rPr lang="zh-TW" altLang="en-US" sz="5400" b="1" dirty="0">
+                <a:latin typeface="微軟正黑體" pitchFamily="34" charset="-120"/>
+                <a:ea typeface="微軟正黑體" pitchFamily="34" charset="-120"/>
+              </a:rPr>
               <a:t>人安息海般深</a:t>
             </a:r>
           </a:p>
@@ -4278,100 +4009,150 @@
         </p:nvSpPr>
         <p:spPr/>
         <p:txBody>
-          <a:bodyPr/>
-          <a:lstStyle/>
-          <a:p>
-            <a:r>
-              <a:rPr lang="zh-TW" altLang="en-US" dirty="0"/>
-              <a:t>快樂崇拜</a:t>
-            </a:r>
-          </a:p>
-        </p:txBody>
-      </p:sp>
-      <p:sp>
-        <p:nvSpPr>
-          <p:cNvPr id="5" name="內容版面配置區 4"/>
-          <p:cNvSpPr>
-            <a:spLocks noGrp="1"/>
-          </p:cNvSpPr>
-          <p:nvPr>
-            <p:ph idx="1"/>
-          </p:nvPr>
-        </p:nvSpPr>
-        <p:spPr/>
-        <p:txBody>
           <a:bodyPr>
             <a:normAutofit/>
           </a:bodyPr>
           <a:lstStyle/>
           <a:p>
+            <a:r>
+              <a:rPr lang="zh-TW" altLang="en-US" b="1" dirty="0">
+                <a:latin typeface="微軟正黑體" pitchFamily="34" charset="-120"/>
+                <a:ea typeface="微軟正黑體" pitchFamily="34" charset="-120"/>
+              </a:rPr>
+              <a:t>快樂崇拜</a:t>
+            </a:r>
+          </a:p>
+        </p:txBody>
+      </p:sp>
+      <p:sp>
+        <p:nvSpPr>
+          <p:cNvPr id="5" name="內容版面配置區 4"/>
+          <p:cNvSpPr>
+            <a:spLocks noGrp="1"/>
+          </p:cNvSpPr>
+          <p:nvPr>
+            <p:ph idx="1"/>
+          </p:nvPr>
+        </p:nvSpPr>
+        <p:spPr/>
+        <p:txBody>
+          <a:bodyPr>
+            <a:normAutofit/>
+          </a:bodyPr>
+          <a:lstStyle/>
+          <a:p>
             <a:pPr algn="ctr">
               <a:buNone/>
             </a:pPr>
             <a:r>
-              <a:rPr lang="zh-TW" altLang="en-US" sz="5400" dirty="0"/>
+              <a:rPr lang="zh-TW" altLang="en-US" sz="5400" b="1" dirty="0">
+                <a:latin typeface="微軟正黑體" pitchFamily="34" charset="-120"/>
+                <a:ea typeface="微軟正黑體" pitchFamily="34" charset="-120"/>
+              </a:rPr>
               <a:t>神是</a:t>
             </a:r>
             <a:r>
-              <a:rPr lang="zh-TW" altLang="en-US" sz="5400" dirty="0" smtClean="0"/>
+              <a:rPr lang="zh-TW" altLang="en-US" sz="5400" b="1" dirty="0" smtClean="0">
+                <a:latin typeface="微軟正黑體" pitchFamily="34" charset="-120"/>
+                <a:ea typeface="微軟正黑體" pitchFamily="34" charset="-120"/>
+              </a:rPr>
               <a:t>父親  基督</a:t>
             </a:r>
             <a:r>
-              <a:rPr lang="zh-TW" altLang="en-US" sz="5400" dirty="0"/>
+              <a:rPr lang="zh-TW" altLang="en-US" sz="5400" b="1" dirty="0">
+                <a:latin typeface="微軟正黑體" pitchFamily="34" charset="-120"/>
+                <a:ea typeface="微軟正黑體" pitchFamily="34" charset="-120"/>
+              </a:rPr>
               <a:t>是</a:t>
             </a:r>
             <a:r>
-              <a:rPr lang="zh-TW" altLang="en-US" sz="5400" dirty="0" smtClean="0"/>
+              <a:rPr lang="zh-TW" altLang="en-US" sz="5400" b="1" dirty="0" smtClean="0">
+                <a:latin typeface="微軟正黑體" pitchFamily="34" charset="-120"/>
+                <a:ea typeface="微軟正黑體" pitchFamily="34" charset="-120"/>
+              </a:rPr>
               <a:t>兄</a:t>
             </a:r>
-            <a:endParaRPr lang="en-US" altLang="zh-TW" sz="5400" dirty="0" smtClean="0"/>
+            <a:endParaRPr lang="en-US" altLang="zh-TW" sz="5400" b="1" dirty="0" smtClean="0">
+              <a:latin typeface="微軟正黑體" pitchFamily="34" charset="-120"/>
+              <a:ea typeface="微軟正黑體" pitchFamily="34" charset="-120"/>
+            </a:endParaRPr>
           </a:p>
           <a:p>
             <a:pPr algn="ctr">
               <a:buNone/>
             </a:pPr>
             <a:r>
-              <a:rPr lang="zh-TW" altLang="en-US" sz="5400" dirty="0" smtClean="0"/>
+              <a:rPr lang="zh-TW" altLang="en-US" sz="5400" b="1" dirty="0" smtClean="0">
+                <a:latin typeface="微軟正黑體" pitchFamily="34" charset="-120"/>
+                <a:ea typeface="微軟正黑體" pitchFamily="34" charset="-120"/>
+              </a:rPr>
               <a:t>愛</a:t>
             </a:r>
             <a:r>
-              <a:rPr lang="zh-TW" altLang="en-US" sz="5400" dirty="0"/>
+              <a:rPr lang="zh-TW" altLang="en-US" sz="5400" b="1" dirty="0">
+                <a:latin typeface="微軟正黑體" pitchFamily="34" charset="-120"/>
+                <a:ea typeface="微軟正黑體" pitchFamily="34" charset="-120"/>
+              </a:rPr>
               <a:t>中生活皆主</a:t>
             </a:r>
             <a:r>
-              <a:rPr lang="zh-TW" altLang="en-US" sz="5400" dirty="0" smtClean="0"/>
+              <a:rPr lang="zh-TW" altLang="en-US" sz="5400" b="1" dirty="0" smtClean="0">
+                <a:latin typeface="微軟正黑體" pitchFamily="34" charset="-120"/>
+                <a:ea typeface="微軟正黑體" pitchFamily="34" charset="-120"/>
+              </a:rPr>
               <a:t>民</a:t>
             </a:r>
-            <a:endParaRPr lang="en-US" altLang="zh-TW" sz="5400" dirty="0"/>
+            <a:endParaRPr lang="en-US" altLang="zh-TW" sz="5400" b="1" dirty="0">
+              <a:latin typeface="微軟正黑體" pitchFamily="34" charset="-120"/>
+              <a:ea typeface="微軟正黑體" pitchFamily="34" charset="-120"/>
+            </a:endParaRPr>
           </a:p>
           <a:p>
             <a:pPr algn="ctr">
               <a:buNone/>
             </a:pPr>
             <a:r>
-              <a:rPr lang="zh-TW" altLang="en-US" sz="5400" dirty="0" smtClean="0"/>
+              <a:rPr lang="zh-TW" altLang="en-US" sz="5400" b="1" dirty="0" smtClean="0">
+                <a:latin typeface="微軟正黑體" pitchFamily="34" charset="-120"/>
+                <a:ea typeface="微軟正黑體" pitchFamily="34" charset="-120"/>
+              </a:rPr>
               <a:t>求教</a:t>
             </a:r>
             <a:r>
-              <a:rPr lang="zh-TW" altLang="en-US" sz="5400" dirty="0"/>
+              <a:rPr lang="zh-TW" altLang="en-US" sz="5400" b="1" dirty="0">
+                <a:latin typeface="微軟正黑體" pitchFamily="34" charset="-120"/>
+                <a:ea typeface="微軟正黑體" pitchFamily="34" charset="-120"/>
+              </a:rPr>
               <a:t>我們相愛</a:t>
             </a:r>
             <a:r>
-              <a:rPr lang="zh-TW" altLang="en-US" sz="5400" dirty="0" smtClean="0"/>
+              <a:rPr lang="zh-TW" altLang="en-US" sz="5400" b="1" dirty="0" smtClean="0">
+                <a:latin typeface="微軟正黑體" pitchFamily="34" charset="-120"/>
+                <a:ea typeface="微軟正黑體" pitchFamily="34" charset="-120"/>
+              </a:rPr>
               <a:t>相親</a:t>
             </a:r>
-            <a:endParaRPr lang="en-US" altLang="zh-TW" sz="5400" dirty="0" smtClean="0"/>
+            <a:endParaRPr lang="en-US" altLang="zh-TW" sz="5400" b="1" dirty="0" smtClean="0">
+              <a:latin typeface="微軟正黑體" pitchFamily="34" charset="-120"/>
+              <a:ea typeface="微軟正黑體" pitchFamily="34" charset="-120"/>
+            </a:endParaRPr>
           </a:p>
           <a:p>
             <a:pPr algn="ctr">
               <a:buNone/>
             </a:pPr>
             <a:r>
-              <a:rPr lang="zh-TW" altLang="en-US" sz="5400" dirty="0" smtClean="0"/>
+              <a:rPr lang="zh-TW" altLang="en-US" sz="5400" b="1" dirty="0" smtClean="0">
+                <a:latin typeface="微軟正黑體" pitchFamily="34" charset="-120"/>
+                <a:ea typeface="微軟正黑體" pitchFamily="34" charset="-120"/>
+              </a:rPr>
               <a:t>同</a:t>
             </a:r>
             <a:r>
-              <a:rPr lang="zh-TW" altLang="en-US" sz="5400" dirty="0"/>
+              <a:rPr lang="zh-TW" altLang="en-US" sz="5400" b="1" dirty="0">
+                <a:latin typeface="微軟正黑體" pitchFamily="34" charset="-120"/>
+                <a:ea typeface="微軟正黑體" pitchFamily="34" charset="-120"/>
+              </a:rPr>
               <a:t>享人生大歡欣</a:t>
             </a:r>
           </a:p>
@@ -4414,92 +4195,136 @@
         </p:nvSpPr>
         <p:spPr/>
         <p:txBody>
-          <a:bodyPr/>
-          <a:lstStyle/>
-          <a:p>
-            <a:r>
-              <a:rPr lang="zh-TW" altLang="en-US" dirty="0"/>
-              <a:t>快樂崇拜</a:t>
-            </a:r>
-          </a:p>
-        </p:txBody>
-      </p:sp>
-      <p:sp>
-        <p:nvSpPr>
-          <p:cNvPr id="5" name="內容版面配置區 4"/>
-          <p:cNvSpPr>
-            <a:spLocks noGrp="1"/>
-          </p:cNvSpPr>
-          <p:nvPr>
-            <p:ph idx="1"/>
-          </p:nvPr>
-        </p:nvSpPr>
-        <p:spPr/>
-        <p:txBody>
           <a:bodyPr>
             <a:normAutofit/>
           </a:bodyPr>
           <a:lstStyle/>
           <a:p>
+            <a:r>
+              <a:rPr lang="zh-TW" altLang="en-US" b="1" dirty="0">
+                <a:latin typeface="微軟正黑體" pitchFamily="34" charset="-120"/>
+                <a:ea typeface="微軟正黑體" pitchFamily="34" charset="-120"/>
+              </a:rPr>
+              <a:t>快樂崇拜</a:t>
+            </a:r>
+          </a:p>
+        </p:txBody>
+      </p:sp>
+      <p:sp>
+        <p:nvSpPr>
+          <p:cNvPr id="5" name="內容版面配置區 4"/>
+          <p:cNvSpPr>
+            <a:spLocks noGrp="1"/>
+          </p:cNvSpPr>
+          <p:nvPr>
+            <p:ph idx="1"/>
+          </p:nvPr>
+        </p:nvSpPr>
+        <p:spPr/>
+        <p:txBody>
+          <a:bodyPr>
+            <a:normAutofit/>
+          </a:bodyPr>
+          <a:lstStyle/>
+          <a:p>
             <a:pPr algn="ctr">
               <a:buNone/>
             </a:pPr>
             <a:r>
-              <a:rPr lang="zh-TW" altLang="en-US" sz="5400" dirty="0"/>
+              <a:rPr lang="zh-TW" altLang="en-US" sz="5400" b="1" dirty="0">
+                <a:latin typeface="微軟正黑體" pitchFamily="34" charset="-120"/>
+                <a:ea typeface="微軟正黑體" pitchFamily="34" charset="-120"/>
+              </a:rPr>
               <a:t>晨星引起偉大</a:t>
             </a:r>
             <a:r>
-              <a:rPr lang="zh-TW" altLang="en-US" sz="5400" dirty="0" smtClean="0"/>
+              <a:rPr lang="zh-TW" altLang="en-US" sz="5400" b="1" dirty="0" smtClean="0">
+                <a:latin typeface="微軟正黑體" pitchFamily="34" charset="-120"/>
+                <a:ea typeface="微軟正黑體" pitchFamily="34" charset="-120"/>
+              </a:rPr>
               <a:t>歌聲</a:t>
             </a:r>
-            <a:endParaRPr lang="en-US" altLang="zh-TW" sz="5400" dirty="0" smtClean="0"/>
+            <a:endParaRPr lang="en-US" altLang="zh-TW" sz="5400" b="1" dirty="0" smtClean="0">
+              <a:latin typeface="微軟正黑體" pitchFamily="34" charset="-120"/>
+              <a:ea typeface="微軟正黑體" pitchFamily="34" charset="-120"/>
+            </a:endParaRPr>
           </a:p>
           <a:p>
             <a:pPr algn="ctr">
               <a:buNone/>
             </a:pPr>
             <a:r>
-              <a:rPr lang="zh-TW" altLang="en-US" sz="5400" dirty="0" smtClean="0"/>
+              <a:rPr lang="zh-TW" altLang="en-US" sz="5400" b="1" dirty="0" smtClean="0">
+                <a:latin typeface="微軟正黑體" pitchFamily="34" charset="-120"/>
+                <a:ea typeface="微軟正黑體" pitchFamily="34" charset="-120"/>
+              </a:rPr>
               <a:t>普</a:t>
             </a:r>
             <a:r>
-              <a:rPr lang="zh-TW" altLang="en-US" sz="5400" dirty="0"/>
+              <a:rPr lang="zh-TW" altLang="en-US" sz="5400" b="1" dirty="0">
+                <a:latin typeface="微軟正黑體" pitchFamily="34" charset="-120"/>
+                <a:ea typeface="微軟正黑體" pitchFamily="34" charset="-120"/>
+              </a:rPr>
               <a:t>世萬民都</a:t>
             </a:r>
             <a:r>
-              <a:rPr lang="zh-TW" altLang="en-US" sz="5400" dirty="0" smtClean="0"/>
+              <a:rPr lang="zh-TW" altLang="en-US" sz="5400" b="1" dirty="0" smtClean="0">
+                <a:latin typeface="微軟正黑體" pitchFamily="34" charset="-120"/>
+                <a:ea typeface="微軟正黑體" pitchFamily="34" charset="-120"/>
+              </a:rPr>
               <a:t>響應</a:t>
             </a:r>
-            <a:endParaRPr lang="en-US" altLang="zh-TW" sz="5400" dirty="0"/>
+            <a:endParaRPr lang="en-US" altLang="zh-TW" sz="5400" b="1" dirty="0">
+              <a:latin typeface="微軟正黑體" pitchFamily="34" charset="-120"/>
+              <a:ea typeface="微軟正黑體" pitchFamily="34" charset="-120"/>
+            </a:endParaRPr>
           </a:p>
           <a:p>
             <a:pPr algn="ctr">
               <a:buNone/>
             </a:pPr>
             <a:r>
-              <a:rPr lang="zh-TW" altLang="en-US" sz="5400" dirty="0" smtClean="0"/>
+              <a:rPr lang="zh-TW" altLang="en-US" sz="5400" b="1" dirty="0" smtClean="0">
+                <a:latin typeface="微軟正黑體" pitchFamily="34" charset="-120"/>
+                <a:ea typeface="微軟正黑體" pitchFamily="34" charset="-120"/>
+              </a:rPr>
               <a:t>天</a:t>
             </a:r>
             <a:r>
-              <a:rPr lang="zh-TW" altLang="en-US" sz="5400" dirty="0"/>
+              <a:rPr lang="zh-TW" altLang="en-US" sz="5400" b="1" dirty="0">
+                <a:latin typeface="微軟正黑體" pitchFamily="34" charset="-120"/>
+                <a:ea typeface="微軟正黑體" pitchFamily="34" charset="-120"/>
+              </a:rPr>
               <a:t>父慈愛統治</a:t>
             </a:r>
             <a:r>
-              <a:rPr lang="zh-TW" altLang="en-US" sz="5400" dirty="0" smtClean="0"/>
+              <a:rPr lang="zh-TW" altLang="en-US" sz="5400" b="1" dirty="0" smtClean="0">
+                <a:latin typeface="微軟正黑體" pitchFamily="34" charset="-120"/>
+                <a:ea typeface="微軟正黑體" pitchFamily="34" charset="-120"/>
+              </a:rPr>
               <a:t>我們</a:t>
             </a:r>
-            <a:endParaRPr lang="en-US" altLang="zh-TW" sz="5400" dirty="0" smtClean="0"/>
+            <a:endParaRPr lang="en-US" altLang="zh-TW" sz="5400" b="1" dirty="0" smtClean="0">
+              <a:latin typeface="微軟正黑體" pitchFamily="34" charset="-120"/>
+              <a:ea typeface="微軟正黑體" pitchFamily="34" charset="-120"/>
+            </a:endParaRPr>
           </a:p>
           <a:p>
             <a:pPr algn="ctr">
               <a:buNone/>
             </a:pPr>
             <a:r>
-              <a:rPr lang="zh-TW" altLang="en-US" sz="5400" dirty="0" smtClean="0"/>
+              <a:rPr lang="zh-TW" altLang="en-US" sz="5400" b="1" dirty="0" smtClean="0">
+                <a:latin typeface="微軟正黑體" pitchFamily="34" charset="-120"/>
+                <a:ea typeface="微軟正黑體" pitchFamily="34" charset="-120"/>
+              </a:rPr>
               <a:t>弟兄</a:t>
             </a:r>
             <a:r>
-              <a:rPr lang="zh-TW" altLang="en-US" sz="5400" dirty="0"/>
+              <a:rPr lang="zh-TW" altLang="en-US" sz="5400" b="1" dirty="0">
+                <a:latin typeface="微軟正黑體" pitchFamily="34" charset="-120"/>
+                <a:ea typeface="微軟正黑體" pitchFamily="34" charset="-120"/>
+              </a:rPr>
               <a:t>友愛繫人群</a:t>
             </a:r>
           </a:p>
@@ -4542,84 +4367,122 @@
         </p:nvSpPr>
         <p:spPr/>
         <p:txBody>
-          <a:bodyPr/>
-          <a:lstStyle/>
-          <a:p>
-            <a:r>
-              <a:rPr lang="zh-TW" altLang="en-US" dirty="0"/>
-              <a:t>快樂崇拜</a:t>
-            </a:r>
-          </a:p>
-        </p:txBody>
-      </p:sp>
-      <p:sp>
-        <p:nvSpPr>
-          <p:cNvPr id="5" name="內容版面配置區 4"/>
-          <p:cNvSpPr>
-            <a:spLocks noGrp="1"/>
-          </p:cNvSpPr>
-          <p:nvPr>
-            <p:ph idx="1"/>
-          </p:nvPr>
-        </p:nvSpPr>
-        <p:spPr/>
-        <p:txBody>
           <a:bodyPr>
             <a:normAutofit/>
           </a:bodyPr>
           <a:lstStyle/>
           <a:p>
+            <a:r>
+              <a:rPr lang="zh-TW" altLang="en-US" b="1" dirty="0">
+                <a:latin typeface="微軟正黑體" pitchFamily="34" charset="-120"/>
+                <a:ea typeface="微軟正黑體" pitchFamily="34" charset="-120"/>
+              </a:rPr>
+              <a:t>快樂崇拜</a:t>
+            </a:r>
+          </a:p>
+        </p:txBody>
+      </p:sp>
+      <p:sp>
+        <p:nvSpPr>
+          <p:cNvPr id="5" name="內容版面配置區 4"/>
+          <p:cNvSpPr>
+            <a:spLocks noGrp="1"/>
+          </p:cNvSpPr>
+          <p:nvPr>
+            <p:ph idx="1"/>
+          </p:nvPr>
+        </p:nvSpPr>
+        <p:spPr/>
+        <p:txBody>
+          <a:bodyPr>
+            <a:normAutofit/>
+          </a:bodyPr>
+          <a:lstStyle/>
+          <a:p>
             <a:pPr algn="ctr">
               <a:buNone/>
             </a:pPr>
             <a:r>
-              <a:rPr lang="zh-TW" altLang="en-US" sz="5400" dirty="0"/>
+              <a:rPr lang="zh-TW" altLang="en-US" sz="5400" b="1" dirty="0">
+                <a:latin typeface="微軟正黑體" pitchFamily="34" charset="-120"/>
+                <a:ea typeface="微軟正黑體" pitchFamily="34" charset="-120"/>
+              </a:rPr>
               <a:t>一同</a:t>
             </a:r>
             <a:r>
-              <a:rPr lang="zh-TW" altLang="en-US" sz="5400" dirty="0" smtClean="0"/>
+              <a:rPr lang="zh-TW" altLang="en-US" sz="5400" b="1" dirty="0" smtClean="0">
+                <a:latin typeface="微軟正黑體" pitchFamily="34" charset="-120"/>
+                <a:ea typeface="微軟正黑體" pitchFamily="34" charset="-120"/>
+              </a:rPr>
               <a:t>前進  歌唱不停</a:t>
             </a:r>
-            <a:endParaRPr lang="en-US" altLang="zh-TW" sz="5400" dirty="0" smtClean="0"/>
+            <a:endParaRPr lang="en-US" altLang="zh-TW" sz="5400" b="1" dirty="0" smtClean="0">
+              <a:latin typeface="微軟正黑體" pitchFamily="34" charset="-120"/>
+              <a:ea typeface="微軟正黑體" pitchFamily="34" charset="-120"/>
+            </a:endParaRPr>
           </a:p>
           <a:p>
             <a:pPr algn="ctr">
               <a:buNone/>
             </a:pPr>
             <a:r>
-              <a:rPr lang="zh-TW" altLang="en-US" sz="5400" dirty="0" smtClean="0"/>
+              <a:rPr lang="zh-TW" altLang="en-US" sz="5400" b="1" dirty="0" smtClean="0">
+                <a:latin typeface="微軟正黑體" pitchFamily="34" charset="-120"/>
+                <a:ea typeface="微軟正黑體" pitchFamily="34" charset="-120"/>
+              </a:rPr>
               <a:t>忠勇</a:t>
             </a:r>
             <a:r>
-              <a:rPr lang="zh-TW" altLang="en-US" sz="5400" dirty="0"/>
+              <a:rPr lang="zh-TW" altLang="en-US" sz="5400" b="1" dirty="0">
+                <a:latin typeface="微軟正黑體" pitchFamily="34" charset="-120"/>
+                <a:ea typeface="微軟正黑體" pitchFamily="34" charset="-120"/>
+              </a:rPr>
               <a:t>爭戰勝利</a:t>
             </a:r>
             <a:r>
-              <a:rPr lang="zh-TW" altLang="en-US" sz="5400" dirty="0" smtClean="0"/>
+              <a:rPr lang="zh-TW" altLang="en-US" sz="5400" b="1" dirty="0" smtClean="0">
+                <a:latin typeface="微軟正黑體" pitchFamily="34" charset="-120"/>
+                <a:ea typeface="微軟正黑體" pitchFamily="34" charset="-120"/>
+              </a:rPr>
               <a:t>軍</a:t>
             </a:r>
-            <a:endParaRPr lang="en-US" altLang="zh-TW" sz="5400" dirty="0"/>
+            <a:endParaRPr lang="en-US" altLang="zh-TW" sz="5400" b="1" dirty="0">
+              <a:latin typeface="微軟正黑體" pitchFamily="34" charset="-120"/>
+              <a:ea typeface="微軟正黑體" pitchFamily="34" charset="-120"/>
+            </a:endParaRPr>
           </a:p>
           <a:p>
             <a:pPr algn="ctr">
               <a:buNone/>
             </a:pPr>
             <a:r>
-              <a:rPr lang="zh-TW" altLang="en-US" sz="5400" dirty="0" smtClean="0"/>
+              <a:rPr lang="zh-TW" altLang="en-US" sz="5400" b="1" dirty="0" smtClean="0">
+                <a:latin typeface="微軟正黑體" pitchFamily="34" charset="-120"/>
+                <a:ea typeface="微軟正黑體" pitchFamily="34" charset="-120"/>
+              </a:rPr>
               <a:t>歡欣樂曲  導向光明</a:t>
             </a:r>
-            <a:endParaRPr lang="en-US" altLang="zh-TW" sz="5400" dirty="0" smtClean="0"/>
+            <a:endParaRPr lang="en-US" altLang="zh-TW" sz="5400" b="1" dirty="0" smtClean="0">
+              <a:latin typeface="微軟正黑體" pitchFamily="34" charset="-120"/>
+              <a:ea typeface="微軟正黑體" pitchFamily="34" charset="-120"/>
+            </a:endParaRPr>
           </a:p>
           <a:p>
             <a:pPr algn="ctr">
               <a:buNone/>
             </a:pPr>
             <a:r>
-              <a:rPr lang="zh-TW" altLang="en-US" sz="5400" dirty="0" smtClean="0"/>
+              <a:rPr lang="zh-TW" altLang="en-US" sz="5400" b="1" dirty="0" smtClean="0">
+                <a:latin typeface="微軟正黑體" pitchFamily="34" charset="-120"/>
+                <a:ea typeface="微軟正黑體" pitchFamily="34" charset="-120"/>
+              </a:rPr>
               <a:t>同</a:t>
             </a:r>
             <a:r>
-              <a:rPr lang="zh-TW" altLang="en-US" sz="5400" dirty="0"/>
+              <a:rPr lang="zh-TW" altLang="en-US" sz="5400" b="1" dirty="0">
+                <a:latin typeface="微軟正黑體" pitchFamily="34" charset="-120"/>
+                <a:ea typeface="微軟正黑體" pitchFamily="34" charset="-120"/>
+              </a:rPr>
               <a:t>唱凱歌慶永生</a:t>
             </a:r>
           </a:p>
@@ -4634,56 +4497,114 @@
 </file>
 
 <file path=ppt/theme/theme1.xml><?xml version="1.0" encoding="utf-8"?>
-<a:theme xmlns:a="http://schemas.openxmlformats.org/drawingml/2006/main" name="佈景主題15">
+<a:theme xmlns:a="http://schemas.openxmlformats.org/drawingml/2006/main" name="佈景主題1">
   <a:themeElements>
-    <a:clrScheme name="Office Theme 1">
+    <a:clrScheme name="Office">
       <a:dk1>
-        <a:srgbClr val="000000"/>
+        <a:sysClr val="windowText" lastClr="000000"/>
       </a:dk1>
       <a:lt1>
-        <a:srgbClr val="FFFFFF"/>
+        <a:sysClr val="window" lastClr="FFFFFF"/>
       </a:lt1>
       <a:dk2>
-        <a:srgbClr val="000000"/>
+        <a:srgbClr val="1F497D"/>
       </a:dk2>
       <a:lt2>
-        <a:srgbClr val="808080"/>
+        <a:srgbClr val="EEECE1"/>
       </a:lt2>
       <a:accent1>
-        <a:srgbClr val="00CC99"/>
+        <a:srgbClr val="4F81BD"/>
       </a:accent1>
       <a:accent2>
-        <a:srgbClr val="3333CC"/>
+        <a:srgbClr val="C0504D"/>
       </a:accent2>
       <a:accent3>
-        <a:srgbClr val="FFFFFF"/>
+        <a:srgbClr val="9BBB59"/>
       </a:accent3>
       <a:accent4>
-        <a:srgbClr val="000000"/>
+        <a:srgbClr val="8064A2"/>
       </a:accent4>
       <a:accent5>
-        <a:srgbClr val="AAE2CA"/>
+        <a:srgbClr val="4BACC6"/>
       </a:accent5>
       <a:accent6>
-        <a:srgbClr val="2D2DB9"/>
+        <a:srgbClr val="F79646"/>
       </a:accent6>
       <a:hlink>
-        <a:srgbClr val="CCCCFF"/>
+        <a:srgbClr val="0000FF"/>
       </a:hlink>
       <a:folHlink>
-        <a:srgbClr val="B2B2B2"/>
+        <a:srgbClr val="800080"/>
       </a:folHlink>
     </a:clrScheme>
-    <a:fontScheme name="Office 佈景主題">
+    <a:fontScheme name="Office">
       <a:majorFont>
-        <a:latin typeface="Arial"/>
-        <a:ea typeface="新細明體"/>
+        <a:latin typeface="Calibri"/>
+        <a:ea typeface=""/>
         <a:cs typeface=""/>
+        <a:font script="Jpan" typeface="ＭＳ Ｐゴシック"/>
+        <a:font script="Hang" typeface="맑은 고딕"/>
+        <a:font script="Hans" typeface="宋体"/>
+        <a:font script="Hant" typeface="新細明體"/>
+        <a:font script="Arab" typeface="Times New Roman"/>
+        <a:font script="Hebr" typeface="Times New Roman"/>
+        <a:font script="Thai" typeface="Angsana New"/>
+        <a:font script="Ethi" typeface="Nyala"/>
+        <a:font script="Beng" typeface="Vrinda"/>
+        <a:font script="Gujr" typeface="Shruti"/>
+        <a:font script="Khmr" typeface="MoolBoran"/>
+        <a:font script="Knda" typeface="Tunga"/>
+        <a:font script="Guru" typeface="Raavi"/>
+        <a:font script="Cans" typeface="Euphemia"/>
+        <a:font script="Cher" typeface="Plantagenet Cherokee"/>
+        <a:font script="Yiii" typeface="Microsoft Yi Baiti"/>
+        <a:font script="Tibt" typeface="Microsoft Himalaya"/>
+        <a:font script="Thaa" typeface="MV Boli"/>
+        <a:font script="Deva" typeface="Mangal"/>
+        <a:font script="Telu" typeface="Gautami"/>
+        <a:font script="Taml" typeface="Latha"/>
+        <a:font script="Syrc" typeface="Estrangelo Edessa"/>
+        <a:font script="Orya" typeface="Kalinga"/>
+        <a:font script="Mlym" typeface="Kartika"/>
+        <a:font script="Laoo" typeface="DokChampa"/>
+        <a:font script="Sinh" typeface="Iskoola Pota"/>
+        <a:font script="Mong" typeface="Mongolian Baiti"/>
+        <a:font script="Viet" typeface="Times New Roman"/>
+        <a:font script="Uigh" typeface="Microsoft Uighur"/>
       </a:majorFont>
       <a:minorFont>
-        <a:latin typeface="Arial"/>
-        <a:ea typeface="新細明體"/>
+        <a:latin typeface="Calibri"/>
+        <a:ea typeface=""/>
         <a:cs typeface=""/>
+        <a:font script="Jpan" typeface="ＭＳ Ｐゴシック"/>
+        <a:font script="Hang" typeface="맑은 고딕"/>
+        <a:font script="Hans" typeface="宋体"/>
+        <a:font script="Hant" typeface="新細明體"/>
+        <a:font script="Arab" typeface="Arial"/>
+        <a:font script="Hebr" typeface="Arial"/>
+        <a:font script="Thai" typeface="Cordia New"/>
+        <a:font script="Ethi" typeface="Nyala"/>
+        <a:font script="Beng" typeface="Vrinda"/>
+        <a:font script="Gujr" typeface="Shruti"/>
+        <a:font script="Khmr" typeface="DaunPenh"/>
+        <a:font script="Knda" typeface="Tunga"/>
+        <a:font script="Guru" typeface="Raavi"/>
+        <a:font script="Cans" typeface="Euphemia"/>
+        <a:font script="Cher" typeface="Plantagenet Cherokee"/>
+        <a:font script="Yiii" typeface="Microsoft Yi Baiti"/>
+        <a:font script="Tibt" typeface="Microsoft Himalaya"/>
+        <a:font script="Thaa" typeface="MV Boli"/>
+        <a:font script="Deva" typeface="Mangal"/>
+        <a:font script="Telu" typeface="Gautami"/>
+        <a:font script="Taml" typeface="Latha"/>
+        <a:font script="Syrc" typeface="Estrangelo Edessa"/>
+        <a:font script="Orya" typeface="Kalinga"/>
+        <a:font script="Mlym" typeface="Kartika"/>
+        <a:font script="Laoo" typeface="DokChampa"/>
+        <a:font script="Sinh" typeface="Iskoola Pota"/>
+        <a:font script="Mong" typeface="Mongolian Baiti"/>
+        <a:font script="Viet" typeface="Arial"/>
+        <a:font script="Uigh" typeface="Microsoft Uighur"/>
       </a:minorFont>
     </a:fontScheme>
     <a:fmtScheme name="Office">
@@ -4853,426 +4774,7 @@
       </a:bgFillStyleLst>
     </a:fmtScheme>
   </a:themeElements>
-  <a:objectDefaults>
-    <a:spDef>
-      <a:spPr bwMode="auto">
-        <a:xfrm>
-          <a:off x="0" y="0"/>
-          <a:ext cx="1" cy="1"/>
-        </a:xfrm>
-        <a:custGeom>
-          <a:avLst/>
-          <a:gdLst/>
-          <a:ahLst/>
-          <a:cxnLst/>
-          <a:rect l="0" t="0" r="0" b="0"/>
-          <a:pathLst/>
-        </a:custGeom>
-        <a:solidFill>
-          <a:srgbClr val="00B8FF"/>
-        </a:solidFill>
-        <a:ln w="9525" cap="flat" cmpd="sng" algn="ctr">
-          <a:solidFill>
-            <a:schemeClr val="tx1"/>
-          </a:solidFill>
-          <a:prstDash val="solid"/>
-          <a:round/>
-          <a:headEnd type="none" w="med" len="med"/>
-          <a:tailEnd type="none" w="med" len="med"/>
-        </a:ln>
-        <a:effectLst/>
-      </a:spPr>
-      <a:bodyPr vert="horz" wrap="square" lIns="91440" tIns="45720" rIns="91440" bIns="45720" numCol="1" anchor="t" anchorCtr="0" compatLnSpc="1">
-        <a:prstTxWarp prst="textNoShape">
-          <a:avLst/>
-        </a:prstTxWarp>
-      </a:bodyPr>
-      <a:lstStyle>
-        <a:defPPr marL="0" marR="0" indent="0" algn="l" defTabSz="449263" rtl="0" eaLnBrk="1" fontAlgn="base" latinLnBrk="0" hangingPunct="1">
-          <a:lnSpc>
-            <a:spcPct val="93000"/>
-          </a:lnSpc>
-          <a:spcBef>
-            <a:spcPct val="0"/>
-          </a:spcBef>
-          <a:spcAft>
-            <a:spcPct val="0"/>
-          </a:spcAft>
-          <a:buClr>
-            <a:srgbClr val="000000"/>
-          </a:buClr>
-          <a:buSzPct val="100000"/>
-          <a:buFont typeface="Arial" charset="0"/>
-          <a:buNone/>
-          <a:tabLst/>
-          <a:defRPr kumimoji="0" lang="en-GB" sz="1800" b="0" i="0" u="none" strike="noStrike" cap="none" normalizeH="0" baseline="0" smtClean="0">
-            <a:ln>
-              <a:noFill/>
-            </a:ln>
-            <a:solidFill>
-              <a:schemeClr val="bg1"/>
-            </a:solidFill>
-            <a:effectLst/>
-            <a:latin typeface="Arial" charset="0"/>
-            <a:ea typeface="新細明體" pitchFamily="18" charset="-120"/>
-          </a:defRPr>
-        </a:defPPr>
-      </a:lstStyle>
-    </a:spDef>
-    <a:lnDef>
-      <a:spPr bwMode="auto">
-        <a:xfrm>
-          <a:off x="0" y="0"/>
-          <a:ext cx="1" cy="1"/>
-        </a:xfrm>
-        <a:custGeom>
-          <a:avLst/>
-          <a:gdLst/>
-          <a:ahLst/>
-          <a:cxnLst/>
-          <a:rect l="0" t="0" r="0" b="0"/>
-          <a:pathLst/>
-        </a:custGeom>
-        <a:solidFill>
-          <a:srgbClr val="00B8FF"/>
-        </a:solidFill>
-        <a:ln w="9525" cap="flat" cmpd="sng" algn="ctr">
-          <a:solidFill>
-            <a:schemeClr val="tx1"/>
-          </a:solidFill>
-          <a:prstDash val="solid"/>
-          <a:round/>
-          <a:headEnd type="none" w="med" len="med"/>
-          <a:tailEnd type="none" w="med" len="med"/>
-        </a:ln>
-        <a:effectLst/>
-      </a:spPr>
-      <a:bodyPr vert="horz" wrap="square" lIns="91440" tIns="45720" rIns="91440" bIns="45720" numCol="1" anchor="t" anchorCtr="0" compatLnSpc="1">
-        <a:prstTxWarp prst="textNoShape">
-          <a:avLst/>
-        </a:prstTxWarp>
-      </a:bodyPr>
-      <a:lstStyle>
-        <a:defPPr marL="0" marR="0" indent="0" algn="l" defTabSz="449263" rtl="0" eaLnBrk="1" fontAlgn="base" latinLnBrk="0" hangingPunct="1">
-          <a:lnSpc>
-            <a:spcPct val="93000"/>
-          </a:lnSpc>
-          <a:spcBef>
-            <a:spcPct val="0"/>
-          </a:spcBef>
-          <a:spcAft>
-            <a:spcPct val="0"/>
-          </a:spcAft>
-          <a:buClr>
-            <a:srgbClr val="000000"/>
-          </a:buClr>
-          <a:buSzPct val="100000"/>
-          <a:buFont typeface="Arial" charset="0"/>
-          <a:buNone/>
-          <a:tabLst/>
-          <a:defRPr kumimoji="0" lang="en-GB" sz="1800" b="0" i="0" u="none" strike="noStrike" cap="none" normalizeH="0" baseline="0" smtClean="0">
-            <a:ln>
-              <a:noFill/>
-            </a:ln>
-            <a:solidFill>
-              <a:schemeClr val="bg1"/>
-            </a:solidFill>
-            <a:effectLst/>
-            <a:latin typeface="Arial" charset="0"/>
-            <a:ea typeface="新細明體" pitchFamily="18" charset="-120"/>
-          </a:defRPr>
-        </a:defPPr>
-      </a:lstStyle>
-    </a:lnDef>
-  </a:objectDefaults>
-  <a:extraClrSchemeLst>
-    <a:extraClrScheme>
-      <a:clrScheme name="Office Theme 1">
-        <a:dk1>
-          <a:srgbClr val="000000"/>
-        </a:dk1>
-        <a:lt1>
-          <a:srgbClr val="FFFFFF"/>
-        </a:lt1>
-        <a:dk2>
-          <a:srgbClr val="000000"/>
-        </a:dk2>
-        <a:lt2>
-          <a:srgbClr val="808080"/>
-        </a:lt2>
-        <a:accent1>
-          <a:srgbClr val="00CC99"/>
-        </a:accent1>
-        <a:accent2>
-          <a:srgbClr val="3333CC"/>
-        </a:accent2>
-        <a:accent3>
-          <a:srgbClr val="FFFFFF"/>
-        </a:accent3>
-        <a:accent4>
-          <a:srgbClr val="000000"/>
-        </a:accent4>
-        <a:accent5>
-          <a:srgbClr val="AAE2CA"/>
-        </a:accent5>
-        <a:accent6>
-          <a:srgbClr val="2D2DB9"/>
-        </a:accent6>
-        <a:hlink>
-          <a:srgbClr val="CCCCFF"/>
-        </a:hlink>
-        <a:folHlink>
-          <a:srgbClr val="B2B2B2"/>
-        </a:folHlink>
-      </a:clrScheme>
-      <a:clrMap bg1="lt1" tx1="dk1" bg2="lt2" tx2="dk2" accent1="accent1" accent2="accent2" accent3="accent3" accent4="accent4" accent5="accent5" accent6="accent6" hlink="hlink" folHlink="folHlink"/>
-    </a:extraClrScheme>
-    <a:extraClrScheme>
-      <a:clrScheme name="Office Theme 2">
-        <a:dk1>
-          <a:srgbClr val="000000"/>
-        </a:dk1>
-        <a:lt1>
-          <a:srgbClr val="FFFFFF"/>
-        </a:lt1>
-        <a:dk2>
-          <a:srgbClr val="0000FF"/>
-        </a:dk2>
-        <a:lt2>
-          <a:srgbClr val="FFFF00"/>
-        </a:lt2>
-        <a:accent1>
-          <a:srgbClr val="FF9900"/>
-        </a:accent1>
-        <a:accent2>
-          <a:srgbClr val="00FFFF"/>
-        </a:accent2>
-        <a:accent3>
-          <a:srgbClr val="AAAAFF"/>
-        </a:accent3>
-        <a:accent4>
-          <a:srgbClr val="DADADA"/>
-        </a:accent4>
-        <a:accent5>
-          <a:srgbClr val="FFCAAA"/>
-        </a:accent5>
-        <a:accent6>
-          <a:srgbClr val="00E7E7"/>
-        </a:accent6>
-        <a:hlink>
-          <a:srgbClr val="FF0000"/>
-        </a:hlink>
-        <a:folHlink>
-          <a:srgbClr val="969696"/>
-        </a:folHlink>
-      </a:clrScheme>
-      <a:clrMap bg1="dk2" tx1="lt1" bg2="dk1" tx2="lt2" accent1="accent1" accent2="accent2" accent3="accent3" accent4="accent4" accent5="accent5" accent6="accent6" hlink="hlink" folHlink="folHlink"/>
-    </a:extraClrScheme>
-    <a:extraClrScheme>
-      <a:clrScheme name="Office Theme 3">
-        <a:dk1>
-          <a:srgbClr val="000000"/>
-        </a:dk1>
-        <a:lt1>
-          <a:srgbClr val="FFFFCC"/>
-        </a:lt1>
-        <a:dk2>
-          <a:srgbClr val="808000"/>
-        </a:dk2>
-        <a:lt2>
-          <a:srgbClr val="666633"/>
-        </a:lt2>
-        <a:accent1>
-          <a:srgbClr val="339933"/>
-        </a:accent1>
-        <a:accent2>
-          <a:srgbClr val="800000"/>
-        </a:accent2>
-        <a:accent3>
-          <a:srgbClr val="FFFFE2"/>
-        </a:accent3>
-        <a:accent4>
-          <a:srgbClr val="000000"/>
-        </a:accent4>
-        <a:accent5>
-          <a:srgbClr val="ADCAAD"/>
-        </a:accent5>
-        <a:accent6>
-          <a:srgbClr val="730000"/>
-        </a:accent6>
-        <a:hlink>
-          <a:srgbClr val="0033CC"/>
-        </a:hlink>
-        <a:folHlink>
-          <a:srgbClr val="FFCC66"/>
-        </a:folHlink>
-      </a:clrScheme>
-      <a:clrMap bg1="lt1" tx1="dk1" bg2="lt2" tx2="dk2" accent1="accent1" accent2="accent2" accent3="accent3" accent4="accent4" accent5="accent5" accent6="accent6" hlink="hlink" folHlink="folHlink"/>
-    </a:extraClrScheme>
-    <a:extraClrScheme>
-      <a:clrScheme name="Office Theme 4">
-        <a:dk1>
-          <a:srgbClr val="000000"/>
-        </a:dk1>
-        <a:lt1>
-          <a:srgbClr val="FFFFFF"/>
-        </a:lt1>
-        <a:dk2>
-          <a:srgbClr val="000000"/>
-        </a:dk2>
-        <a:lt2>
-          <a:srgbClr val="333333"/>
-        </a:lt2>
-        <a:accent1>
-          <a:srgbClr val="DDDDDD"/>
-        </a:accent1>
-        <a:accent2>
-          <a:srgbClr val="808080"/>
-        </a:accent2>
-        <a:accent3>
-          <a:srgbClr val="FFFFFF"/>
-        </a:accent3>
-        <a:accent4>
-          <a:srgbClr val="000000"/>
-        </a:accent4>
-        <a:accent5>
-          <a:srgbClr val="EBEBEB"/>
-        </a:accent5>
-        <a:accent6>
-          <a:srgbClr val="737373"/>
-        </a:accent6>
-        <a:hlink>
-          <a:srgbClr val="4D4D4D"/>
-        </a:hlink>
-        <a:folHlink>
-          <a:srgbClr val="EAEAEA"/>
-        </a:folHlink>
-      </a:clrScheme>
-      <a:clrMap bg1="lt1" tx1="dk1" bg2="lt2" tx2="dk2" accent1="accent1" accent2="accent2" accent3="accent3" accent4="accent4" accent5="accent5" accent6="accent6" hlink="hlink" folHlink="folHlink"/>
-    </a:extraClrScheme>
-    <a:extraClrScheme>
-      <a:clrScheme name="Office Theme 5">
-        <a:dk1>
-          <a:srgbClr val="000000"/>
-        </a:dk1>
-        <a:lt1>
-          <a:srgbClr val="FFFFFF"/>
-        </a:lt1>
-        <a:dk2>
-          <a:srgbClr val="000000"/>
-        </a:dk2>
-        <a:lt2>
-          <a:srgbClr val="808080"/>
-        </a:lt2>
-        <a:accent1>
-          <a:srgbClr val="FFCC66"/>
-        </a:accent1>
-        <a:accent2>
-          <a:srgbClr val="0000FF"/>
-        </a:accent2>
-        <a:accent3>
-          <a:srgbClr val="FFFFFF"/>
-        </a:accent3>
-        <a:accent4>
-          <a:srgbClr val="000000"/>
-        </a:accent4>
-        <a:accent5>
-          <a:srgbClr val="FFE2B8"/>
-        </a:accent5>
-        <a:accent6>
-          <a:srgbClr val="0000E7"/>
-        </a:accent6>
-        <a:hlink>
-          <a:srgbClr val="CC00CC"/>
-        </a:hlink>
-        <a:folHlink>
-          <a:srgbClr val="C0C0C0"/>
-        </a:folHlink>
-      </a:clrScheme>
-      <a:clrMap bg1="lt1" tx1="dk1" bg2="lt2" tx2="dk2" accent1="accent1" accent2="accent2" accent3="accent3" accent4="accent4" accent5="accent5" accent6="accent6" hlink="hlink" folHlink="folHlink"/>
-    </a:extraClrScheme>
-    <a:extraClrScheme>
-      <a:clrScheme name="Office Theme 6">
-        <a:dk1>
-          <a:srgbClr val="000000"/>
-        </a:dk1>
-        <a:lt1>
-          <a:srgbClr val="FFFFFF"/>
-        </a:lt1>
-        <a:dk2>
-          <a:srgbClr val="000000"/>
-        </a:dk2>
-        <a:lt2>
-          <a:srgbClr val="808080"/>
-        </a:lt2>
-        <a:accent1>
-          <a:srgbClr val="C0C0C0"/>
-        </a:accent1>
-        <a:accent2>
-          <a:srgbClr val="0066FF"/>
-        </a:accent2>
-        <a:accent3>
-          <a:srgbClr val="FFFFFF"/>
-        </a:accent3>
-        <a:accent4>
-          <a:srgbClr val="000000"/>
-        </a:accent4>
-        <a:accent5>
-          <a:srgbClr val="DCDCDC"/>
-        </a:accent5>
-        <a:accent6>
-          <a:srgbClr val="005CE7"/>
-        </a:accent6>
-        <a:hlink>
-          <a:srgbClr val="FF0000"/>
-        </a:hlink>
-        <a:folHlink>
-          <a:srgbClr val="009900"/>
-        </a:folHlink>
-      </a:clrScheme>
-      <a:clrMap bg1="lt1" tx1="dk1" bg2="lt2" tx2="dk2" accent1="accent1" accent2="accent2" accent3="accent3" accent4="accent4" accent5="accent5" accent6="accent6" hlink="hlink" folHlink="folHlink"/>
-    </a:extraClrScheme>
-    <a:extraClrScheme>
-      <a:clrScheme name="Office Theme 7">
-        <a:dk1>
-          <a:srgbClr val="000000"/>
-        </a:dk1>
-        <a:lt1>
-          <a:srgbClr val="FFFFFF"/>
-        </a:lt1>
-        <a:dk2>
-          <a:srgbClr val="000000"/>
-        </a:dk2>
-        <a:lt2>
-          <a:srgbClr val="808080"/>
-        </a:lt2>
-        <a:accent1>
-          <a:srgbClr val="3399FF"/>
-        </a:accent1>
-        <a:accent2>
-          <a:srgbClr val="99FFCC"/>
-        </a:accent2>
-        <a:accent3>
-          <a:srgbClr val="FFFFFF"/>
-        </a:accent3>
-        <a:accent4>
-          <a:srgbClr val="000000"/>
-        </a:accent4>
-        <a:accent5>
-          <a:srgbClr val="ADCAFF"/>
-        </a:accent5>
-        <a:accent6>
-          <a:srgbClr val="8AE7B9"/>
-        </a:accent6>
-        <a:hlink>
-          <a:srgbClr val="CC00CC"/>
-        </a:hlink>
-        <a:folHlink>
-          <a:srgbClr val="B2B2B2"/>
-        </a:folHlink>
-      </a:clrScheme>
-      <a:clrMap bg1="lt1" tx1="dk1" bg2="lt2" tx2="dk2" accent1="accent1" accent2="accent2" accent3="accent3" accent4="accent4" accent5="accent5" accent6="accent6" hlink="hlink" folHlink="folHlink"/>
-    </a:extraClrScheme>
-  </a:extraClrSchemeLst>
+  <a:objectDefaults/>
+  <a:extraClrSchemeLst/>
 </a:theme>
 </file>